--- a/NDK.pptx
+++ b/NDK.pptx
@@ -8,6 +8,12 @@
     <p:sldId id="256" r:id="rId2"/>
     <p:sldId id="257" r:id="rId3"/>
     <p:sldId id="258" r:id="rId4"/>
+    <p:sldId id="259" r:id="rId5"/>
+    <p:sldId id="262" r:id="rId6"/>
+    <p:sldId id="263" r:id="rId7"/>
+    <p:sldId id="260" r:id="rId8"/>
+    <p:sldId id="261" r:id="rId9"/>
+    <p:sldId id="264" r:id="rId10"/>
   </p:sldIdLst>
   <p:sldSz cx="12192000" cy="6858000"/>
   <p:notesSz cx="6858000" cy="9144000"/>
@@ -2418,9 +2424,40 @@
 <p:sldMaster xmlns:a="http://schemas.openxmlformats.org/drawingml/2006/main" xmlns:r="http://schemas.openxmlformats.org/officeDocument/2006/relationships" xmlns:p="http://schemas.openxmlformats.org/presentationml/2006/main">
   <p:cSld>
     <p:bg>
-      <p:bgRef idx="1001">
-        <a:schemeClr val="bg1"/>
-      </p:bgRef>
+      <p:bgPr>
+        <a:gradFill flip="none" rotWithShape="1">
+          <a:gsLst>
+            <a:gs pos="20000">
+              <a:schemeClr val="accent1">
+                <a:lumMod val="5000"/>
+                <a:lumOff val="95000"/>
+                <a:alpha val="12000"/>
+              </a:schemeClr>
+            </a:gs>
+            <a:gs pos="74000">
+              <a:schemeClr val="accent1">
+                <a:lumMod val="45000"/>
+                <a:lumOff val="55000"/>
+              </a:schemeClr>
+            </a:gs>
+            <a:gs pos="83000">
+              <a:schemeClr val="accent1">
+                <a:lumMod val="45000"/>
+                <a:lumOff val="55000"/>
+              </a:schemeClr>
+            </a:gs>
+            <a:gs pos="100000">
+              <a:schemeClr val="accent1">
+                <a:lumMod val="30000"/>
+                <a:lumOff val="70000"/>
+              </a:schemeClr>
+            </a:gs>
+          </a:gsLst>
+          <a:lin ang="5400000" scaled="1"/>
+          <a:tileRect/>
+        </a:gradFill>
+        <a:effectLst/>
+      </p:bgPr>
     </p:bg>
     <p:spTree>
       <p:nvGrpSpPr>
@@ -3530,6 +3567,801 @@
 </p:sld>
 </file>
 
+<file path=ppt/slides/slide4.xml><?xml version="1.0" encoding="utf-8"?>
+<p:sld xmlns:a="http://schemas.openxmlformats.org/drawingml/2006/main" xmlns:r="http://schemas.openxmlformats.org/officeDocument/2006/relationships" xmlns:p="http://schemas.openxmlformats.org/presentationml/2006/main">
+  <p:cSld>
+    <p:spTree>
+      <p:nvGrpSpPr>
+        <p:cNvPr id="1" name=""/>
+        <p:cNvGrpSpPr/>
+        <p:nvPr/>
+      </p:nvGrpSpPr>
+      <p:grpSpPr>
+        <a:xfrm>
+          <a:off x="0" y="0"/>
+          <a:ext cx="0" cy="0"/>
+          <a:chOff x="0" y="0"/>
+          <a:chExt cx="0" cy="0"/>
+        </a:xfrm>
+      </p:grpSpPr>
+      <p:sp>
+        <p:nvSpPr>
+          <p:cNvPr id="2" name="Title 1"/>
+          <p:cNvSpPr>
+            <a:spLocks noGrp="1"/>
+          </p:cNvSpPr>
+          <p:nvPr>
+            <p:ph type="title"/>
+          </p:nvPr>
+        </p:nvSpPr>
+        <p:spPr/>
+        <p:txBody>
+          <a:bodyPr/>
+          <a:lstStyle/>
+          <a:p>
+            <a:r>
+              <a:rPr lang="en-US" dirty="0" smtClean="0"/>
+              <a:t>Local and Global References</a:t>
+            </a:r>
+            <a:endParaRPr lang="en-US" dirty="0"/>
+          </a:p>
+        </p:txBody>
+      </p:sp>
+      <p:sp>
+        <p:nvSpPr>
+          <p:cNvPr id="3" name="Content Placeholder 2"/>
+          <p:cNvSpPr>
+            <a:spLocks noGrp="1"/>
+          </p:cNvSpPr>
+          <p:nvPr>
+            <p:ph idx="1"/>
+          </p:nvPr>
+        </p:nvSpPr>
+        <p:spPr/>
+        <p:txBody>
+          <a:bodyPr/>
+          <a:lstStyle/>
+          <a:p>
+            <a:r>
+              <a:rPr lang="en-US" dirty="0" smtClean="0"/>
+              <a:t>JNI local </a:t>
+            </a:r>
+            <a:r>
+              <a:rPr lang="en-US" dirty="0"/>
+              <a:t>t</a:t>
+            </a:r>
+            <a:r>
+              <a:rPr lang="en-US" dirty="0" smtClean="0"/>
+              <a:t>able reference overflow</a:t>
+            </a:r>
+          </a:p>
+          <a:p>
+            <a:r>
+              <a:rPr lang="en-US" dirty="0" smtClean="0"/>
+              <a:t>JNI global table reference overflow</a:t>
+            </a:r>
+          </a:p>
+          <a:p>
+            <a:endParaRPr lang="en-US" dirty="0"/>
+          </a:p>
+        </p:txBody>
+      </p:sp>
+      <p:pic>
+        <p:nvPicPr>
+          <p:cNvPr id="4" name="Picture 3"/>
+          <p:cNvPicPr>
+            <a:picLocks noChangeAspect="1"/>
+          </p:cNvPicPr>
+          <p:nvPr/>
+        </p:nvPicPr>
+        <p:blipFill>
+          <a:blip r:embed="rId2">
+            <a:extLst>
+              <a:ext uri="{28A0092B-C50C-407E-A947-70E740481C1C}">
+                <a14:useLocalDpi xmlns:a14="http://schemas.microsoft.com/office/drawing/2010/main" val="0"/>
+              </a:ext>
+            </a:extLst>
+          </a:blip>
+          <a:stretch>
+            <a:fillRect/>
+          </a:stretch>
+        </p:blipFill>
+        <p:spPr>
+          <a:xfrm>
+            <a:off x="5793785" y="1384161"/>
+            <a:ext cx="6058746" cy="3191320"/>
+          </a:xfrm>
+          <a:prstGeom prst="rect">
+            <a:avLst/>
+          </a:prstGeom>
+        </p:spPr>
+      </p:pic>
+      <p:pic>
+        <p:nvPicPr>
+          <p:cNvPr id="5" name="Picture 4"/>
+          <p:cNvPicPr>
+            <a:picLocks noChangeAspect="1"/>
+          </p:cNvPicPr>
+          <p:nvPr/>
+        </p:nvPicPr>
+        <p:blipFill>
+          <a:blip r:embed="rId3">
+            <a:extLst>
+              <a:ext uri="{28A0092B-C50C-407E-A947-70E740481C1C}">
+                <a14:useLocalDpi xmlns:a14="http://schemas.microsoft.com/office/drawing/2010/main" val="0"/>
+              </a:ext>
+            </a:extLst>
+          </a:blip>
+          <a:stretch>
+            <a:fillRect/>
+          </a:stretch>
+        </p:blipFill>
+        <p:spPr>
+          <a:xfrm>
+            <a:off x="5317154" y="2979821"/>
+            <a:ext cx="5249008" cy="914528"/>
+          </a:xfrm>
+          <a:prstGeom prst="rect">
+            <a:avLst/>
+          </a:prstGeom>
+        </p:spPr>
+      </p:pic>
+    </p:spTree>
+    <p:extLst>
+      <p:ext uri="{BB962C8B-B14F-4D97-AF65-F5344CB8AC3E}">
+        <p14:creationId xmlns:p14="http://schemas.microsoft.com/office/powerpoint/2010/main" val="2167921388"/>
+      </p:ext>
+    </p:extLst>
+  </p:cSld>
+  <p:clrMapOvr>
+    <a:masterClrMapping/>
+  </p:clrMapOvr>
+  <p:timing>
+    <p:tnLst>
+      <p:par>
+        <p:cTn id="1" dur="indefinite" restart="never" nodeType="tmRoot">
+          <p:childTnLst>
+            <p:seq concurrent="1" nextAc="seek">
+              <p:cTn id="2" dur="indefinite" nodeType="mainSeq">
+                <p:childTnLst>
+                  <p:par>
+                    <p:cTn id="3" fill="hold">
+                      <p:stCondLst>
+                        <p:cond delay="indefinite"/>
+                      </p:stCondLst>
+                      <p:childTnLst>
+                        <p:par>
+                          <p:cTn id="4" fill="hold">
+                            <p:stCondLst>
+                              <p:cond delay="0"/>
+                            </p:stCondLst>
+                            <p:childTnLst>
+                              <p:par>
+                                <p:cTn id="5" presetID="1" presetClass="entr" presetSubtype="0" fill="hold" grpId="0" nodeType="clickEffect">
+                                  <p:stCondLst>
+                                    <p:cond delay="0"/>
+                                  </p:stCondLst>
+                                  <p:childTnLst>
+                                    <p:set>
+                                      <p:cBhvr>
+                                        <p:cTn id="6" dur="1" fill="hold">
+                                          <p:stCondLst>
+                                            <p:cond delay="0"/>
+                                          </p:stCondLst>
+                                        </p:cTn>
+                                        <p:tgtEl>
+                                          <p:spTgt spid="3">
+                                            <p:txEl>
+                                              <p:pRg st="0" end="0"/>
+                                            </p:txEl>
+                                          </p:spTgt>
+                                        </p:tgtEl>
+                                        <p:attrNameLst>
+                                          <p:attrName>style.visibility</p:attrName>
+                                        </p:attrNameLst>
+                                      </p:cBhvr>
+                                      <p:to>
+                                        <p:strVal val="visible"/>
+                                      </p:to>
+                                    </p:set>
+                                  </p:childTnLst>
+                                </p:cTn>
+                              </p:par>
+                            </p:childTnLst>
+                          </p:cTn>
+                        </p:par>
+                      </p:childTnLst>
+                    </p:cTn>
+                  </p:par>
+                  <p:par>
+                    <p:cTn id="7" fill="hold">
+                      <p:stCondLst>
+                        <p:cond delay="indefinite"/>
+                      </p:stCondLst>
+                      <p:childTnLst>
+                        <p:par>
+                          <p:cTn id="8" fill="hold">
+                            <p:stCondLst>
+                              <p:cond delay="0"/>
+                            </p:stCondLst>
+                            <p:childTnLst>
+                              <p:par>
+                                <p:cTn id="9" presetID="1" presetClass="entr" presetSubtype="0" fill="hold" nodeType="clickEffect">
+                                  <p:stCondLst>
+                                    <p:cond delay="0"/>
+                                  </p:stCondLst>
+                                  <p:childTnLst>
+                                    <p:set>
+                                      <p:cBhvr>
+                                        <p:cTn id="10" dur="1" fill="hold">
+                                          <p:stCondLst>
+                                            <p:cond delay="0"/>
+                                          </p:stCondLst>
+                                        </p:cTn>
+                                        <p:tgtEl>
+                                          <p:spTgt spid="4"/>
+                                        </p:tgtEl>
+                                        <p:attrNameLst>
+                                          <p:attrName>style.visibility</p:attrName>
+                                        </p:attrNameLst>
+                                      </p:cBhvr>
+                                      <p:to>
+                                        <p:strVal val="visible"/>
+                                      </p:to>
+                                    </p:set>
+                                  </p:childTnLst>
+                                </p:cTn>
+                              </p:par>
+                            </p:childTnLst>
+                          </p:cTn>
+                        </p:par>
+                      </p:childTnLst>
+                    </p:cTn>
+                  </p:par>
+                  <p:par>
+                    <p:cTn id="11" fill="hold">
+                      <p:stCondLst>
+                        <p:cond delay="indefinite"/>
+                      </p:stCondLst>
+                      <p:childTnLst>
+                        <p:par>
+                          <p:cTn id="12" fill="hold">
+                            <p:stCondLst>
+                              <p:cond delay="0"/>
+                            </p:stCondLst>
+                            <p:childTnLst>
+                              <p:par>
+                                <p:cTn id="13" presetID="1" presetClass="exit" presetSubtype="0" fill="hold" nodeType="clickEffect">
+                                  <p:stCondLst>
+                                    <p:cond delay="0"/>
+                                  </p:stCondLst>
+                                  <p:childTnLst>
+                                    <p:set>
+                                      <p:cBhvr>
+                                        <p:cTn id="14" dur="1" fill="hold">
+                                          <p:stCondLst>
+                                            <p:cond delay="0"/>
+                                          </p:stCondLst>
+                                        </p:cTn>
+                                        <p:tgtEl>
+                                          <p:spTgt spid="4"/>
+                                        </p:tgtEl>
+                                        <p:attrNameLst>
+                                          <p:attrName>style.visibility</p:attrName>
+                                        </p:attrNameLst>
+                                      </p:cBhvr>
+                                      <p:to>
+                                        <p:strVal val="hidden"/>
+                                      </p:to>
+                                    </p:set>
+                                  </p:childTnLst>
+                                </p:cTn>
+                              </p:par>
+                              <p:par>
+                                <p:cTn id="15" presetID="1" presetClass="entr" presetSubtype="0" fill="hold" grpId="0" nodeType="withEffect">
+                                  <p:stCondLst>
+                                    <p:cond delay="0"/>
+                                  </p:stCondLst>
+                                  <p:childTnLst>
+                                    <p:set>
+                                      <p:cBhvr>
+                                        <p:cTn id="16" dur="1" fill="hold">
+                                          <p:stCondLst>
+                                            <p:cond delay="0"/>
+                                          </p:stCondLst>
+                                        </p:cTn>
+                                        <p:tgtEl>
+                                          <p:spTgt spid="3">
+                                            <p:txEl>
+                                              <p:pRg st="1" end="1"/>
+                                            </p:txEl>
+                                          </p:spTgt>
+                                        </p:tgtEl>
+                                        <p:attrNameLst>
+                                          <p:attrName>style.visibility</p:attrName>
+                                        </p:attrNameLst>
+                                      </p:cBhvr>
+                                      <p:to>
+                                        <p:strVal val="visible"/>
+                                      </p:to>
+                                    </p:set>
+                                  </p:childTnLst>
+                                </p:cTn>
+                              </p:par>
+                            </p:childTnLst>
+                          </p:cTn>
+                        </p:par>
+                      </p:childTnLst>
+                    </p:cTn>
+                  </p:par>
+                  <p:par>
+                    <p:cTn id="17" fill="hold">
+                      <p:stCondLst>
+                        <p:cond delay="indefinite"/>
+                      </p:stCondLst>
+                      <p:childTnLst>
+                        <p:par>
+                          <p:cTn id="18" fill="hold">
+                            <p:stCondLst>
+                              <p:cond delay="0"/>
+                            </p:stCondLst>
+                            <p:childTnLst>
+                              <p:par>
+                                <p:cTn id="19" presetID="1" presetClass="entr" presetSubtype="0" fill="hold" nodeType="clickEffect">
+                                  <p:stCondLst>
+                                    <p:cond delay="0"/>
+                                  </p:stCondLst>
+                                  <p:childTnLst>
+                                    <p:set>
+                                      <p:cBhvr>
+                                        <p:cTn id="20" dur="1" fill="hold">
+                                          <p:stCondLst>
+                                            <p:cond delay="0"/>
+                                          </p:stCondLst>
+                                        </p:cTn>
+                                        <p:tgtEl>
+                                          <p:spTgt spid="5"/>
+                                        </p:tgtEl>
+                                        <p:attrNameLst>
+                                          <p:attrName>style.visibility</p:attrName>
+                                        </p:attrNameLst>
+                                      </p:cBhvr>
+                                      <p:to>
+                                        <p:strVal val="visible"/>
+                                      </p:to>
+                                    </p:set>
+                                  </p:childTnLst>
+                                </p:cTn>
+                              </p:par>
+                            </p:childTnLst>
+                          </p:cTn>
+                        </p:par>
+                      </p:childTnLst>
+                    </p:cTn>
+                  </p:par>
+                </p:childTnLst>
+              </p:cTn>
+              <p:prevCondLst>
+                <p:cond evt="onPrev" delay="0">
+                  <p:tgtEl>
+                    <p:sldTgt/>
+                  </p:tgtEl>
+                </p:cond>
+              </p:prevCondLst>
+              <p:nextCondLst>
+                <p:cond evt="onNext" delay="0">
+                  <p:tgtEl>
+                    <p:sldTgt/>
+                  </p:tgtEl>
+                </p:cond>
+              </p:nextCondLst>
+            </p:seq>
+          </p:childTnLst>
+        </p:cTn>
+      </p:par>
+    </p:tnLst>
+    <p:bldLst>
+      <p:bldP spid="3" grpId="0" uiExpand="1" build="p"/>
+    </p:bldLst>
+  </p:timing>
+</p:sld>
+</file>
+
+<file path=ppt/slides/slide5.xml><?xml version="1.0" encoding="utf-8"?>
+<p:sld xmlns:a="http://schemas.openxmlformats.org/drawingml/2006/main" xmlns:r="http://schemas.openxmlformats.org/officeDocument/2006/relationships" xmlns:p="http://schemas.openxmlformats.org/presentationml/2006/main">
+  <p:cSld>
+    <p:spTree>
+      <p:nvGrpSpPr>
+        <p:cNvPr id="1" name=""/>
+        <p:cNvGrpSpPr/>
+        <p:nvPr/>
+      </p:nvGrpSpPr>
+      <p:grpSpPr>
+        <a:xfrm>
+          <a:off x="0" y="0"/>
+          <a:ext cx="0" cy="0"/>
+          <a:chOff x="0" y="0"/>
+          <a:chExt cx="0" cy="0"/>
+        </a:xfrm>
+      </p:grpSpPr>
+      <p:sp>
+        <p:nvSpPr>
+          <p:cNvPr id="2" name="Title 1"/>
+          <p:cNvSpPr>
+            <a:spLocks noGrp="1"/>
+          </p:cNvSpPr>
+          <p:nvPr>
+            <p:ph type="title"/>
+          </p:nvPr>
+        </p:nvSpPr>
+        <p:spPr/>
+        <p:txBody>
+          <a:bodyPr/>
+          <a:lstStyle/>
+          <a:p>
+            <a:r>
+              <a:rPr lang="en-US" dirty="0" smtClean="0"/>
+              <a:t>Native threads</a:t>
+            </a:r>
+            <a:endParaRPr lang="en-US" dirty="0"/>
+          </a:p>
+        </p:txBody>
+      </p:sp>
+      <p:sp>
+        <p:nvSpPr>
+          <p:cNvPr id="3" name="Content Placeholder 2"/>
+          <p:cNvSpPr>
+            <a:spLocks noGrp="1"/>
+          </p:cNvSpPr>
+          <p:nvPr>
+            <p:ph idx="1"/>
+          </p:nvPr>
+        </p:nvSpPr>
+        <p:spPr/>
+        <p:txBody>
+          <a:bodyPr/>
+          <a:lstStyle/>
+          <a:p>
+            <a:endParaRPr lang="en-US" dirty="0"/>
+          </a:p>
+        </p:txBody>
+      </p:sp>
+    </p:spTree>
+    <p:extLst>
+      <p:ext uri="{BB962C8B-B14F-4D97-AF65-F5344CB8AC3E}">
+        <p14:creationId xmlns:p14="http://schemas.microsoft.com/office/powerpoint/2010/main" val="3737184092"/>
+      </p:ext>
+    </p:extLst>
+  </p:cSld>
+  <p:clrMapOvr>
+    <a:masterClrMapping/>
+  </p:clrMapOvr>
+  <p:timing>
+    <p:tnLst>
+      <p:par>
+        <p:cTn id="1" dur="indefinite" restart="never" nodeType="tmRoot"/>
+      </p:par>
+    </p:tnLst>
+  </p:timing>
+</p:sld>
+</file>
+
+<file path=ppt/slides/slide6.xml><?xml version="1.0" encoding="utf-8"?>
+<p:sld xmlns:a="http://schemas.openxmlformats.org/drawingml/2006/main" xmlns:r="http://schemas.openxmlformats.org/officeDocument/2006/relationships" xmlns:p="http://schemas.openxmlformats.org/presentationml/2006/main">
+  <p:cSld>
+    <p:spTree>
+      <p:nvGrpSpPr>
+        <p:cNvPr id="1" name=""/>
+        <p:cNvGrpSpPr/>
+        <p:nvPr/>
+      </p:nvGrpSpPr>
+      <p:grpSpPr>
+        <a:xfrm>
+          <a:off x="0" y="0"/>
+          <a:ext cx="0" cy="0"/>
+          <a:chOff x="0" y="0"/>
+          <a:chExt cx="0" cy="0"/>
+        </a:xfrm>
+      </p:grpSpPr>
+      <p:sp>
+        <p:nvSpPr>
+          <p:cNvPr id="2" name="Title 1"/>
+          <p:cNvSpPr>
+            <a:spLocks noGrp="1"/>
+          </p:cNvSpPr>
+          <p:nvPr>
+            <p:ph type="title"/>
+          </p:nvPr>
+        </p:nvSpPr>
+        <p:spPr/>
+        <p:txBody>
+          <a:bodyPr/>
+          <a:lstStyle/>
+          <a:p>
+            <a:r>
+              <a:rPr lang="en-US" dirty="0" smtClean="0"/>
+              <a:t>Exception handling</a:t>
+            </a:r>
+            <a:endParaRPr lang="en-US" dirty="0"/>
+          </a:p>
+        </p:txBody>
+      </p:sp>
+      <p:sp>
+        <p:nvSpPr>
+          <p:cNvPr id="3" name="Content Placeholder 2"/>
+          <p:cNvSpPr>
+            <a:spLocks noGrp="1"/>
+          </p:cNvSpPr>
+          <p:nvPr>
+            <p:ph idx="1"/>
+          </p:nvPr>
+        </p:nvSpPr>
+        <p:spPr/>
+        <p:txBody>
+          <a:bodyPr/>
+          <a:lstStyle/>
+          <a:p>
+            <a:endParaRPr lang="en-US" dirty="0"/>
+          </a:p>
+        </p:txBody>
+      </p:sp>
+    </p:spTree>
+    <p:extLst>
+      <p:ext uri="{BB962C8B-B14F-4D97-AF65-F5344CB8AC3E}">
+        <p14:creationId xmlns:p14="http://schemas.microsoft.com/office/powerpoint/2010/main" val="670405104"/>
+      </p:ext>
+    </p:extLst>
+  </p:cSld>
+  <p:clrMapOvr>
+    <a:masterClrMapping/>
+  </p:clrMapOvr>
+  <p:timing>
+    <p:tnLst>
+      <p:par>
+        <p:cTn id="1" dur="indefinite" restart="never" nodeType="tmRoot"/>
+      </p:par>
+    </p:tnLst>
+  </p:timing>
+</p:sld>
+</file>
+
+<file path=ppt/slides/slide7.xml><?xml version="1.0" encoding="utf-8"?>
+<p:sld xmlns:a="http://schemas.openxmlformats.org/drawingml/2006/main" xmlns:r="http://schemas.openxmlformats.org/officeDocument/2006/relationships" xmlns:p="http://schemas.openxmlformats.org/presentationml/2006/main">
+  <p:cSld>
+    <p:spTree>
+      <p:nvGrpSpPr>
+        <p:cNvPr id="1" name=""/>
+        <p:cNvGrpSpPr/>
+        <p:nvPr/>
+      </p:nvGrpSpPr>
+      <p:grpSpPr>
+        <a:xfrm>
+          <a:off x="0" y="0"/>
+          <a:ext cx="0" cy="0"/>
+          <a:chOff x="0" y="0"/>
+          <a:chExt cx="0" cy="0"/>
+        </a:xfrm>
+      </p:grpSpPr>
+      <p:sp>
+        <p:nvSpPr>
+          <p:cNvPr id="2" name="Title 1"/>
+          <p:cNvSpPr>
+            <a:spLocks noGrp="1"/>
+          </p:cNvSpPr>
+          <p:nvPr>
+            <p:ph type="title"/>
+          </p:nvPr>
+        </p:nvSpPr>
+        <p:spPr/>
+        <p:txBody>
+          <a:bodyPr/>
+          <a:lstStyle/>
+          <a:p>
+            <a:r>
+              <a:rPr lang="en-US" dirty="0" smtClean="0"/>
+              <a:t>Reduce APK size by reducing C/C++ artefacts</a:t>
+            </a:r>
+            <a:endParaRPr lang="en-US" dirty="0"/>
+          </a:p>
+        </p:txBody>
+      </p:sp>
+      <p:sp>
+        <p:nvSpPr>
+          <p:cNvPr id="3" name="Content Placeholder 2"/>
+          <p:cNvSpPr>
+            <a:spLocks noGrp="1"/>
+          </p:cNvSpPr>
+          <p:nvPr>
+            <p:ph idx="1"/>
+          </p:nvPr>
+        </p:nvSpPr>
+        <p:spPr/>
+        <p:txBody>
+          <a:bodyPr/>
+          <a:lstStyle/>
+          <a:p>
+            <a:endParaRPr lang="en-US" dirty="0"/>
+          </a:p>
+        </p:txBody>
+      </p:sp>
+    </p:spTree>
+    <p:extLst>
+      <p:ext uri="{BB962C8B-B14F-4D97-AF65-F5344CB8AC3E}">
+        <p14:creationId xmlns:p14="http://schemas.microsoft.com/office/powerpoint/2010/main" val="3291943501"/>
+      </p:ext>
+    </p:extLst>
+  </p:cSld>
+  <p:clrMapOvr>
+    <a:masterClrMapping/>
+  </p:clrMapOvr>
+  <p:timing>
+    <p:tnLst>
+      <p:par>
+        <p:cTn id="1" dur="indefinite" restart="never" nodeType="tmRoot"/>
+      </p:par>
+    </p:tnLst>
+  </p:timing>
+</p:sld>
+</file>
+
+<file path=ppt/slides/slide8.xml><?xml version="1.0" encoding="utf-8"?>
+<p:sld xmlns:a="http://schemas.openxmlformats.org/drawingml/2006/main" xmlns:r="http://schemas.openxmlformats.org/officeDocument/2006/relationships" xmlns:p="http://schemas.openxmlformats.org/presentationml/2006/main">
+  <p:cSld>
+    <p:spTree>
+      <p:nvGrpSpPr>
+        <p:cNvPr id="1" name=""/>
+        <p:cNvGrpSpPr/>
+        <p:nvPr/>
+      </p:nvGrpSpPr>
+      <p:grpSpPr>
+        <a:xfrm>
+          <a:off x="0" y="0"/>
+          <a:ext cx="0" cy="0"/>
+          <a:chOff x="0" y="0"/>
+          <a:chExt cx="0" cy="0"/>
+        </a:xfrm>
+      </p:grpSpPr>
+      <p:sp>
+        <p:nvSpPr>
+          <p:cNvPr id="2" name="Title 1"/>
+          <p:cNvSpPr>
+            <a:spLocks noGrp="1"/>
+          </p:cNvSpPr>
+          <p:nvPr>
+            <p:ph type="title"/>
+          </p:nvPr>
+        </p:nvSpPr>
+        <p:spPr/>
+        <p:txBody>
+          <a:bodyPr/>
+          <a:lstStyle/>
+          <a:p>
+            <a:r>
+              <a:rPr lang="en-US" dirty="0" smtClean="0"/>
+              <a:t>Crash handling</a:t>
+            </a:r>
+            <a:endParaRPr lang="en-US" dirty="0"/>
+          </a:p>
+        </p:txBody>
+      </p:sp>
+      <p:sp>
+        <p:nvSpPr>
+          <p:cNvPr id="3" name="Content Placeholder 2"/>
+          <p:cNvSpPr>
+            <a:spLocks noGrp="1"/>
+          </p:cNvSpPr>
+          <p:nvPr>
+            <p:ph idx="1"/>
+          </p:nvPr>
+        </p:nvSpPr>
+        <p:spPr/>
+        <p:txBody>
+          <a:bodyPr/>
+          <a:lstStyle/>
+          <a:p>
+            <a:endParaRPr lang="en-US" dirty="0"/>
+          </a:p>
+        </p:txBody>
+      </p:sp>
+    </p:spTree>
+    <p:extLst>
+      <p:ext uri="{BB962C8B-B14F-4D97-AF65-F5344CB8AC3E}">
+        <p14:creationId xmlns:p14="http://schemas.microsoft.com/office/powerpoint/2010/main" val="2286164954"/>
+      </p:ext>
+    </p:extLst>
+  </p:cSld>
+  <p:clrMapOvr>
+    <a:masterClrMapping/>
+  </p:clrMapOvr>
+  <p:timing>
+    <p:tnLst>
+      <p:par>
+        <p:cTn id="1" dur="indefinite" restart="never" nodeType="tmRoot"/>
+      </p:par>
+    </p:tnLst>
+  </p:timing>
+</p:sld>
+</file>
+
+<file path=ppt/slides/slide9.xml><?xml version="1.0" encoding="utf-8"?>
+<p:sld xmlns:a="http://schemas.openxmlformats.org/drawingml/2006/main" xmlns:r="http://schemas.openxmlformats.org/officeDocument/2006/relationships" xmlns:p="http://schemas.openxmlformats.org/presentationml/2006/main">
+  <p:cSld>
+    <p:spTree>
+      <p:nvGrpSpPr>
+        <p:cNvPr id="1" name=""/>
+        <p:cNvGrpSpPr/>
+        <p:nvPr/>
+      </p:nvGrpSpPr>
+      <p:grpSpPr>
+        <a:xfrm>
+          <a:off x="0" y="0"/>
+          <a:ext cx="0" cy="0"/>
+          <a:chOff x="0" y="0"/>
+          <a:chExt cx="0" cy="0"/>
+        </a:xfrm>
+      </p:grpSpPr>
+      <p:sp>
+        <p:nvSpPr>
+          <p:cNvPr id="2" name="Title 1"/>
+          <p:cNvSpPr>
+            <a:spLocks noGrp="1"/>
+          </p:cNvSpPr>
+          <p:nvPr>
+            <p:ph type="title"/>
+          </p:nvPr>
+        </p:nvSpPr>
+        <p:spPr/>
+        <p:txBody>
+          <a:bodyPr/>
+          <a:lstStyle/>
+          <a:p>
+            <a:r>
+              <a:rPr lang="en-US" dirty="0" smtClean="0"/>
+              <a:t>Thank you</a:t>
+            </a:r>
+            <a:endParaRPr lang="en-US" dirty="0"/>
+          </a:p>
+        </p:txBody>
+      </p:sp>
+      <p:sp>
+        <p:nvSpPr>
+          <p:cNvPr id="3" name="Content Placeholder 2"/>
+          <p:cNvSpPr>
+            <a:spLocks noGrp="1"/>
+          </p:cNvSpPr>
+          <p:nvPr>
+            <p:ph idx="1"/>
+          </p:nvPr>
+        </p:nvSpPr>
+        <p:spPr/>
+        <p:txBody>
+          <a:bodyPr/>
+          <a:lstStyle/>
+          <a:p>
+            <a:endParaRPr lang="en-US"/>
+          </a:p>
+        </p:txBody>
+      </p:sp>
+    </p:spTree>
+    <p:extLst>
+      <p:ext uri="{BB962C8B-B14F-4D97-AF65-F5344CB8AC3E}">
+        <p14:creationId xmlns:p14="http://schemas.microsoft.com/office/powerpoint/2010/main" val="1045684420"/>
+      </p:ext>
+    </p:extLst>
+  </p:cSld>
+  <p:clrMapOvr>
+    <a:masterClrMapping/>
+  </p:clrMapOvr>
+  <p:timing>
+    <p:tnLst>
+      <p:par>
+        <p:cTn id="1" dur="indefinite" restart="never" nodeType="tmRoot"/>
+      </p:par>
+    </p:tnLst>
+  </p:timing>
+</p:sld>
+</file>
+
 <file path=ppt/theme/theme1.xml><?xml version="1.0" encoding="utf-8"?>
 <a:theme xmlns:a="http://schemas.openxmlformats.org/drawingml/2006/main" name="Office Theme">
   <a:themeElements>

--- a/NDK.pptx
+++ b/NDK.pptx
@@ -10,10 +10,11 @@
     <p:sldId id="258" r:id="rId4"/>
     <p:sldId id="259" r:id="rId5"/>
     <p:sldId id="262" r:id="rId6"/>
-    <p:sldId id="263" r:id="rId7"/>
-    <p:sldId id="260" r:id="rId8"/>
-    <p:sldId id="261" r:id="rId9"/>
-    <p:sldId id="264" r:id="rId10"/>
+    <p:sldId id="265" r:id="rId7"/>
+    <p:sldId id="263" r:id="rId8"/>
+    <p:sldId id="260" r:id="rId9"/>
+    <p:sldId id="261" r:id="rId10"/>
+    <p:sldId id="264" r:id="rId11"/>
   </p:sldIdLst>
   <p:sldSz cx="12192000" cy="6858000"/>
   <p:notesSz cx="6858000" cy="9144000"/>
@@ -251,7 +252,7 @@
           <a:p>
             <a:fld id="{E68A8755-D758-4E0E-A7B6-8C6D23EC775F}" type="datetimeFigureOut">
               <a:rPr lang="en-US" smtClean="0"/>
-              <a:t>3/3/2018</a:t>
+              <a:t>3/4/2018</a:t>
             </a:fld>
             <a:endParaRPr lang="en-US"/>
           </a:p>
@@ -421,7 +422,7 @@
           <a:p>
             <a:fld id="{E68A8755-D758-4E0E-A7B6-8C6D23EC775F}" type="datetimeFigureOut">
               <a:rPr lang="en-US" smtClean="0"/>
-              <a:t>3/3/2018</a:t>
+              <a:t>3/4/2018</a:t>
             </a:fld>
             <a:endParaRPr lang="en-US"/>
           </a:p>
@@ -601,7 +602,7 @@
           <a:p>
             <a:fld id="{E68A8755-D758-4E0E-A7B6-8C6D23EC775F}" type="datetimeFigureOut">
               <a:rPr lang="en-US" smtClean="0"/>
-              <a:t>3/3/2018</a:t>
+              <a:t>3/4/2018</a:t>
             </a:fld>
             <a:endParaRPr lang="en-US"/>
           </a:p>
@@ -771,7 +772,7 @@
           <a:p>
             <a:fld id="{E68A8755-D758-4E0E-A7B6-8C6D23EC775F}" type="datetimeFigureOut">
               <a:rPr lang="en-US" smtClean="0"/>
-              <a:t>3/3/2018</a:t>
+              <a:t>3/4/2018</a:t>
             </a:fld>
             <a:endParaRPr lang="en-US"/>
           </a:p>
@@ -1017,7 +1018,7 @@
           <a:p>
             <a:fld id="{E68A8755-D758-4E0E-A7B6-8C6D23EC775F}" type="datetimeFigureOut">
               <a:rPr lang="en-US" smtClean="0"/>
-              <a:t>3/3/2018</a:t>
+              <a:t>3/4/2018</a:t>
             </a:fld>
             <a:endParaRPr lang="en-US"/>
           </a:p>
@@ -1249,7 +1250,7 @@
           <a:p>
             <a:fld id="{E68A8755-D758-4E0E-A7B6-8C6D23EC775F}" type="datetimeFigureOut">
               <a:rPr lang="en-US" smtClean="0"/>
-              <a:t>3/3/2018</a:t>
+              <a:t>3/4/2018</a:t>
             </a:fld>
             <a:endParaRPr lang="en-US"/>
           </a:p>
@@ -1616,7 +1617,7 @@
           <a:p>
             <a:fld id="{E68A8755-D758-4E0E-A7B6-8C6D23EC775F}" type="datetimeFigureOut">
               <a:rPr lang="en-US" smtClean="0"/>
-              <a:t>3/3/2018</a:t>
+              <a:t>3/4/2018</a:t>
             </a:fld>
             <a:endParaRPr lang="en-US"/>
           </a:p>
@@ -1734,7 +1735,7 @@
           <a:p>
             <a:fld id="{E68A8755-D758-4E0E-A7B6-8C6D23EC775F}" type="datetimeFigureOut">
               <a:rPr lang="en-US" smtClean="0"/>
-              <a:t>3/3/2018</a:t>
+              <a:t>3/4/2018</a:t>
             </a:fld>
             <a:endParaRPr lang="en-US"/>
           </a:p>
@@ -1829,7 +1830,7 @@
           <a:p>
             <a:fld id="{E68A8755-D758-4E0E-A7B6-8C6D23EC775F}" type="datetimeFigureOut">
               <a:rPr lang="en-US" smtClean="0"/>
-              <a:t>3/3/2018</a:t>
+              <a:t>3/4/2018</a:t>
             </a:fld>
             <a:endParaRPr lang="en-US"/>
           </a:p>
@@ -2106,7 +2107,7 @@
           <a:p>
             <a:fld id="{E68A8755-D758-4E0E-A7B6-8C6D23EC775F}" type="datetimeFigureOut">
               <a:rPr lang="en-US" smtClean="0"/>
-              <a:t>3/3/2018</a:t>
+              <a:t>3/4/2018</a:t>
             </a:fld>
             <a:endParaRPr lang="en-US"/>
           </a:p>
@@ -2359,7 +2360,7 @@
           <a:p>
             <a:fld id="{E68A8755-D758-4E0E-A7B6-8C6D23EC775F}" type="datetimeFigureOut">
               <a:rPr lang="en-US" smtClean="0"/>
-              <a:t>3/3/2018</a:t>
+              <a:t>3/4/2018</a:t>
             </a:fld>
             <a:endParaRPr lang="en-US"/>
           </a:p>
@@ -2603,7 +2604,7 @@
           <a:p>
             <a:fld id="{E68A8755-D758-4E0E-A7B6-8C6D23EC775F}" type="datetimeFigureOut">
               <a:rPr lang="en-US" smtClean="0"/>
-              <a:t>3/3/2018</a:t>
+              <a:t>3/4/2018</a:t>
             </a:fld>
             <a:endParaRPr lang="en-US"/>
           </a:p>
@@ -3025,7 +3026,15 @@
           <a:p>
             <a:r>
               <a:rPr lang="en-US" dirty="0"/>
-              <a:t>NDK: Crashes, errors and common mistakes</a:t>
+              <a:t>NDK: </a:t>
+            </a:r>
+            <a:r>
+              <a:rPr lang="en-US" dirty="0" smtClean="0"/>
+              <a:t>JNI crashes</a:t>
+            </a:r>
+            <a:r>
+              <a:rPr lang="en-US" dirty="0"/>
+              <a:t>, errors and common mistakes</a:t>
             </a:r>
           </a:p>
         </p:txBody>
@@ -3053,6 +3062,85 @@
     <p:extLst>
       <p:ext uri="{BB962C8B-B14F-4D97-AF65-F5344CB8AC3E}">
         <p14:creationId xmlns:p14="http://schemas.microsoft.com/office/powerpoint/2010/main" val="1829941670"/>
+      </p:ext>
+    </p:extLst>
+  </p:cSld>
+  <p:clrMapOvr>
+    <a:masterClrMapping/>
+  </p:clrMapOvr>
+  <p:timing>
+    <p:tnLst>
+      <p:par>
+        <p:cTn id="1" dur="indefinite" restart="never" nodeType="tmRoot"/>
+      </p:par>
+    </p:tnLst>
+  </p:timing>
+</p:sld>
+</file>
+
+<file path=ppt/slides/slide10.xml><?xml version="1.0" encoding="utf-8"?>
+<p:sld xmlns:a="http://schemas.openxmlformats.org/drawingml/2006/main" xmlns:r="http://schemas.openxmlformats.org/officeDocument/2006/relationships" xmlns:p="http://schemas.openxmlformats.org/presentationml/2006/main">
+  <p:cSld>
+    <p:spTree>
+      <p:nvGrpSpPr>
+        <p:cNvPr id="1" name=""/>
+        <p:cNvGrpSpPr/>
+        <p:nvPr/>
+      </p:nvGrpSpPr>
+      <p:grpSpPr>
+        <a:xfrm>
+          <a:off x="0" y="0"/>
+          <a:ext cx="0" cy="0"/>
+          <a:chOff x="0" y="0"/>
+          <a:chExt cx="0" cy="0"/>
+        </a:xfrm>
+      </p:grpSpPr>
+      <p:sp>
+        <p:nvSpPr>
+          <p:cNvPr id="2" name="Title 1"/>
+          <p:cNvSpPr>
+            <a:spLocks noGrp="1"/>
+          </p:cNvSpPr>
+          <p:nvPr>
+            <p:ph type="title"/>
+          </p:nvPr>
+        </p:nvSpPr>
+        <p:spPr/>
+        <p:txBody>
+          <a:bodyPr/>
+          <a:lstStyle/>
+          <a:p>
+            <a:r>
+              <a:rPr lang="en-US" dirty="0" smtClean="0"/>
+              <a:t>Thank you</a:t>
+            </a:r>
+            <a:endParaRPr lang="en-US" dirty="0"/>
+          </a:p>
+        </p:txBody>
+      </p:sp>
+      <p:sp>
+        <p:nvSpPr>
+          <p:cNvPr id="3" name="Content Placeholder 2"/>
+          <p:cNvSpPr>
+            <a:spLocks noGrp="1"/>
+          </p:cNvSpPr>
+          <p:nvPr>
+            <p:ph idx="1"/>
+          </p:nvPr>
+        </p:nvSpPr>
+        <p:spPr/>
+        <p:txBody>
+          <a:bodyPr/>
+          <a:lstStyle/>
+          <a:p>
+            <a:endParaRPr lang="en-US"/>
+          </a:p>
+        </p:txBody>
+      </p:sp>
+    </p:spTree>
+    <p:extLst>
+      <p:ext uri="{BB962C8B-B14F-4D97-AF65-F5344CB8AC3E}">
+        <p14:creationId xmlns:p14="http://schemas.microsoft.com/office/powerpoint/2010/main" val="1045684420"/>
       </p:ext>
     </p:extLst>
   </p:cSld>
@@ -3134,72 +3222,16 @@
           </a:p>
         </p:txBody>
       </p:sp>
-    </p:spTree>
-    <p:extLst>
-      <p:ext uri="{BB962C8B-B14F-4D97-AF65-F5344CB8AC3E}">
-        <p14:creationId xmlns:p14="http://schemas.microsoft.com/office/powerpoint/2010/main" val="3606916210"/>
-      </p:ext>
-    </p:extLst>
-  </p:cSld>
-  <p:clrMapOvr>
-    <a:masterClrMapping/>
-  </p:clrMapOvr>
-  <p:timing>
-    <p:tnLst>
-      <p:par>
-        <p:cTn id="1" dur="indefinite" restart="never" nodeType="tmRoot"/>
-      </p:par>
-    </p:tnLst>
-  </p:timing>
-</p:sld>
-</file>
-
-<file path=ppt/slides/slide3.xml><?xml version="1.0" encoding="utf-8"?>
-<p:sld xmlns:a="http://schemas.openxmlformats.org/drawingml/2006/main" xmlns:r="http://schemas.openxmlformats.org/officeDocument/2006/relationships" xmlns:p="http://schemas.openxmlformats.org/presentationml/2006/main">
-  <p:cSld>
-    <p:spTree>
-      <p:nvGrpSpPr>
-        <p:cNvPr id="1" name=""/>
-        <p:cNvGrpSpPr/>
-        <p:nvPr/>
-      </p:nvGrpSpPr>
-      <p:grpSpPr>
-        <a:xfrm>
-          <a:off x="0" y="0"/>
-          <a:ext cx="0" cy="0"/>
-          <a:chOff x="0" y="0"/>
-          <a:chExt cx="0" cy="0"/>
-        </a:xfrm>
-      </p:grpSpPr>
-      <p:sp>
-        <p:nvSpPr>
-          <p:cNvPr id="2" name="Title 1"/>
-          <p:cNvSpPr>
-            <a:spLocks noGrp="1"/>
-          </p:cNvSpPr>
-          <p:nvPr>
-            <p:ph type="title"/>
-          </p:nvPr>
-        </p:nvSpPr>
-        <p:spPr/>
-        <p:txBody>
-          <a:bodyPr/>
-          <a:lstStyle/>
-          <a:p>
-            <a:endParaRPr lang="en-US" dirty="0"/>
-          </a:p>
-        </p:txBody>
-      </p:sp>
       <p:graphicFrame>
         <p:nvGraphicFramePr>
-          <p:cNvPr id="5" name="Table 4"/>
+          <p:cNvPr id="4" name="Table 3"/>
           <p:cNvGraphicFramePr>
             <a:graphicFrameLocks noGrp="1"/>
           </p:cNvGraphicFramePr>
           <p:nvPr>
             <p:extLst>
               <p:ext uri="{D42A27DB-BD31-4B8C-83A1-F6EECF244321}">
-                <p14:modId xmlns:p14="http://schemas.microsoft.com/office/powerpoint/2010/main" val="2893228067"/>
+                <p14:modId xmlns:p14="http://schemas.microsoft.com/office/powerpoint/2010/main" val="3766292797"/>
               </p:ext>
             </p:extLst>
           </p:nvPr>
@@ -3550,7 +3582,7 @@
     </p:spTree>
     <p:extLst>
       <p:ext uri="{BB962C8B-B14F-4D97-AF65-F5344CB8AC3E}">
-        <p14:creationId xmlns:p14="http://schemas.microsoft.com/office/powerpoint/2010/main" val="3994290888"/>
+        <p14:creationId xmlns:p14="http://schemas.microsoft.com/office/powerpoint/2010/main" val="3606916210"/>
       </p:ext>
     </p:extLst>
   </p:cSld>
@@ -3563,6 +3595,1398 @@
         <p:cTn id="1" dur="indefinite" restart="never" nodeType="tmRoot"/>
       </p:par>
     </p:tnLst>
+  </p:timing>
+</p:sld>
+</file>
+
+<file path=ppt/slides/slide3.xml><?xml version="1.0" encoding="utf-8"?>
+<p:sld xmlns:a="http://schemas.openxmlformats.org/drawingml/2006/main" xmlns:r="http://schemas.openxmlformats.org/officeDocument/2006/relationships" xmlns:p="http://schemas.openxmlformats.org/presentationml/2006/main">
+  <p:cSld>
+    <p:spTree>
+      <p:nvGrpSpPr>
+        <p:cNvPr id="1" name=""/>
+        <p:cNvGrpSpPr/>
+        <p:nvPr/>
+      </p:nvGrpSpPr>
+      <p:grpSpPr>
+        <a:xfrm>
+          <a:off x="0" y="0"/>
+          <a:ext cx="0" cy="0"/>
+          <a:chOff x="0" y="0"/>
+          <a:chExt cx="0" cy="0"/>
+        </a:xfrm>
+      </p:grpSpPr>
+      <p:sp>
+        <p:nvSpPr>
+          <p:cNvPr id="2" name="Title 1"/>
+          <p:cNvSpPr>
+            <a:spLocks noGrp="1"/>
+          </p:cNvSpPr>
+          <p:nvPr>
+            <p:ph type="title"/>
+          </p:nvPr>
+        </p:nvSpPr>
+        <p:spPr/>
+        <p:txBody>
+          <a:bodyPr/>
+          <a:lstStyle/>
+          <a:p>
+            <a:pPr algn="ctr"/>
+            <a:r>
+              <a:rPr lang="en-US" dirty="0" smtClean="0"/>
+              <a:t>Why we use NDK/JNI?</a:t>
+            </a:r>
+            <a:endParaRPr lang="en-US" dirty="0"/>
+          </a:p>
+        </p:txBody>
+      </p:sp>
+      <p:sp>
+        <p:nvSpPr>
+          <p:cNvPr id="6" name="Rounded Rectangle 5"/>
+          <p:cNvSpPr/>
+          <p:nvPr/>
+        </p:nvSpPr>
+        <p:spPr>
+          <a:xfrm>
+            <a:off x="7165732" y="3215785"/>
+            <a:ext cx="1995853" cy="567104"/>
+          </a:xfrm>
+          <a:prstGeom prst="roundRect">
+            <a:avLst/>
+          </a:prstGeom>
+          <a:solidFill>
+            <a:schemeClr val="accent1">
+              <a:lumMod val="75000"/>
+            </a:schemeClr>
+          </a:solidFill>
+        </p:spPr>
+        <p:style>
+          <a:lnRef idx="2">
+            <a:schemeClr val="accent1">
+              <a:shade val="50000"/>
+            </a:schemeClr>
+          </a:lnRef>
+          <a:fillRef idx="1">
+            <a:schemeClr val="accent1"/>
+          </a:fillRef>
+          <a:effectRef idx="0">
+            <a:schemeClr val="accent1"/>
+          </a:effectRef>
+          <a:fontRef idx="minor">
+            <a:schemeClr val="lt1"/>
+          </a:fontRef>
+        </p:style>
+        <p:txBody>
+          <a:bodyPr rtlCol="0" anchor="ctr"/>
+          <a:lstStyle/>
+          <a:p>
+            <a:pPr algn="ctr"/>
+            <a:r>
+              <a:rPr lang="en-US" dirty="0" smtClean="0"/>
+              <a:t>C/C++ Core</a:t>
+            </a:r>
+            <a:endParaRPr lang="en-US" dirty="0"/>
+          </a:p>
+        </p:txBody>
+      </p:sp>
+      <p:sp>
+        <p:nvSpPr>
+          <p:cNvPr id="22" name="Rounded Rectangle 21"/>
+          <p:cNvSpPr/>
+          <p:nvPr/>
+        </p:nvSpPr>
+        <p:spPr>
+          <a:xfrm>
+            <a:off x="7165730" y="2497015"/>
+            <a:ext cx="1995855" cy="430823"/>
+          </a:xfrm>
+          <a:prstGeom prst="roundRect">
+            <a:avLst/>
+          </a:prstGeom>
+          <a:solidFill>
+            <a:srgbClr val="57B9AD"/>
+          </a:solidFill>
+        </p:spPr>
+        <p:style>
+          <a:lnRef idx="2">
+            <a:schemeClr val="accent1">
+              <a:shade val="50000"/>
+            </a:schemeClr>
+          </a:lnRef>
+          <a:fillRef idx="1">
+            <a:schemeClr val="accent1"/>
+          </a:fillRef>
+          <a:effectRef idx="0">
+            <a:schemeClr val="accent1"/>
+          </a:effectRef>
+          <a:fontRef idx="minor">
+            <a:schemeClr val="lt1"/>
+          </a:fontRef>
+        </p:style>
+        <p:txBody>
+          <a:bodyPr rtlCol="0" anchor="ctr"/>
+          <a:lstStyle/>
+          <a:p>
+            <a:pPr algn="ctr"/>
+            <a:r>
+              <a:rPr lang="en-US" dirty="0" smtClean="0"/>
+              <a:t>JNI Layer</a:t>
+            </a:r>
+            <a:endParaRPr lang="en-US" dirty="0"/>
+          </a:p>
+        </p:txBody>
+      </p:sp>
+      <p:sp>
+        <p:nvSpPr>
+          <p:cNvPr id="25" name="Rounded Rectangle 24"/>
+          <p:cNvSpPr/>
+          <p:nvPr/>
+        </p:nvSpPr>
+        <p:spPr>
+          <a:xfrm>
+            <a:off x="7165731" y="1668708"/>
+            <a:ext cx="1995854" cy="567103"/>
+          </a:xfrm>
+          <a:prstGeom prst="roundRect">
+            <a:avLst/>
+          </a:prstGeom>
+          <a:solidFill>
+            <a:schemeClr val="accent6">
+              <a:lumMod val="75000"/>
+            </a:schemeClr>
+          </a:solidFill>
+        </p:spPr>
+        <p:style>
+          <a:lnRef idx="2">
+            <a:schemeClr val="accent1">
+              <a:shade val="50000"/>
+            </a:schemeClr>
+          </a:lnRef>
+          <a:fillRef idx="1">
+            <a:schemeClr val="accent1"/>
+          </a:fillRef>
+          <a:effectRef idx="0">
+            <a:schemeClr val="accent1"/>
+          </a:effectRef>
+          <a:fontRef idx="minor">
+            <a:schemeClr val="lt1"/>
+          </a:fontRef>
+        </p:style>
+        <p:txBody>
+          <a:bodyPr rtlCol="0" anchor="ctr"/>
+          <a:lstStyle/>
+          <a:p>
+            <a:pPr algn="ctr"/>
+            <a:r>
+              <a:rPr lang="en-US" dirty="0" smtClean="0"/>
+              <a:t>Android Java Layer</a:t>
+            </a:r>
+            <a:endParaRPr lang="en-US" dirty="0"/>
+          </a:p>
+        </p:txBody>
+      </p:sp>
+      <p:sp>
+        <p:nvSpPr>
+          <p:cNvPr id="27" name="Rounded Rectangle 26"/>
+          <p:cNvSpPr/>
+          <p:nvPr/>
+        </p:nvSpPr>
+        <p:spPr>
+          <a:xfrm>
+            <a:off x="5946531" y="4249244"/>
+            <a:ext cx="1995854" cy="567103"/>
+          </a:xfrm>
+          <a:prstGeom prst="roundRect">
+            <a:avLst/>
+          </a:prstGeom>
+          <a:solidFill>
+            <a:schemeClr val="accent3"/>
+          </a:solidFill>
+        </p:spPr>
+        <p:style>
+          <a:lnRef idx="2">
+            <a:schemeClr val="accent1">
+              <a:shade val="50000"/>
+            </a:schemeClr>
+          </a:lnRef>
+          <a:fillRef idx="1">
+            <a:schemeClr val="accent1"/>
+          </a:fillRef>
+          <a:effectRef idx="0">
+            <a:schemeClr val="accent1"/>
+          </a:effectRef>
+          <a:fontRef idx="minor">
+            <a:schemeClr val="lt1"/>
+          </a:fontRef>
+        </p:style>
+        <p:txBody>
+          <a:bodyPr rtlCol="0" anchor="ctr"/>
+          <a:lstStyle/>
+          <a:p>
+            <a:pPr algn="ctr"/>
+            <a:r>
+              <a:rPr lang="en-US" dirty="0" smtClean="0"/>
+              <a:t>iOS Objective-C</a:t>
+            </a:r>
+            <a:endParaRPr lang="en-US" dirty="0"/>
+          </a:p>
+        </p:txBody>
+      </p:sp>
+      <p:sp>
+        <p:nvSpPr>
+          <p:cNvPr id="28" name="Rounded Rectangle 27"/>
+          <p:cNvSpPr/>
+          <p:nvPr/>
+        </p:nvSpPr>
+        <p:spPr>
+          <a:xfrm>
+            <a:off x="8604738" y="4249244"/>
+            <a:ext cx="2130669" cy="567103"/>
+          </a:xfrm>
+          <a:prstGeom prst="roundRect">
+            <a:avLst/>
+          </a:prstGeom>
+          <a:solidFill>
+            <a:schemeClr val="accent3"/>
+          </a:solidFill>
+        </p:spPr>
+        <p:style>
+          <a:lnRef idx="2">
+            <a:schemeClr val="accent1">
+              <a:shade val="50000"/>
+            </a:schemeClr>
+          </a:lnRef>
+          <a:fillRef idx="1">
+            <a:schemeClr val="accent1"/>
+          </a:fillRef>
+          <a:effectRef idx="0">
+            <a:schemeClr val="accent1"/>
+          </a:effectRef>
+          <a:fontRef idx="minor">
+            <a:schemeClr val="lt1"/>
+          </a:fontRef>
+        </p:style>
+        <p:txBody>
+          <a:bodyPr rtlCol="0" anchor="ctr"/>
+          <a:lstStyle/>
+          <a:p>
+            <a:pPr algn="ctr"/>
+            <a:r>
+              <a:rPr lang="en-US" dirty="0" err="1" smtClean="0"/>
+              <a:t>MacOS</a:t>
+            </a:r>
+            <a:r>
+              <a:rPr lang="en-US" dirty="0" smtClean="0"/>
+              <a:t> Objective-C</a:t>
+            </a:r>
+            <a:endParaRPr lang="en-US" dirty="0"/>
+          </a:p>
+        </p:txBody>
+      </p:sp>
+      <p:sp>
+        <p:nvSpPr>
+          <p:cNvPr id="29" name="Rounded Rectangle 28"/>
+          <p:cNvSpPr/>
+          <p:nvPr/>
+        </p:nvSpPr>
+        <p:spPr>
+          <a:xfrm>
+            <a:off x="9797562" y="3215785"/>
+            <a:ext cx="1995854" cy="567103"/>
+          </a:xfrm>
+          <a:prstGeom prst="roundRect">
+            <a:avLst/>
+          </a:prstGeom>
+          <a:solidFill>
+            <a:srgbClr val="7030A0"/>
+          </a:solidFill>
+        </p:spPr>
+        <p:style>
+          <a:lnRef idx="2">
+            <a:schemeClr val="accent1">
+              <a:shade val="50000"/>
+            </a:schemeClr>
+          </a:lnRef>
+          <a:fillRef idx="1">
+            <a:schemeClr val="accent1"/>
+          </a:fillRef>
+          <a:effectRef idx="0">
+            <a:schemeClr val="accent1"/>
+          </a:effectRef>
+          <a:fontRef idx="minor">
+            <a:schemeClr val="lt1"/>
+          </a:fontRef>
+        </p:style>
+        <p:txBody>
+          <a:bodyPr rtlCol="0" anchor="ctr"/>
+          <a:lstStyle/>
+          <a:p>
+            <a:pPr algn="ctr"/>
+            <a:r>
+              <a:rPr lang="en-US" dirty="0" smtClean="0"/>
+              <a:t>Win </a:t>
+            </a:r>
+            <a:r>
+              <a:rPr lang="en-US" dirty="0"/>
+              <a:t>desktop </a:t>
+            </a:r>
+            <a:r>
+              <a:rPr lang="en-US" dirty="0" smtClean="0"/>
+              <a:t>C++</a:t>
+            </a:r>
+            <a:endParaRPr lang="en-US" dirty="0"/>
+          </a:p>
+        </p:txBody>
+      </p:sp>
+      <p:sp>
+        <p:nvSpPr>
+          <p:cNvPr id="30" name="Content Placeholder 2"/>
+          <p:cNvSpPr>
+            <a:spLocks noGrp="1"/>
+          </p:cNvSpPr>
+          <p:nvPr>
+            <p:ph idx="1"/>
+          </p:nvPr>
+        </p:nvSpPr>
+        <p:spPr>
+          <a:xfrm>
+            <a:off x="838200" y="1668708"/>
+            <a:ext cx="5770684" cy="4508255"/>
+          </a:xfrm>
+        </p:spPr>
+        <p:txBody>
+          <a:bodyPr/>
+          <a:lstStyle/>
+          <a:p>
+            <a:r>
+              <a:rPr lang="en-US" dirty="0" smtClean="0"/>
+              <a:t>Legacy support</a:t>
+            </a:r>
+          </a:p>
+          <a:p>
+            <a:r>
+              <a:rPr lang="en-US" dirty="0" smtClean="0"/>
+              <a:t>Security, performance solutions</a:t>
+            </a:r>
+          </a:p>
+          <a:p>
+            <a:r>
+              <a:rPr lang="en-US" dirty="0" smtClean="0"/>
+              <a:t>Low-level platform specific API</a:t>
+            </a:r>
+            <a:endParaRPr lang="en-US" dirty="0" smtClean="0"/>
+          </a:p>
+          <a:p>
+            <a:r>
+              <a:rPr lang="en-US" dirty="0"/>
+              <a:t>C++ cross-platform solutions</a:t>
+            </a:r>
+          </a:p>
+          <a:p>
+            <a:endParaRPr lang="en-US" dirty="0" smtClean="0"/>
+          </a:p>
+          <a:p>
+            <a:pPr marL="0" indent="0">
+              <a:buNone/>
+            </a:pPr>
+            <a:endParaRPr lang="en-US" dirty="0" smtClean="0"/>
+          </a:p>
+        </p:txBody>
+      </p:sp>
+      <p:cxnSp>
+        <p:nvCxnSpPr>
+          <p:cNvPr id="40" name="Straight Arrow Connector 39"/>
+          <p:cNvCxnSpPr>
+            <a:stCxn id="6" idx="3"/>
+            <a:endCxn id="29" idx="1"/>
+          </p:cNvCxnSpPr>
+          <p:nvPr/>
+        </p:nvCxnSpPr>
+        <p:spPr>
+          <a:xfrm>
+            <a:off x="9161585" y="3499337"/>
+            <a:ext cx="635977" cy="0"/>
+          </a:xfrm>
+          <a:prstGeom prst="straightConnector1">
+            <a:avLst/>
+          </a:prstGeom>
+          <a:ln>
+            <a:headEnd type="triangle"/>
+            <a:tailEnd type="triangle"/>
+          </a:ln>
+        </p:spPr>
+        <p:style>
+          <a:lnRef idx="1">
+            <a:schemeClr val="accent1"/>
+          </a:lnRef>
+          <a:fillRef idx="0">
+            <a:schemeClr val="accent1"/>
+          </a:fillRef>
+          <a:effectRef idx="0">
+            <a:schemeClr val="accent1"/>
+          </a:effectRef>
+          <a:fontRef idx="minor">
+            <a:schemeClr val="tx1"/>
+          </a:fontRef>
+        </p:style>
+      </p:cxnSp>
+      <p:cxnSp>
+        <p:nvCxnSpPr>
+          <p:cNvPr id="45" name="Straight Arrow Connector 44"/>
+          <p:cNvCxnSpPr>
+            <a:stCxn id="6" idx="2"/>
+            <a:endCxn id="28" idx="0"/>
+          </p:cNvCxnSpPr>
+          <p:nvPr/>
+        </p:nvCxnSpPr>
+        <p:spPr>
+          <a:xfrm>
+            <a:off x="8163659" y="3782889"/>
+            <a:ext cx="1506414" cy="466355"/>
+          </a:xfrm>
+          <a:prstGeom prst="straightConnector1">
+            <a:avLst/>
+          </a:prstGeom>
+          <a:ln>
+            <a:headEnd type="triangle"/>
+            <a:tailEnd type="triangle"/>
+          </a:ln>
+        </p:spPr>
+        <p:style>
+          <a:lnRef idx="1">
+            <a:schemeClr val="accent1"/>
+          </a:lnRef>
+          <a:fillRef idx="0">
+            <a:schemeClr val="accent1"/>
+          </a:fillRef>
+          <a:effectRef idx="0">
+            <a:schemeClr val="accent1"/>
+          </a:effectRef>
+          <a:fontRef idx="minor">
+            <a:schemeClr val="tx1"/>
+          </a:fontRef>
+        </p:style>
+      </p:cxnSp>
+      <p:cxnSp>
+        <p:nvCxnSpPr>
+          <p:cNvPr id="48" name="Straight Arrow Connector 47"/>
+          <p:cNvCxnSpPr>
+            <a:stCxn id="6" idx="2"/>
+            <a:endCxn id="27" idx="0"/>
+          </p:cNvCxnSpPr>
+          <p:nvPr/>
+        </p:nvCxnSpPr>
+        <p:spPr>
+          <a:xfrm flipH="1">
+            <a:off x="6944458" y="3782889"/>
+            <a:ext cx="1219201" cy="466355"/>
+          </a:xfrm>
+          <a:prstGeom prst="straightConnector1">
+            <a:avLst/>
+          </a:prstGeom>
+          <a:ln>
+            <a:headEnd type="triangle"/>
+            <a:tailEnd type="triangle"/>
+          </a:ln>
+        </p:spPr>
+        <p:style>
+          <a:lnRef idx="1">
+            <a:schemeClr val="accent1"/>
+          </a:lnRef>
+          <a:fillRef idx="0">
+            <a:schemeClr val="accent1"/>
+          </a:fillRef>
+          <a:effectRef idx="0">
+            <a:schemeClr val="accent1"/>
+          </a:effectRef>
+          <a:fontRef idx="minor">
+            <a:schemeClr val="tx1"/>
+          </a:fontRef>
+        </p:style>
+      </p:cxnSp>
+      <p:cxnSp>
+        <p:nvCxnSpPr>
+          <p:cNvPr id="51" name="Straight Arrow Connector 50"/>
+          <p:cNvCxnSpPr>
+            <a:stCxn id="25" idx="2"/>
+            <a:endCxn id="22" idx="0"/>
+          </p:cNvCxnSpPr>
+          <p:nvPr/>
+        </p:nvCxnSpPr>
+        <p:spPr>
+          <a:xfrm>
+            <a:off x="8163658" y="2235811"/>
+            <a:ext cx="0" cy="261204"/>
+          </a:xfrm>
+          <a:prstGeom prst="straightConnector1">
+            <a:avLst/>
+          </a:prstGeom>
+          <a:ln>
+            <a:headEnd type="triangle"/>
+            <a:tailEnd type="triangle"/>
+          </a:ln>
+        </p:spPr>
+        <p:style>
+          <a:lnRef idx="1">
+            <a:schemeClr val="accent1"/>
+          </a:lnRef>
+          <a:fillRef idx="0">
+            <a:schemeClr val="accent1"/>
+          </a:fillRef>
+          <a:effectRef idx="0">
+            <a:schemeClr val="accent1"/>
+          </a:effectRef>
+          <a:fontRef idx="minor">
+            <a:schemeClr val="tx1"/>
+          </a:fontRef>
+        </p:style>
+      </p:cxnSp>
+      <p:cxnSp>
+        <p:nvCxnSpPr>
+          <p:cNvPr id="58" name="Straight Arrow Connector 57"/>
+          <p:cNvCxnSpPr/>
+          <p:nvPr/>
+        </p:nvCxnSpPr>
+        <p:spPr>
+          <a:xfrm>
+            <a:off x="8152462" y="2927838"/>
+            <a:ext cx="0" cy="261204"/>
+          </a:xfrm>
+          <a:prstGeom prst="straightConnector1">
+            <a:avLst/>
+          </a:prstGeom>
+          <a:ln>
+            <a:headEnd type="triangle"/>
+            <a:tailEnd type="triangle"/>
+          </a:ln>
+        </p:spPr>
+        <p:style>
+          <a:lnRef idx="1">
+            <a:schemeClr val="accent1"/>
+          </a:lnRef>
+          <a:fillRef idx="0">
+            <a:schemeClr val="accent1"/>
+          </a:fillRef>
+          <a:effectRef idx="0">
+            <a:schemeClr val="accent1"/>
+          </a:effectRef>
+          <a:fontRef idx="minor">
+            <a:schemeClr val="tx1"/>
+          </a:fontRef>
+        </p:style>
+      </p:cxnSp>
+    </p:spTree>
+    <p:extLst>
+      <p:ext uri="{BB962C8B-B14F-4D97-AF65-F5344CB8AC3E}">
+        <p14:creationId xmlns:p14="http://schemas.microsoft.com/office/powerpoint/2010/main" val="3994290888"/>
+      </p:ext>
+    </p:extLst>
+  </p:cSld>
+  <p:clrMapOvr>
+    <a:masterClrMapping/>
+  </p:clrMapOvr>
+  <p:timing>
+    <p:tnLst>
+      <p:par>
+        <p:cTn id="1" dur="indefinite" restart="never" nodeType="tmRoot">
+          <p:childTnLst>
+            <p:seq concurrent="1" nextAc="seek">
+              <p:cTn id="2" dur="indefinite" nodeType="mainSeq">
+                <p:childTnLst>
+                  <p:par>
+                    <p:cTn id="3" fill="hold">
+                      <p:stCondLst>
+                        <p:cond delay="indefinite"/>
+                      </p:stCondLst>
+                      <p:childTnLst>
+                        <p:par>
+                          <p:cTn id="4" fill="hold">
+                            <p:stCondLst>
+                              <p:cond delay="0"/>
+                            </p:stCondLst>
+                            <p:childTnLst>
+                              <p:par>
+                                <p:cTn id="5" presetID="1" presetClass="entr" presetSubtype="0" fill="hold" grpId="0" nodeType="clickEffect">
+                                  <p:stCondLst>
+                                    <p:cond delay="0"/>
+                                  </p:stCondLst>
+                                  <p:childTnLst>
+                                    <p:set>
+                                      <p:cBhvr>
+                                        <p:cTn id="6" dur="1" fill="hold">
+                                          <p:stCondLst>
+                                            <p:cond delay="0"/>
+                                          </p:stCondLst>
+                                        </p:cTn>
+                                        <p:tgtEl>
+                                          <p:spTgt spid="25"/>
+                                        </p:tgtEl>
+                                        <p:attrNameLst>
+                                          <p:attrName>style.visibility</p:attrName>
+                                        </p:attrNameLst>
+                                      </p:cBhvr>
+                                      <p:to>
+                                        <p:strVal val="visible"/>
+                                      </p:to>
+                                    </p:set>
+                                  </p:childTnLst>
+                                </p:cTn>
+                              </p:par>
+                            </p:childTnLst>
+                          </p:cTn>
+                        </p:par>
+                      </p:childTnLst>
+                    </p:cTn>
+                  </p:par>
+                  <p:par>
+                    <p:cTn id="7" fill="hold">
+                      <p:stCondLst>
+                        <p:cond delay="indefinite"/>
+                      </p:stCondLst>
+                      <p:childTnLst>
+                        <p:par>
+                          <p:cTn id="8" fill="hold">
+                            <p:stCondLst>
+                              <p:cond delay="0"/>
+                            </p:stCondLst>
+                            <p:childTnLst>
+                              <p:par>
+                                <p:cTn id="9" presetID="1" presetClass="entr" presetSubtype="0" fill="hold" grpId="0" nodeType="clickEffect">
+                                  <p:stCondLst>
+                                    <p:cond delay="0"/>
+                                  </p:stCondLst>
+                                  <p:childTnLst>
+                                    <p:set>
+                                      <p:cBhvr>
+                                        <p:cTn id="10" dur="1" fill="hold">
+                                          <p:stCondLst>
+                                            <p:cond delay="0"/>
+                                          </p:stCondLst>
+                                        </p:cTn>
+                                        <p:tgtEl>
+                                          <p:spTgt spid="27"/>
+                                        </p:tgtEl>
+                                        <p:attrNameLst>
+                                          <p:attrName>style.visibility</p:attrName>
+                                        </p:attrNameLst>
+                                      </p:cBhvr>
+                                      <p:to>
+                                        <p:strVal val="visible"/>
+                                      </p:to>
+                                    </p:set>
+                                  </p:childTnLst>
+                                </p:cTn>
+                              </p:par>
+                            </p:childTnLst>
+                          </p:cTn>
+                        </p:par>
+                      </p:childTnLst>
+                    </p:cTn>
+                  </p:par>
+                  <p:par>
+                    <p:cTn id="11" fill="hold">
+                      <p:stCondLst>
+                        <p:cond delay="indefinite"/>
+                      </p:stCondLst>
+                      <p:childTnLst>
+                        <p:par>
+                          <p:cTn id="12" fill="hold">
+                            <p:stCondLst>
+                              <p:cond delay="0"/>
+                            </p:stCondLst>
+                            <p:childTnLst>
+                              <p:par>
+                                <p:cTn id="13" presetID="1" presetClass="entr" presetSubtype="0" fill="hold" grpId="0" nodeType="clickEffect">
+                                  <p:stCondLst>
+                                    <p:cond delay="0"/>
+                                  </p:stCondLst>
+                                  <p:childTnLst>
+                                    <p:set>
+                                      <p:cBhvr>
+                                        <p:cTn id="14" dur="1" fill="hold">
+                                          <p:stCondLst>
+                                            <p:cond delay="0"/>
+                                          </p:stCondLst>
+                                        </p:cTn>
+                                        <p:tgtEl>
+                                          <p:spTgt spid="28"/>
+                                        </p:tgtEl>
+                                        <p:attrNameLst>
+                                          <p:attrName>style.visibility</p:attrName>
+                                        </p:attrNameLst>
+                                      </p:cBhvr>
+                                      <p:to>
+                                        <p:strVal val="visible"/>
+                                      </p:to>
+                                    </p:set>
+                                  </p:childTnLst>
+                                </p:cTn>
+                              </p:par>
+                            </p:childTnLst>
+                          </p:cTn>
+                        </p:par>
+                      </p:childTnLst>
+                    </p:cTn>
+                  </p:par>
+                  <p:par>
+                    <p:cTn id="15" fill="hold">
+                      <p:stCondLst>
+                        <p:cond delay="indefinite"/>
+                      </p:stCondLst>
+                      <p:childTnLst>
+                        <p:par>
+                          <p:cTn id="16" fill="hold">
+                            <p:stCondLst>
+                              <p:cond delay="0"/>
+                            </p:stCondLst>
+                            <p:childTnLst>
+                              <p:par>
+                                <p:cTn id="17" presetID="1" presetClass="entr" presetSubtype="0" fill="hold" grpId="0" nodeType="clickEffect">
+                                  <p:stCondLst>
+                                    <p:cond delay="0"/>
+                                  </p:stCondLst>
+                                  <p:childTnLst>
+                                    <p:set>
+                                      <p:cBhvr>
+                                        <p:cTn id="18" dur="1" fill="hold">
+                                          <p:stCondLst>
+                                            <p:cond delay="0"/>
+                                          </p:stCondLst>
+                                        </p:cTn>
+                                        <p:tgtEl>
+                                          <p:spTgt spid="29"/>
+                                        </p:tgtEl>
+                                        <p:attrNameLst>
+                                          <p:attrName>style.visibility</p:attrName>
+                                        </p:attrNameLst>
+                                      </p:cBhvr>
+                                      <p:to>
+                                        <p:strVal val="visible"/>
+                                      </p:to>
+                                    </p:set>
+                                  </p:childTnLst>
+                                </p:cTn>
+                              </p:par>
+                            </p:childTnLst>
+                          </p:cTn>
+                        </p:par>
+                      </p:childTnLst>
+                    </p:cTn>
+                  </p:par>
+                  <p:par>
+                    <p:cTn id="19" fill="hold">
+                      <p:stCondLst>
+                        <p:cond delay="indefinite"/>
+                      </p:stCondLst>
+                      <p:childTnLst>
+                        <p:par>
+                          <p:cTn id="20" fill="hold">
+                            <p:stCondLst>
+                              <p:cond delay="0"/>
+                            </p:stCondLst>
+                            <p:childTnLst>
+                              <p:par>
+                                <p:cTn id="21" presetID="1" presetClass="entr" presetSubtype="0" fill="hold" grpId="0" nodeType="clickEffect">
+                                  <p:stCondLst>
+                                    <p:cond delay="0"/>
+                                  </p:stCondLst>
+                                  <p:childTnLst>
+                                    <p:set>
+                                      <p:cBhvr>
+                                        <p:cTn id="22" dur="1" fill="hold">
+                                          <p:stCondLst>
+                                            <p:cond delay="0"/>
+                                          </p:stCondLst>
+                                        </p:cTn>
+                                        <p:tgtEl>
+                                          <p:spTgt spid="6"/>
+                                        </p:tgtEl>
+                                        <p:attrNameLst>
+                                          <p:attrName>style.visibility</p:attrName>
+                                        </p:attrNameLst>
+                                      </p:cBhvr>
+                                      <p:to>
+                                        <p:strVal val="visible"/>
+                                      </p:to>
+                                    </p:set>
+                                  </p:childTnLst>
+                                </p:cTn>
+                              </p:par>
+                            </p:childTnLst>
+                          </p:cTn>
+                        </p:par>
+                      </p:childTnLst>
+                    </p:cTn>
+                  </p:par>
+                  <p:par>
+                    <p:cTn id="23" fill="hold">
+                      <p:stCondLst>
+                        <p:cond delay="indefinite"/>
+                      </p:stCondLst>
+                      <p:childTnLst>
+                        <p:par>
+                          <p:cTn id="24" fill="hold">
+                            <p:stCondLst>
+                              <p:cond delay="0"/>
+                            </p:stCondLst>
+                            <p:childTnLst>
+                              <p:par>
+                                <p:cTn id="25" presetID="53" presetClass="entr" presetSubtype="16" fill="hold" nodeType="clickEffect">
+                                  <p:stCondLst>
+                                    <p:cond delay="0"/>
+                                  </p:stCondLst>
+                                  <p:childTnLst>
+                                    <p:set>
+                                      <p:cBhvr>
+                                        <p:cTn id="26" dur="1" fill="hold">
+                                          <p:stCondLst>
+                                            <p:cond delay="0"/>
+                                          </p:stCondLst>
+                                        </p:cTn>
+                                        <p:tgtEl>
+                                          <p:spTgt spid="48"/>
+                                        </p:tgtEl>
+                                        <p:attrNameLst>
+                                          <p:attrName>style.visibility</p:attrName>
+                                        </p:attrNameLst>
+                                      </p:cBhvr>
+                                      <p:to>
+                                        <p:strVal val="visible"/>
+                                      </p:to>
+                                    </p:set>
+                                    <p:anim calcmode="lin" valueType="num">
+                                      <p:cBhvr>
+                                        <p:cTn id="27" dur="500" fill="hold"/>
+                                        <p:tgtEl>
+                                          <p:spTgt spid="48"/>
+                                        </p:tgtEl>
+                                        <p:attrNameLst>
+                                          <p:attrName>ppt_w</p:attrName>
+                                        </p:attrNameLst>
+                                      </p:cBhvr>
+                                      <p:tavLst>
+                                        <p:tav tm="0">
+                                          <p:val>
+                                            <p:fltVal val="0"/>
+                                          </p:val>
+                                        </p:tav>
+                                        <p:tav tm="100000">
+                                          <p:val>
+                                            <p:strVal val="#ppt_w"/>
+                                          </p:val>
+                                        </p:tav>
+                                      </p:tavLst>
+                                    </p:anim>
+                                    <p:anim calcmode="lin" valueType="num">
+                                      <p:cBhvr>
+                                        <p:cTn id="28" dur="500" fill="hold"/>
+                                        <p:tgtEl>
+                                          <p:spTgt spid="48"/>
+                                        </p:tgtEl>
+                                        <p:attrNameLst>
+                                          <p:attrName>ppt_h</p:attrName>
+                                        </p:attrNameLst>
+                                      </p:cBhvr>
+                                      <p:tavLst>
+                                        <p:tav tm="0">
+                                          <p:val>
+                                            <p:fltVal val="0"/>
+                                          </p:val>
+                                        </p:tav>
+                                        <p:tav tm="100000">
+                                          <p:val>
+                                            <p:strVal val="#ppt_h"/>
+                                          </p:val>
+                                        </p:tav>
+                                      </p:tavLst>
+                                    </p:anim>
+                                    <p:animEffect transition="in" filter="fade">
+                                      <p:cBhvr>
+                                        <p:cTn id="29" dur="500"/>
+                                        <p:tgtEl>
+                                          <p:spTgt spid="48"/>
+                                        </p:tgtEl>
+                                      </p:cBhvr>
+                                    </p:animEffect>
+                                  </p:childTnLst>
+                                </p:cTn>
+                              </p:par>
+                            </p:childTnLst>
+                          </p:cTn>
+                        </p:par>
+                      </p:childTnLst>
+                    </p:cTn>
+                  </p:par>
+                  <p:par>
+                    <p:cTn id="30" fill="hold">
+                      <p:stCondLst>
+                        <p:cond delay="indefinite"/>
+                      </p:stCondLst>
+                      <p:childTnLst>
+                        <p:par>
+                          <p:cTn id="31" fill="hold">
+                            <p:stCondLst>
+                              <p:cond delay="0"/>
+                            </p:stCondLst>
+                            <p:childTnLst>
+                              <p:par>
+                                <p:cTn id="32" presetID="53" presetClass="entr" presetSubtype="16" fill="hold" nodeType="clickEffect">
+                                  <p:stCondLst>
+                                    <p:cond delay="0"/>
+                                  </p:stCondLst>
+                                  <p:childTnLst>
+                                    <p:set>
+                                      <p:cBhvr>
+                                        <p:cTn id="33" dur="1" fill="hold">
+                                          <p:stCondLst>
+                                            <p:cond delay="0"/>
+                                          </p:stCondLst>
+                                        </p:cTn>
+                                        <p:tgtEl>
+                                          <p:spTgt spid="45"/>
+                                        </p:tgtEl>
+                                        <p:attrNameLst>
+                                          <p:attrName>style.visibility</p:attrName>
+                                        </p:attrNameLst>
+                                      </p:cBhvr>
+                                      <p:to>
+                                        <p:strVal val="visible"/>
+                                      </p:to>
+                                    </p:set>
+                                    <p:anim calcmode="lin" valueType="num">
+                                      <p:cBhvr>
+                                        <p:cTn id="34" dur="500" fill="hold"/>
+                                        <p:tgtEl>
+                                          <p:spTgt spid="45"/>
+                                        </p:tgtEl>
+                                        <p:attrNameLst>
+                                          <p:attrName>ppt_w</p:attrName>
+                                        </p:attrNameLst>
+                                      </p:cBhvr>
+                                      <p:tavLst>
+                                        <p:tav tm="0">
+                                          <p:val>
+                                            <p:fltVal val="0"/>
+                                          </p:val>
+                                        </p:tav>
+                                        <p:tav tm="100000">
+                                          <p:val>
+                                            <p:strVal val="#ppt_w"/>
+                                          </p:val>
+                                        </p:tav>
+                                      </p:tavLst>
+                                    </p:anim>
+                                    <p:anim calcmode="lin" valueType="num">
+                                      <p:cBhvr>
+                                        <p:cTn id="35" dur="500" fill="hold"/>
+                                        <p:tgtEl>
+                                          <p:spTgt spid="45"/>
+                                        </p:tgtEl>
+                                        <p:attrNameLst>
+                                          <p:attrName>ppt_h</p:attrName>
+                                        </p:attrNameLst>
+                                      </p:cBhvr>
+                                      <p:tavLst>
+                                        <p:tav tm="0">
+                                          <p:val>
+                                            <p:fltVal val="0"/>
+                                          </p:val>
+                                        </p:tav>
+                                        <p:tav tm="100000">
+                                          <p:val>
+                                            <p:strVal val="#ppt_h"/>
+                                          </p:val>
+                                        </p:tav>
+                                      </p:tavLst>
+                                    </p:anim>
+                                    <p:animEffect transition="in" filter="fade">
+                                      <p:cBhvr>
+                                        <p:cTn id="36" dur="500"/>
+                                        <p:tgtEl>
+                                          <p:spTgt spid="45"/>
+                                        </p:tgtEl>
+                                      </p:cBhvr>
+                                    </p:animEffect>
+                                  </p:childTnLst>
+                                </p:cTn>
+                              </p:par>
+                            </p:childTnLst>
+                          </p:cTn>
+                        </p:par>
+                      </p:childTnLst>
+                    </p:cTn>
+                  </p:par>
+                  <p:par>
+                    <p:cTn id="37" fill="hold">
+                      <p:stCondLst>
+                        <p:cond delay="indefinite"/>
+                      </p:stCondLst>
+                      <p:childTnLst>
+                        <p:par>
+                          <p:cTn id="38" fill="hold">
+                            <p:stCondLst>
+                              <p:cond delay="0"/>
+                            </p:stCondLst>
+                            <p:childTnLst>
+                              <p:par>
+                                <p:cTn id="39" presetID="53" presetClass="entr" presetSubtype="16" fill="hold" nodeType="clickEffect">
+                                  <p:stCondLst>
+                                    <p:cond delay="0"/>
+                                  </p:stCondLst>
+                                  <p:childTnLst>
+                                    <p:set>
+                                      <p:cBhvr>
+                                        <p:cTn id="40" dur="1" fill="hold">
+                                          <p:stCondLst>
+                                            <p:cond delay="0"/>
+                                          </p:stCondLst>
+                                        </p:cTn>
+                                        <p:tgtEl>
+                                          <p:spTgt spid="40"/>
+                                        </p:tgtEl>
+                                        <p:attrNameLst>
+                                          <p:attrName>style.visibility</p:attrName>
+                                        </p:attrNameLst>
+                                      </p:cBhvr>
+                                      <p:to>
+                                        <p:strVal val="visible"/>
+                                      </p:to>
+                                    </p:set>
+                                    <p:anim calcmode="lin" valueType="num">
+                                      <p:cBhvr>
+                                        <p:cTn id="41" dur="500" fill="hold"/>
+                                        <p:tgtEl>
+                                          <p:spTgt spid="40"/>
+                                        </p:tgtEl>
+                                        <p:attrNameLst>
+                                          <p:attrName>ppt_w</p:attrName>
+                                        </p:attrNameLst>
+                                      </p:cBhvr>
+                                      <p:tavLst>
+                                        <p:tav tm="0">
+                                          <p:val>
+                                            <p:fltVal val="0"/>
+                                          </p:val>
+                                        </p:tav>
+                                        <p:tav tm="100000">
+                                          <p:val>
+                                            <p:strVal val="#ppt_w"/>
+                                          </p:val>
+                                        </p:tav>
+                                      </p:tavLst>
+                                    </p:anim>
+                                    <p:anim calcmode="lin" valueType="num">
+                                      <p:cBhvr>
+                                        <p:cTn id="42" dur="500" fill="hold"/>
+                                        <p:tgtEl>
+                                          <p:spTgt spid="40"/>
+                                        </p:tgtEl>
+                                        <p:attrNameLst>
+                                          <p:attrName>ppt_h</p:attrName>
+                                        </p:attrNameLst>
+                                      </p:cBhvr>
+                                      <p:tavLst>
+                                        <p:tav tm="0">
+                                          <p:val>
+                                            <p:fltVal val="0"/>
+                                          </p:val>
+                                        </p:tav>
+                                        <p:tav tm="100000">
+                                          <p:val>
+                                            <p:strVal val="#ppt_h"/>
+                                          </p:val>
+                                        </p:tav>
+                                      </p:tavLst>
+                                    </p:anim>
+                                    <p:animEffect transition="in" filter="fade">
+                                      <p:cBhvr>
+                                        <p:cTn id="43" dur="500"/>
+                                        <p:tgtEl>
+                                          <p:spTgt spid="40"/>
+                                        </p:tgtEl>
+                                      </p:cBhvr>
+                                    </p:animEffect>
+                                  </p:childTnLst>
+                                </p:cTn>
+                              </p:par>
+                            </p:childTnLst>
+                          </p:cTn>
+                        </p:par>
+                      </p:childTnLst>
+                    </p:cTn>
+                  </p:par>
+                  <p:par>
+                    <p:cTn id="44" fill="hold">
+                      <p:stCondLst>
+                        <p:cond delay="indefinite"/>
+                      </p:stCondLst>
+                      <p:childTnLst>
+                        <p:par>
+                          <p:cTn id="45" fill="hold">
+                            <p:stCondLst>
+                              <p:cond delay="0"/>
+                            </p:stCondLst>
+                            <p:childTnLst>
+                              <p:par>
+                                <p:cTn id="46" presetID="1" presetClass="entr" presetSubtype="0" fill="hold" grpId="0" nodeType="clickEffect">
+                                  <p:stCondLst>
+                                    <p:cond delay="0"/>
+                                  </p:stCondLst>
+                                  <p:childTnLst>
+                                    <p:set>
+                                      <p:cBhvr>
+                                        <p:cTn id="47" dur="1" fill="hold">
+                                          <p:stCondLst>
+                                            <p:cond delay="0"/>
+                                          </p:stCondLst>
+                                        </p:cTn>
+                                        <p:tgtEl>
+                                          <p:spTgt spid="22"/>
+                                        </p:tgtEl>
+                                        <p:attrNameLst>
+                                          <p:attrName>style.visibility</p:attrName>
+                                        </p:attrNameLst>
+                                      </p:cBhvr>
+                                      <p:to>
+                                        <p:strVal val="visible"/>
+                                      </p:to>
+                                    </p:set>
+                                  </p:childTnLst>
+                                </p:cTn>
+                              </p:par>
+                            </p:childTnLst>
+                          </p:cTn>
+                        </p:par>
+                      </p:childTnLst>
+                    </p:cTn>
+                  </p:par>
+                  <p:par>
+                    <p:cTn id="48" fill="hold">
+                      <p:stCondLst>
+                        <p:cond delay="indefinite"/>
+                      </p:stCondLst>
+                      <p:childTnLst>
+                        <p:par>
+                          <p:cTn id="49" fill="hold">
+                            <p:stCondLst>
+                              <p:cond delay="0"/>
+                            </p:stCondLst>
+                            <p:childTnLst>
+                              <p:par>
+                                <p:cTn id="50" presetID="53" presetClass="entr" presetSubtype="16" fill="hold" nodeType="clickEffect">
+                                  <p:stCondLst>
+                                    <p:cond delay="0"/>
+                                  </p:stCondLst>
+                                  <p:childTnLst>
+                                    <p:set>
+                                      <p:cBhvr>
+                                        <p:cTn id="51" dur="1" fill="hold">
+                                          <p:stCondLst>
+                                            <p:cond delay="0"/>
+                                          </p:stCondLst>
+                                        </p:cTn>
+                                        <p:tgtEl>
+                                          <p:spTgt spid="51"/>
+                                        </p:tgtEl>
+                                        <p:attrNameLst>
+                                          <p:attrName>style.visibility</p:attrName>
+                                        </p:attrNameLst>
+                                      </p:cBhvr>
+                                      <p:to>
+                                        <p:strVal val="visible"/>
+                                      </p:to>
+                                    </p:set>
+                                    <p:anim calcmode="lin" valueType="num">
+                                      <p:cBhvr>
+                                        <p:cTn id="52" dur="500" fill="hold"/>
+                                        <p:tgtEl>
+                                          <p:spTgt spid="51"/>
+                                        </p:tgtEl>
+                                        <p:attrNameLst>
+                                          <p:attrName>ppt_w</p:attrName>
+                                        </p:attrNameLst>
+                                      </p:cBhvr>
+                                      <p:tavLst>
+                                        <p:tav tm="0">
+                                          <p:val>
+                                            <p:fltVal val="0"/>
+                                          </p:val>
+                                        </p:tav>
+                                        <p:tav tm="100000">
+                                          <p:val>
+                                            <p:strVal val="#ppt_w"/>
+                                          </p:val>
+                                        </p:tav>
+                                      </p:tavLst>
+                                    </p:anim>
+                                    <p:anim calcmode="lin" valueType="num">
+                                      <p:cBhvr>
+                                        <p:cTn id="53" dur="500" fill="hold"/>
+                                        <p:tgtEl>
+                                          <p:spTgt spid="51"/>
+                                        </p:tgtEl>
+                                        <p:attrNameLst>
+                                          <p:attrName>ppt_h</p:attrName>
+                                        </p:attrNameLst>
+                                      </p:cBhvr>
+                                      <p:tavLst>
+                                        <p:tav tm="0">
+                                          <p:val>
+                                            <p:fltVal val="0"/>
+                                          </p:val>
+                                        </p:tav>
+                                        <p:tav tm="100000">
+                                          <p:val>
+                                            <p:strVal val="#ppt_h"/>
+                                          </p:val>
+                                        </p:tav>
+                                      </p:tavLst>
+                                    </p:anim>
+                                    <p:animEffect transition="in" filter="fade">
+                                      <p:cBhvr>
+                                        <p:cTn id="54" dur="500"/>
+                                        <p:tgtEl>
+                                          <p:spTgt spid="51"/>
+                                        </p:tgtEl>
+                                      </p:cBhvr>
+                                    </p:animEffect>
+                                  </p:childTnLst>
+                                </p:cTn>
+                              </p:par>
+                            </p:childTnLst>
+                          </p:cTn>
+                        </p:par>
+                      </p:childTnLst>
+                    </p:cTn>
+                  </p:par>
+                  <p:par>
+                    <p:cTn id="55" fill="hold">
+                      <p:stCondLst>
+                        <p:cond delay="indefinite"/>
+                      </p:stCondLst>
+                      <p:childTnLst>
+                        <p:par>
+                          <p:cTn id="56" fill="hold">
+                            <p:stCondLst>
+                              <p:cond delay="0"/>
+                            </p:stCondLst>
+                            <p:childTnLst>
+                              <p:par>
+                                <p:cTn id="57" presetID="53" presetClass="entr" presetSubtype="16" fill="hold" nodeType="clickEffect">
+                                  <p:stCondLst>
+                                    <p:cond delay="0"/>
+                                  </p:stCondLst>
+                                  <p:childTnLst>
+                                    <p:set>
+                                      <p:cBhvr>
+                                        <p:cTn id="58" dur="1" fill="hold">
+                                          <p:stCondLst>
+                                            <p:cond delay="0"/>
+                                          </p:stCondLst>
+                                        </p:cTn>
+                                        <p:tgtEl>
+                                          <p:spTgt spid="58"/>
+                                        </p:tgtEl>
+                                        <p:attrNameLst>
+                                          <p:attrName>style.visibility</p:attrName>
+                                        </p:attrNameLst>
+                                      </p:cBhvr>
+                                      <p:to>
+                                        <p:strVal val="visible"/>
+                                      </p:to>
+                                    </p:set>
+                                    <p:anim calcmode="lin" valueType="num">
+                                      <p:cBhvr>
+                                        <p:cTn id="59" dur="500" fill="hold"/>
+                                        <p:tgtEl>
+                                          <p:spTgt spid="58"/>
+                                        </p:tgtEl>
+                                        <p:attrNameLst>
+                                          <p:attrName>ppt_w</p:attrName>
+                                        </p:attrNameLst>
+                                      </p:cBhvr>
+                                      <p:tavLst>
+                                        <p:tav tm="0">
+                                          <p:val>
+                                            <p:fltVal val="0"/>
+                                          </p:val>
+                                        </p:tav>
+                                        <p:tav tm="100000">
+                                          <p:val>
+                                            <p:strVal val="#ppt_w"/>
+                                          </p:val>
+                                        </p:tav>
+                                      </p:tavLst>
+                                    </p:anim>
+                                    <p:anim calcmode="lin" valueType="num">
+                                      <p:cBhvr>
+                                        <p:cTn id="60" dur="500" fill="hold"/>
+                                        <p:tgtEl>
+                                          <p:spTgt spid="58"/>
+                                        </p:tgtEl>
+                                        <p:attrNameLst>
+                                          <p:attrName>ppt_h</p:attrName>
+                                        </p:attrNameLst>
+                                      </p:cBhvr>
+                                      <p:tavLst>
+                                        <p:tav tm="0">
+                                          <p:val>
+                                            <p:fltVal val="0"/>
+                                          </p:val>
+                                        </p:tav>
+                                        <p:tav tm="100000">
+                                          <p:val>
+                                            <p:strVal val="#ppt_h"/>
+                                          </p:val>
+                                        </p:tav>
+                                      </p:tavLst>
+                                    </p:anim>
+                                    <p:animEffect transition="in" filter="fade">
+                                      <p:cBhvr>
+                                        <p:cTn id="61" dur="500"/>
+                                        <p:tgtEl>
+                                          <p:spTgt spid="58"/>
+                                        </p:tgtEl>
+                                      </p:cBhvr>
+                                    </p:animEffect>
+                                  </p:childTnLst>
+                                </p:cTn>
+                              </p:par>
+                            </p:childTnLst>
+                          </p:cTn>
+                        </p:par>
+                      </p:childTnLst>
+                    </p:cTn>
+                  </p:par>
+                </p:childTnLst>
+              </p:cTn>
+              <p:prevCondLst>
+                <p:cond evt="onPrev" delay="0">
+                  <p:tgtEl>
+                    <p:sldTgt/>
+                  </p:tgtEl>
+                </p:cond>
+              </p:prevCondLst>
+              <p:nextCondLst>
+                <p:cond evt="onNext" delay="0">
+                  <p:tgtEl>
+                    <p:sldTgt/>
+                  </p:tgtEl>
+                </p:cond>
+              </p:nextCondLst>
+            </p:seq>
+          </p:childTnLst>
+        </p:cTn>
+      </p:par>
+    </p:tnLst>
+    <p:bldLst>
+      <p:bldP spid="6" grpId="0" animBg="1"/>
+      <p:bldP spid="22" grpId="0" animBg="1"/>
+      <p:bldP spid="25" grpId="0" animBg="1"/>
+      <p:bldP spid="27" grpId="0" animBg="1"/>
+      <p:bldP spid="28" grpId="0" animBg="1"/>
+      <p:bldP spid="29" grpId="0" animBg="1"/>
+    </p:bldLst>
   </p:timing>
 </p:sld>
 </file>
@@ -3599,6 +5023,7 @@
           <a:bodyPr/>
           <a:lstStyle/>
           <a:p>
+            <a:pPr algn="ctr"/>
             <a:r>
               <a:rPr lang="en-US" dirty="0" smtClean="0"/>
               <a:t>Local and Global References</a:t>
@@ -3999,6 +5424,7 @@
           <a:bodyPr/>
           <a:lstStyle/>
           <a:p>
+            <a:pPr algn="ctr"/>
             <a:r>
               <a:rPr lang="en-US" dirty="0" smtClean="0"/>
               <a:t>Native threads</a:t>
@@ -4022,6 +5448,10 @@
           <a:bodyPr/>
           <a:lstStyle/>
           <a:p>
+            <a:r>
+              <a:rPr lang="en-US" dirty="0" smtClean="0"/>
+              <a:t>Do not forget to attach native thread to the JVM</a:t>
+            </a:r>
             <a:endParaRPr lang="en-US" dirty="0"/>
           </a:p>
         </p:txBody>
@@ -4078,9 +5508,10 @@
           <a:bodyPr/>
           <a:lstStyle/>
           <a:p>
+            <a:pPr algn="ctr"/>
             <a:r>
               <a:rPr lang="en-US" dirty="0" smtClean="0"/>
-              <a:t>Exception handling</a:t>
+              <a:t>Linker problems</a:t>
             </a:r>
             <a:endParaRPr lang="en-US" dirty="0"/>
           </a:p>
@@ -4101,6 +5532,22 @@
           <a:bodyPr/>
           <a:lstStyle/>
           <a:p>
+            <a:r>
+              <a:rPr lang="en-US" dirty="0" smtClean="0"/>
+              <a:t>Java obfuscation</a:t>
+            </a:r>
+          </a:p>
+          <a:p>
+            <a:r>
+              <a:rPr lang="en-US" dirty="0" smtClean="0"/>
+              <a:t>Java </a:t>
+            </a:r>
+          </a:p>
+          <a:p>
+            <a:r>
+              <a:rPr lang="en-US" dirty="0" smtClean="0"/>
+              <a:t>C++</a:t>
+            </a:r>
             <a:endParaRPr lang="en-US" dirty="0"/>
           </a:p>
         </p:txBody>
@@ -4108,7 +5555,7 @@
     </p:spTree>
     <p:extLst>
       <p:ext uri="{BB962C8B-B14F-4D97-AF65-F5344CB8AC3E}">
-        <p14:creationId xmlns:p14="http://schemas.microsoft.com/office/powerpoint/2010/main" val="670405104"/>
+        <p14:creationId xmlns:p14="http://schemas.microsoft.com/office/powerpoint/2010/main" val="361249591"/>
       </p:ext>
     </p:extLst>
   </p:cSld>
@@ -4159,7 +5606,7 @@
           <a:p>
             <a:r>
               <a:rPr lang="en-US" dirty="0" smtClean="0"/>
-              <a:t>Reduce APK size by reducing C/C++ artefacts</a:t>
+              <a:t>Exception handling</a:t>
             </a:r>
             <a:endParaRPr lang="en-US" dirty="0"/>
           </a:p>
@@ -4179,6 +5626,12 @@
         <p:txBody>
           <a:bodyPr/>
           <a:lstStyle/>
+          <a:p>
+            <a:r>
+              <a:rPr lang="en-US" dirty="0" smtClean="0"/>
+              <a:t>How to enable C++ exception support</a:t>
+            </a:r>
+          </a:p>
           <a:p>
             <a:endParaRPr lang="en-US" dirty="0"/>
           </a:p>
@@ -4187,7 +5640,7 @@
     </p:spTree>
     <p:extLst>
       <p:ext uri="{BB962C8B-B14F-4D97-AF65-F5344CB8AC3E}">
-        <p14:creationId xmlns:p14="http://schemas.microsoft.com/office/powerpoint/2010/main" val="3291943501"/>
+        <p14:creationId xmlns:p14="http://schemas.microsoft.com/office/powerpoint/2010/main" val="670405104"/>
       </p:ext>
     </p:extLst>
   </p:cSld>
@@ -4238,7 +5691,7 @@
           <a:p>
             <a:r>
               <a:rPr lang="en-US" dirty="0" smtClean="0"/>
-              <a:t>Crash handling</a:t>
+              <a:t>Reduce APK size by reducing C/C++ artefacts</a:t>
             </a:r>
             <a:endParaRPr lang="en-US" dirty="0"/>
           </a:p>
@@ -4266,7 +5719,7 @@
     </p:spTree>
     <p:extLst>
       <p:ext uri="{BB962C8B-B14F-4D97-AF65-F5344CB8AC3E}">
-        <p14:creationId xmlns:p14="http://schemas.microsoft.com/office/powerpoint/2010/main" val="2286164954"/>
+        <p14:creationId xmlns:p14="http://schemas.microsoft.com/office/powerpoint/2010/main" val="3291943501"/>
       </p:ext>
     </p:extLst>
   </p:cSld>
@@ -4317,7 +5770,7 @@
           <a:p>
             <a:r>
               <a:rPr lang="en-US" dirty="0" smtClean="0"/>
-              <a:t>Thank you</a:t>
+              <a:t>Crash handling</a:t>
             </a:r>
             <a:endParaRPr lang="en-US" dirty="0"/>
           </a:p>
@@ -4338,14 +5791,14 @@
           <a:bodyPr/>
           <a:lstStyle/>
           <a:p>
-            <a:endParaRPr lang="en-US"/>
+            <a:endParaRPr lang="en-US" dirty="0"/>
           </a:p>
         </p:txBody>
       </p:sp>
     </p:spTree>
     <p:extLst>
       <p:ext uri="{BB962C8B-B14F-4D97-AF65-F5344CB8AC3E}">
-        <p14:creationId xmlns:p14="http://schemas.microsoft.com/office/powerpoint/2010/main" val="1045684420"/>
+        <p14:creationId xmlns:p14="http://schemas.microsoft.com/office/powerpoint/2010/main" val="2286164954"/>
       </p:ext>
     </p:extLst>
   </p:cSld>

--- a/NDK.pptx
+++ b/NDK.pptx
@@ -14,7 +14,10 @@
     <p:sldId id="263" r:id="rId8"/>
     <p:sldId id="260" r:id="rId9"/>
     <p:sldId id="261" r:id="rId10"/>
-    <p:sldId id="264" r:id="rId11"/>
+    <p:sldId id="268" r:id="rId11"/>
+    <p:sldId id="266" r:id="rId12"/>
+    <p:sldId id="264" r:id="rId13"/>
+    <p:sldId id="267" r:id="rId14"/>
   </p:sldIdLst>
   <p:sldSz cx="12192000" cy="6858000"/>
   <p:notesSz cx="6858000" cy="9144000"/>
@@ -2429,10 +2432,10 @@
         <a:gradFill flip="none" rotWithShape="1">
           <a:gsLst>
             <a:gs pos="20000">
-              <a:schemeClr val="accent1">
-                <a:lumMod val="5000"/>
-                <a:lumOff val="95000"/>
-                <a:alpha val="12000"/>
+              <a:schemeClr val="accent6">
+                <a:alpha val="83000"/>
+                <a:lumMod val="62000"/>
+                <a:lumOff val="38000"/>
               </a:schemeClr>
             </a:gs>
             <a:gs pos="74000">
@@ -3081,6 +3084,14 @@
 <file path=ppt/slides/slide10.xml><?xml version="1.0" encoding="utf-8"?>
 <p:sld xmlns:a="http://schemas.openxmlformats.org/drawingml/2006/main" xmlns:r="http://schemas.openxmlformats.org/officeDocument/2006/relationships" xmlns:p="http://schemas.openxmlformats.org/presentationml/2006/main">
   <p:cSld>
+    <p:bg>
+      <p:bgPr>
+        <a:solidFill>
+          <a:schemeClr val="tx1"/>
+        </a:solidFill>
+        <a:effectLst/>
+      </p:bgPr>
+    </p:bg>
     <p:spTree>
       <p:nvGrpSpPr>
         <p:cNvPr id="1" name=""/>
@@ -3095,6 +3106,72 @@
           <a:chExt cx="0" cy="0"/>
         </a:xfrm>
       </p:grpSpPr>
+      <p:pic>
+        <p:nvPicPr>
+          <p:cNvPr id="8" name="Content Placeholder 7"/>
+          <p:cNvPicPr>
+            <a:picLocks noGrp="1" noChangeAspect="1"/>
+          </p:cNvPicPr>
+          <p:nvPr>
+            <p:ph idx="1"/>
+          </p:nvPr>
+        </p:nvPicPr>
+        <p:blipFill>
+          <a:blip r:embed="rId2">
+            <a:extLst>
+              <a:ext uri="{28A0092B-C50C-407E-A947-70E740481C1C}">
+                <a14:useLocalDpi xmlns:a14="http://schemas.microsoft.com/office/drawing/2010/main" val="0"/>
+              </a:ext>
+            </a:extLst>
+          </a:blip>
+          <a:stretch>
+            <a:fillRect/>
+          </a:stretch>
+        </p:blipFill>
+        <p:spPr>
+          <a:xfrm>
+            <a:off x="0" y="678676"/>
+            <a:ext cx="12192000" cy="5835371"/>
+          </a:xfrm>
+        </p:spPr>
+      </p:pic>
+    </p:spTree>
+    <p:extLst>
+      <p:ext uri="{BB962C8B-B14F-4D97-AF65-F5344CB8AC3E}">
+        <p14:creationId xmlns:p14="http://schemas.microsoft.com/office/powerpoint/2010/main" val="2287887655"/>
+      </p:ext>
+    </p:extLst>
+  </p:cSld>
+  <p:clrMapOvr>
+    <a:masterClrMapping/>
+  </p:clrMapOvr>
+  <p:timing>
+    <p:tnLst>
+      <p:par>
+        <p:cTn id="1" dur="indefinite" restart="never" nodeType="tmRoot"/>
+      </p:par>
+    </p:tnLst>
+  </p:timing>
+</p:sld>
+</file>
+
+<file path=ppt/slides/slide11.xml><?xml version="1.0" encoding="utf-8"?>
+<p:sld xmlns:a="http://schemas.openxmlformats.org/drawingml/2006/main" xmlns:r="http://schemas.openxmlformats.org/officeDocument/2006/relationships" xmlns:p="http://schemas.openxmlformats.org/presentationml/2006/main">
+  <p:cSld>
+    <p:spTree>
+      <p:nvGrpSpPr>
+        <p:cNvPr id="1" name=""/>
+        <p:cNvGrpSpPr/>
+        <p:nvPr/>
+      </p:nvGrpSpPr>
+      <p:grpSpPr>
+        <a:xfrm>
+          <a:off x="0" y="0"/>
+          <a:ext cx="0" cy="0"/>
+          <a:chOff x="0" y="0"/>
+          <a:chExt cx="0" cy="0"/>
+        </a:xfrm>
+      </p:grpSpPr>
       <p:sp>
         <p:nvSpPr>
           <p:cNvPr id="2" name="Title 1"/>
@@ -3110,9 +3187,10 @@
           <a:bodyPr/>
           <a:lstStyle/>
           <a:p>
+            <a:pPr algn="ctr"/>
             <a:r>
               <a:rPr lang="en-US" dirty="0" smtClean="0"/>
-              <a:t>Thank you</a:t>
+              <a:t>Crash handling</a:t>
             </a:r>
             <a:endParaRPr lang="en-US" dirty="0"/>
           </a:p>
@@ -3133,7 +3211,114 @@
           <a:bodyPr/>
           <a:lstStyle/>
           <a:p>
-            <a:endParaRPr lang="en-US"/>
+            <a:r>
+              <a:rPr lang="en-US" dirty="0" smtClean="0"/>
+              <a:t>NDK tools: </a:t>
+            </a:r>
+            <a:r>
+              <a:rPr lang="en-US" dirty="0" err="1" smtClean="0"/>
+              <a:t>ndk-stak</a:t>
+            </a:r>
+            <a:endParaRPr lang="en-US" dirty="0" smtClean="0"/>
+          </a:p>
+          <a:p>
+            <a:endParaRPr lang="en-US" dirty="0"/>
+          </a:p>
+        </p:txBody>
+      </p:sp>
+      <p:pic>
+        <p:nvPicPr>
+          <p:cNvPr id="4" name="Picture 3"/>
+          <p:cNvPicPr>
+            <a:picLocks noChangeAspect="1"/>
+          </p:cNvPicPr>
+          <p:nvPr/>
+        </p:nvPicPr>
+        <p:blipFill>
+          <a:blip r:embed="rId2">
+            <a:extLst>
+              <a:ext uri="{28A0092B-C50C-407E-A947-70E740481C1C}">
+                <a14:useLocalDpi xmlns:a14="http://schemas.microsoft.com/office/drawing/2010/main" val="0"/>
+              </a:ext>
+            </a:extLst>
+          </a:blip>
+          <a:stretch>
+            <a:fillRect/>
+          </a:stretch>
+        </p:blipFill>
+        <p:spPr>
+          <a:xfrm>
+            <a:off x="0" y="2361955"/>
+            <a:ext cx="12090462" cy="3593794"/>
+          </a:xfrm>
+          <a:prstGeom prst="rect">
+            <a:avLst/>
+          </a:prstGeom>
+        </p:spPr>
+      </p:pic>
+    </p:spTree>
+    <p:extLst>
+      <p:ext uri="{BB962C8B-B14F-4D97-AF65-F5344CB8AC3E}">
+        <p14:creationId xmlns:p14="http://schemas.microsoft.com/office/powerpoint/2010/main" val="1844720168"/>
+      </p:ext>
+    </p:extLst>
+  </p:cSld>
+  <p:clrMapOvr>
+    <a:masterClrMapping/>
+  </p:clrMapOvr>
+  <p:timing>
+    <p:tnLst>
+      <p:par>
+        <p:cTn id="1" dur="indefinite" restart="never" nodeType="tmRoot"/>
+      </p:par>
+    </p:tnLst>
+  </p:timing>
+</p:sld>
+</file>
+
+<file path=ppt/slides/slide12.xml><?xml version="1.0" encoding="utf-8"?>
+<p:sld xmlns:a="http://schemas.openxmlformats.org/drawingml/2006/main" xmlns:r="http://schemas.openxmlformats.org/officeDocument/2006/relationships" xmlns:p="http://schemas.openxmlformats.org/presentationml/2006/main">
+  <p:cSld>
+    <p:spTree>
+      <p:nvGrpSpPr>
+        <p:cNvPr id="1" name=""/>
+        <p:cNvGrpSpPr/>
+        <p:nvPr/>
+      </p:nvGrpSpPr>
+      <p:grpSpPr>
+        <a:xfrm>
+          <a:off x="0" y="0"/>
+          <a:ext cx="0" cy="0"/>
+          <a:chOff x="0" y="0"/>
+          <a:chExt cx="0" cy="0"/>
+        </a:xfrm>
+      </p:grpSpPr>
+      <p:sp>
+        <p:nvSpPr>
+          <p:cNvPr id="2" name="Title 1"/>
+          <p:cNvSpPr>
+            <a:spLocks noGrp="1"/>
+          </p:cNvSpPr>
+          <p:nvPr>
+            <p:ph type="title"/>
+          </p:nvPr>
+        </p:nvSpPr>
+        <p:spPr>
+          <a:xfrm>
+            <a:off x="788096" y="2669914"/>
+            <a:ext cx="10515600" cy="1325563"/>
+          </a:xfrm>
+        </p:spPr>
+        <p:txBody>
+          <a:bodyPr/>
+          <a:lstStyle/>
+          <a:p>
+            <a:pPr algn="ctr"/>
+            <a:r>
+              <a:rPr lang="en-US" dirty="0" smtClean="0"/>
+              <a:t>Questions ?</a:t>
+            </a:r>
+            <a:endParaRPr lang="en-US" dirty="0"/>
           </a:p>
         </p:txBody>
       </p:sp>
@@ -3141,6 +3326,72 @@
     <p:extLst>
       <p:ext uri="{BB962C8B-B14F-4D97-AF65-F5344CB8AC3E}">
         <p14:creationId xmlns:p14="http://schemas.microsoft.com/office/powerpoint/2010/main" val="1045684420"/>
+      </p:ext>
+    </p:extLst>
+  </p:cSld>
+  <p:clrMapOvr>
+    <a:masterClrMapping/>
+  </p:clrMapOvr>
+  <p:timing>
+    <p:tnLst>
+      <p:par>
+        <p:cTn id="1" dur="indefinite" restart="never" nodeType="tmRoot"/>
+      </p:par>
+    </p:tnLst>
+  </p:timing>
+</p:sld>
+</file>
+
+<file path=ppt/slides/slide13.xml><?xml version="1.0" encoding="utf-8"?>
+<p:sld xmlns:a="http://schemas.openxmlformats.org/drawingml/2006/main" xmlns:r="http://schemas.openxmlformats.org/officeDocument/2006/relationships" xmlns:p="http://schemas.openxmlformats.org/presentationml/2006/main">
+  <p:cSld>
+    <p:spTree>
+      <p:nvGrpSpPr>
+        <p:cNvPr id="1" name=""/>
+        <p:cNvGrpSpPr/>
+        <p:nvPr/>
+      </p:nvGrpSpPr>
+      <p:grpSpPr>
+        <a:xfrm>
+          <a:off x="0" y="0"/>
+          <a:ext cx="0" cy="0"/>
+          <a:chOff x="0" y="0"/>
+          <a:chExt cx="0" cy="0"/>
+        </a:xfrm>
+      </p:grpSpPr>
+      <p:sp>
+        <p:nvSpPr>
+          <p:cNvPr id="2" name="Title 1"/>
+          <p:cNvSpPr>
+            <a:spLocks noGrp="1"/>
+          </p:cNvSpPr>
+          <p:nvPr>
+            <p:ph type="title"/>
+          </p:nvPr>
+        </p:nvSpPr>
+        <p:spPr>
+          <a:xfrm>
+            <a:off x="788096" y="2669914"/>
+            <a:ext cx="10515600" cy="1325563"/>
+          </a:xfrm>
+        </p:spPr>
+        <p:txBody>
+          <a:bodyPr/>
+          <a:lstStyle/>
+          <a:p>
+            <a:pPr algn="ctr"/>
+            <a:r>
+              <a:rPr lang="en-US" dirty="0" smtClean="0"/>
+              <a:t>Thank you</a:t>
+            </a:r>
+            <a:endParaRPr lang="en-US" dirty="0"/>
+          </a:p>
+        </p:txBody>
+      </p:sp>
+    </p:spTree>
+    <p:extLst>
+      <p:ext uri="{BB962C8B-B14F-4D97-AF65-F5344CB8AC3E}">
+        <p14:creationId xmlns:p14="http://schemas.microsoft.com/office/powerpoint/2010/main" val="4228425219"/>
       </p:ext>
     </p:extLst>
   </p:cSld>
@@ -3198,30 +3449,6 @@
           </a:p>
         </p:txBody>
       </p:sp>
-      <p:sp>
-        <p:nvSpPr>
-          <p:cNvPr id="5" name="Content Placeholder 4"/>
-          <p:cNvSpPr>
-            <a:spLocks noGrp="1"/>
-          </p:cNvSpPr>
-          <p:nvPr>
-            <p:ph idx="1"/>
-          </p:nvPr>
-        </p:nvSpPr>
-        <p:spPr>
-          <a:xfrm>
-            <a:off x="4809392" y="4158761"/>
-            <a:ext cx="6544408" cy="2018201"/>
-          </a:xfrm>
-        </p:spPr>
-        <p:txBody>
-          <a:bodyPr/>
-          <a:lstStyle/>
-          <a:p>
-            <a:endParaRPr lang="en-US" dirty="0"/>
-          </a:p>
-        </p:txBody>
-      </p:sp>
       <p:graphicFrame>
         <p:nvGraphicFramePr>
           <p:cNvPr id="4" name="Table 3"/>
@@ -3231,13 +3458,13 @@
           <p:nvPr>
             <p:extLst>
               <p:ext uri="{D42A27DB-BD31-4B8C-83A1-F6EECF244321}">
-                <p14:modId xmlns:p14="http://schemas.microsoft.com/office/powerpoint/2010/main" val="3766292797"/>
+                <p14:modId xmlns:p14="http://schemas.microsoft.com/office/powerpoint/2010/main" val="4244789606"/>
               </p:ext>
             </p:extLst>
           </p:nvPr>
         </p:nvGraphicFramePr>
         <p:xfrm>
-          <a:off x="625230" y="1414258"/>
+          <a:off x="1354991" y="5371774"/>
           <a:ext cx="8128000" cy="1833880"/>
         </p:xfrm>
         <a:graphic>
@@ -3276,7 +3503,7 @@
                   </a:extLst>
                 </a:gridCol>
               </a:tblGrid>
-              <a:tr h="370840">
+              <a:tr h="0">
                 <a:tc>
                   <a:txBody>
                     <a:bodyPr/>
@@ -3579,6 +3806,235 @@
           </a:graphicData>
         </a:graphic>
       </p:graphicFrame>
+      <p:sp>
+        <p:nvSpPr>
+          <p:cNvPr id="6" name="Content Placeholder 2"/>
+          <p:cNvSpPr txBox="1">
+            <a:spLocks/>
+          </p:cNvSpPr>
+          <p:nvPr/>
+        </p:nvSpPr>
+        <p:spPr>
+          <a:xfrm>
+            <a:off x="838200" y="1668708"/>
+            <a:ext cx="5770684" cy="4508255"/>
+          </a:xfrm>
+          <a:prstGeom prst="rect">
+            <a:avLst/>
+          </a:prstGeom>
+        </p:spPr>
+        <p:txBody>
+          <a:bodyPr vert="horz" lIns="91440" tIns="45720" rIns="91440" bIns="45720" rtlCol="0">
+            <a:normAutofit/>
+          </a:bodyPr>
+          <a:lstStyle>
+            <a:lvl1pPr marL="228600" indent="-228600" algn="l" defTabSz="914400" rtl="0" eaLnBrk="1" latinLnBrk="0" hangingPunct="1">
+              <a:lnSpc>
+                <a:spcPct val="90000"/>
+              </a:lnSpc>
+              <a:spcBef>
+                <a:spcPts val="1000"/>
+              </a:spcBef>
+              <a:buFont typeface="Arial" panose="020B0604020202020204" pitchFamily="34" charset="0"/>
+              <a:buChar char="•"/>
+              <a:defRPr sz="2800" kern="1200">
+                <a:solidFill>
+                  <a:schemeClr val="tx1"/>
+                </a:solidFill>
+                <a:latin typeface="+mn-lt"/>
+                <a:ea typeface="+mn-ea"/>
+                <a:cs typeface="+mn-cs"/>
+              </a:defRPr>
+            </a:lvl1pPr>
+            <a:lvl2pPr marL="685800" indent="-228600" algn="l" defTabSz="914400" rtl="0" eaLnBrk="1" latinLnBrk="0" hangingPunct="1">
+              <a:lnSpc>
+                <a:spcPct val="90000"/>
+              </a:lnSpc>
+              <a:spcBef>
+                <a:spcPts val="500"/>
+              </a:spcBef>
+              <a:buFont typeface="Arial" panose="020B0604020202020204" pitchFamily="34" charset="0"/>
+              <a:buChar char="•"/>
+              <a:defRPr sz="2400" kern="1200">
+                <a:solidFill>
+                  <a:schemeClr val="tx1"/>
+                </a:solidFill>
+                <a:latin typeface="+mn-lt"/>
+                <a:ea typeface="+mn-ea"/>
+                <a:cs typeface="+mn-cs"/>
+              </a:defRPr>
+            </a:lvl2pPr>
+            <a:lvl3pPr marL="1143000" indent="-228600" algn="l" defTabSz="914400" rtl="0" eaLnBrk="1" latinLnBrk="0" hangingPunct="1">
+              <a:lnSpc>
+                <a:spcPct val="90000"/>
+              </a:lnSpc>
+              <a:spcBef>
+                <a:spcPts val="500"/>
+              </a:spcBef>
+              <a:buFont typeface="Arial" panose="020B0604020202020204" pitchFamily="34" charset="0"/>
+              <a:buChar char="•"/>
+              <a:defRPr sz="2000" kern="1200">
+                <a:solidFill>
+                  <a:schemeClr val="tx1"/>
+                </a:solidFill>
+                <a:latin typeface="+mn-lt"/>
+                <a:ea typeface="+mn-ea"/>
+                <a:cs typeface="+mn-cs"/>
+              </a:defRPr>
+            </a:lvl3pPr>
+            <a:lvl4pPr marL="1600200" indent="-228600" algn="l" defTabSz="914400" rtl="0" eaLnBrk="1" latinLnBrk="0" hangingPunct="1">
+              <a:lnSpc>
+                <a:spcPct val="90000"/>
+              </a:lnSpc>
+              <a:spcBef>
+                <a:spcPts val="500"/>
+              </a:spcBef>
+              <a:buFont typeface="Arial" panose="020B0604020202020204" pitchFamily="34" charset="0"/>
+              <a:buChar char="•"/>
+              <a:defRPr sz="1800" kern="1200">
+                <a:solidFill>
+                  <a:schemeClr val="tx1"/>
+                </a:solidFill>
+                <a:latin typeface="+mn-lt"/>
+                <a:ea typeface="+mn-ea"/>
+                <a:cs typeface="+mn-cs"/>
+              </a:defRPr>
+            </a:lvl4pPr>
+            <a:lvl5pPr marL="2057400" indent="-228600" algn="l" defTabSz="914400" rtl="0" eaLnBrk="1" latinLnBrk="0" hangingPunct="1">
+              <a:lnSpc>
+                <a:spcPct val="90000"/>
+              </a:lnSpc>
+              <a:spcBef>
+                <a:spcPts val="500"/>
+              </a:spcBef>
+              <a:buFont typeface="Arial" panose="020B0604020202020204" pitchFamily="34" charset="0"/>
+              <a:buChar char="•"/>
+              <a:defRPr sz="1800" kern="1200">
+                <a:solidFill>
+                  <a:schemeClr val="tx1"/>
+                </a:solidFill>
+                <a:latin typeface="+mn-lt"/>
+                <a:ea typeface="+mn-ea"/>
+                <a:cs typeface="+mn-cs"/>
+              </a:defRPr>
+            </a:lvl5pPr>
+            <a:lvl6pPr marL="2514600" indent="-228600" algn="l" defTabSz="914400" rtl="0" eaLnBrk="1" latinLnBrk="0" hangingPunct="1">
+              <a:lnSpc>
+                <a:spcPct val="90000"/>
+              </a:lnSpc>
+              <a:spcBef>
+                <a:spcPts val="500"/>
+              </a:spcBef>
+              <a:buFont typeface="Arial" panose="020B0604020202020204" pitchFamily="34" charset="0"/>
+              <a:buChar char="•"/>
+              <a:defRPr sz="1800" kern="1200">
+                <a:solidFill>
+                  <a:schemeClr val="tx1"/>
+                </a:solidFill>
+                <a:latin typeface="+mn-lt"/>
+                <a:ea typeface="+mn-ea"/>
+                <a:cs typeface="+mn-cs"/>
+              </a:defRPr>
+            </a:lvl6pPr>
+            <a:lvl7pPr marL="2971800" indent="-228600" algn="l" defTabSz="914400" rtl="0" eaLnBrk="1" latinLnBrk="0" hangingPunct="1">
+              <a:lnSpc>
+                <a:spcPct val="90000"/>
+              </a:lnSpc>
+              <a:spcBef>
+                <a:spcPts val="500"/>
+              </a:spcBef>
+              <a:buFont typeface="Arial" panose="020B0604020202020204" pitchFamily="34" charset="0"/>
+              <a:buChar char="•"/>
+              <a:defRPr sz="1800" kern="1200">
+                <a:solidFill>
+                  <a:schemeClr val="tx1"/>
+                </a:solidFill>
+                <a:latin typeface="+mn-lt"/>
+                <a:ea typeface="+mn-ea"/>
+                <a:cs typeface="+mn-cs"/>
+              </a:defRPr>
+            </a:lvl7pPr>
+            <a:lvl8pPr marL="3429000" indent="-228600" algn="l" defTabSz="914400" rtl="0" eaLnBrk="1" latinLnBrk="0" hangingPunct="1">
+              <a:lnSpc>
+                <a:spcPct val="90000"/>
+              </a:lnSpc>
+              <a:spcBef>
+                <a:spcPts val="500"/>
+              </a:spcBef>
+              <a:buFont typeface="Arial" panose="020B0604020202020204" pitchFamily="34" charset="0"/>
+              <a:buChar char="•"/>
+              <a:defRPr sz="1800" kern="1200">
+                <a:solidFill>
+                  <a:schemeClr val="tx1"/>
+                </a:solidFill>
+                <a:latin typeface="+mn-lt"/>
+                <a:ea typeface="+mn-ea"/>
+                <a:cs typeface="+mn-cs"/>
+              </a:defRPr>
+            </a:lvl8pPr>
+            <a:lvl9pPr marL="3886200" indent="-228600" algn="l" defTabSz="914400" rtl="0" eaLnBrk="1" latinLnBrk="0" hangingPunct="1">
+              <a:lnSpc>
+                <a:spcPct val="90000"/>
+              </a:lnSpc>
+              <a:spcBef>
+                <a:spcPts val="500"/>
+              </a:spcBef>
+              <a:buFont typeface="Arial" panose="020B0604020202020204" pitchFamily="34" charset="0"/>
+              <a:buChar char="•"/>
+              <a:defRPr sz="1800" kern="1200">
+                <a:solidFill>
+                  <a:schemeClr val="tx1"/>
+                </a:solidFill>
+                <a:latin typeface="+mn-lt"/>
+                <a:ea typeface="+mn-ea"/>
+                <a:cs typeface="+mn-cs"/>
+              </a:defRPr>
+            </a:lvl9pPr>
+          </a:lstStyle>
+          <a:p>
+            <a:r>
+              <a:rPr lang="en-US" dirty="0" smtClean="0"/>
+              <a:t>Introduction</a:t>
+            </a:r>
+          </a:p>
+          <a:p>
+            <a:r>
+              <a:rPr lang="en-US" dirty="0" smtClean="0"/>
+              <a:t>JNI table reference counting</a:t>
+            </a:r>
+          </a:p>
+          <a:p>
+            <a:r>
+              <a:rPr lang="en-US" dirty="0" smtClean="0"/>
+              <a:t>Working with NDK native threads</a:t>
+            </a:r>
+          </a:p>
+          <a:p>
+            <a:r>
+              <a:rPr lang="en-US" dirty="0" smtClean="0"/>
+              <a:t>Exception Handling</a:t>
+            </a:r>
+          </a:p>
+          <a:p>
+            <a:r>
+              <a:rPr lang="en-US" dirty="0" smtClean="0"/>
+              <a:t>Different linking issues</a:t>
+            </a:r>
+          </a:p>
+          <a:p>
+            <a:r>
+              <a:rPr lang="en-US" dirty="0" smtClean="0"/>
+              <a:t>Reduce the size of native libs</a:t>
+            </a:r>
+          </a:p>
+          <a:p>
+            <a:r>
+              <a:rPr lang="en-US" dirty="0" smtClean="0"/>
+              <a:t>NDK crash handling and NDK tools</a:t>
+            </a:r>
+          </a:p>
+        </p:txBody>
+      </p:sp>
     </p:spTree>
     <p:extLst>
       <p:ext uri="{BB962C8B-B14F-4D97-AF65-F5344CB8AC3E}">
@@ -3974,7 +4430,6 @@
               <a:rPr lang="en-US" dirty="0" smtClean="0"/>
               <a:t>Low-level platform specific API</a:t>
             </a:r>
-            <a:endParaRPr lang="en-US" dirty="0" smtClean="0"/>
           </a:p>
           <a:p>
             <a:r>
@@ -5042,14 +5497,42 @@
             <p:ph idx="1"/>
           </p:nvPr>
         </p:nvSpPr>
-        <p:spPr/>
+        <p:spPr>
+          <a:xfrm>
+            <a:off x="838200" y="1836383"/>
+            <a:ext cx="10515600" cy="4351338"/>
+          </a:xfrm>
+        </p:spPr>
         <p:txBody>
           <a:bodyPr/>
           <a:lstStyle/>
           <a:p>
             <a:r>
               <a:rPr lang="en-US" dirty="0" smtClean="0"/>
-              <a:t>JNI local </a:t>
+              <a:t>JNI reference types: </a:t>
+            </a:r>
+            <a:r>
+              <a:rPr lang="en-US" dirty="0" err="1" smtClean="0"/>
+              <a:t>LocalRef</a:t>
+            </a:r>
+            <a:r>
+              <a:rPr lang="en-US" dirty="0" smtClean="0"/>
+              <a:t>, </a:t>
+            </a:r>
+            <a:r>
+              <a:rPr lang="en-US" dirty="0" err="1" smtClean="0"/>
+              <a:t>GlobalRef</a:t>
+            </a:r>
+            <a:endParaRPr lang="en-US" dirty="0" smtClean="0"/>
+          </a:p>
+          <a:p>
+            <a:r>
+              <a:rPr lang="en-US" dirty="0" smtClean="0"/>
+              <a:t>JNI </a:t>
+            </a:r>
+            <a:r>
+              <a:rPr lang="en-US" dirty="0" smtClean="0"/>
+              <a:t>local </a:t>
             </a:r>
             <a:r>
               <a:rPr lang="en-US" dirty="0"/>
@@ -5093,7 +5576,7 @@
         </p:blipFill>
         <p:spPr>
           <a:xfrm>
-            <a:off x="5793785" y="1384161"/>
+            <a:off x="6998641" y="1384161"/>
             <a:ext cx="6058746" cy="3191320"/>
           </a:xfrm>
           <a:prstGeom prst="rect">
@@ -5211,7 +5694,7 @@
                             </p:stCondLst>
                             <p:childTnLst>
                               <p:par>
-                                <p:cTn id="9" presetID="1" presetClass="entr" presetSubtype="0" fill="hold" nodeType="clickEffect">
+                                <p:cTn id="9" presetID="1" presetClass="entr" presetSubtype="0" fill="hold" grpId="0" nodeType="clickEffect">
                                   <p:stCondLst>
                                     <p:cond delay="0"/>
                                   </p:stCondLst>
@@ -5224,7 +5707,11 @@
                                           </p:stCondLst>
                                         </p:cTn>
                                         <p:tgtEl>
-                                          <p:spTgt spid="4"/>
+                                          <p:spTgt spid="3">
+                                            <p:txEl>
+                                              <p:pRg st="1" end="1"/>
+                                            </p:txEl>
+                                          </p:spTgt>
                                         </p:tgtEl>
                                         <p:attrNameLst>
                                           <p:attrName>style.visibility</p:attrName>
@@ -5256,7 +5743,7 @@
                             </p:stCondLst>
                             <p:childTnLst>
                               <p:par>
-                                <p:cTn id="13" presetID="1" presetClass="exit" presetSubtype="0" fill="hold" nodeType="clickEffect">
+                                <p:cTn id="13" presetID="1" presetClass="entr" presetSubtype="0" fill="hold" nodeType="clickEffect">
                                   <p:stCondLst>
                                     <p:cond delay="0"/>
                                   </p:stCondLst>
@@ -5276,6 +5763,51 @@
                                         </p:attrNameLst>
                                       </p:cBhvr>
                                       <p:to>
+                                        <p:strVal val="visible"/>
+                                      </p:to>
+                                    </p:set>
+                                  </p:childTnLst>
+                                </p:cTn>
+                              </p:par>
+                            </p:childTnLst>
+                          </p:cTn>
+                        </p:par>
+                      </p:childTnLst>
+                    </p:cTn>
+                  </p:par>
+                  <p:par>
+                    <p:cTn id="15" fill="hold">
+                      <p:stCondLst>
+                        <p:cond delay="indefinite"/>
+                      </p:stCondLst>
+                      <p:childTnLst>
+                        <p:par>
+                          <p:cTn id="16" fill="hold">
+                            <p:stCondLst>
+                              <p:cond delay="0"/>
+                            </p:stCondLst>
+                            <p:childTnLst>
+                              <p:par>
+                                <p:cTn id="17" presetID="1" presetClass="exit" presetSubtype="0" fill="hold" nodeType="clickEffect">
+                                  <p:stCondLst>
+                                    <p:cond delay="0"/>
+                                  </p:stCondLst>
+                                  <p:childTnLst>
+                                    <p:set>
+                                      <p:cBhvr>
+                                        <p:cTn id="18" dur="1" fill="hold">
+                                          <p:stCondLst>
+                                            <p:cond delay="0"/>
+                                          </p:stCondLst>
+                                        </p:cTn>
+                                        <p:tgtEl>
+                                          <p:spTgt spid="4"/>
+                                        </p:tgtEl>
+                                        <p:attrNameLst>
+                                          <p:attrName>style.visibility</p:attrName>
+                                        </p:attrNameLst>
+                                      </p:cBhvr>
+                                      <p:to>
                                         <p:strVal val="hidden"/>
                                       </p:to>
                                     </p:set>
@@ -5283,14 +5815,14 @@
                                 </p:cTn>
                               </p:par>
                               <p:par>
-                                <p:cTn id="15" presetID="1" presetClass="entr" presetSubtype="0" fill="hold" grpId="0" nodeType="withEffect">
+                                <p:cTn id="19" presetID="1" presetClass="entr" presetSubtype="0" fill="hold" grpId="0" nodeType="withEffect">
                                   <p:stCondLst>
                                     <p:cond delay="0"/>
                                   </p:stCondLst>
                                   <p:childTnLst>
                                     <p:set>
                                       <p:cBhvr>
-                                        <p:cTn id="16" dur="1" fill="hold">
+                                        <p:cTn id="20" dur="1" fill="hold">
                                           <p:stCondLst>
                                             <p:cond delay="0"/>
                                           </p:stCondLst>
@@ -5298,7 +5830,7 @@
                                         <p:tgtEl>
                                           <p:spTgt spid="3">
                                             <p:txEl>
-                                              <p:pRg st="1" end="1"/>
+                                              <p:pRg st="2" end="2"/>
                                             </p:txEl>
                                           </p:spTgt>
                                         </p:tgtEl>
@@ -5320,26 +5852,26 @@
                     </p:cTn>
                   </p:par>
                   <p:par>
-                    <p:cTn id="17" fill="hold">
+                    <p:cTn id="21" fill="hold">
                       <p:stCondLst>
                         <p:cond delay="indefinite"/>
                       </p:stCondLst>
                       <p:childTnLst>
                         <p:par>
-                          <p:cTn id="18" fill="hold">
+                          <p:cTn id="22" fill="hold">
                             <p:stCondLst>
                               <p:cond delay="0"/>
                             </p:stCondLst>
                             <p:childTnLst>
                               <p:par>
-                                <p:cTn id="19" presetID="1" presetClass="entr" presetSubtype="0" fill="hold" nodeType="clickEffect">
+                                <p:cTn id="23" presetID="1" presetClass="entr" presetSubtype="0" fill="hold" nodeType="clickEffect">
                                   <p:stCondLst>
                                     <p:cond delay="0"/>
                                   </p:stCondLst>
                                   <p:childTnLst>
                                     <p:set>
                                       <p:cBhvr>
-                                        <p:cTn id="20" dur="1" fill="hold">
+                                        <p:cTn id="24" dur="1" fill="hold">
                                           <p:stCondLst>
                                             <p:cond delay="0"/>
                                           </p:stCondLst>
@@ -5450,12 +5982,55 @@
           <a:p>
             <a:r>
               <a:rPr lang="en-US" dirty="0" smtClean="0"/>
-              <a:t>Do not forget to attach native thread to the JVM</a:t>
+              <a:t>What is Invocation API?</a:t>
+            </a:r>
+          </a:p>
+          <a:p>
+            <a:endParaRPr lang="en-US" dirty="0" smtClean="0"/>
+          </a:p>
+          <a:p>
+            <a:r>
+              <a:rPr lang="en-US" dirty="0" smtClean="0"/>
+              <a:t>Do </a:t>
+            </a:r>
+            <a:r>
+              <a:rPr lang="en-US" dirty="0" smtClean="0"/>
+              <a:t>not forget to attach native thread to the JVM</a:t>
             </a:r>
             <a:endParaRPr lang="en-US" dirty="0"/>
           </a:p>
         </p:txBody>
       </p:sp>
+      <p:pic>
+        <p:nvPicPr>
+          <p:cNvPr id="4" name="Picture 3"/>
+          <p:cNvPicPr>
+            <a:picLocks noChangeAspect="1"/>
+          </p:cNvPicPr>
+          <p:nvPr/>
+        </p:nvPicPr>
+        <p:blipFill>
+          <a:blip r:embed="rId2">
+            <a:extLst>
+              <a:ext uri="{28A0092B-C50C-407E-A947-70E740481C1C}">
+                <a14:useLocalDpi xmlns:a14="http://schemas.microsoft.com/office/drawing/2010/main" val="0"/>
+              </a:ext>
+            </a:extLst>
+          </a:blip>
+          <a:stretch>
+            <a:fillRect/>
+          </a:stretch>
+        </p:blipFill>
+        <p:spPr>
+          <a:xfrm>
+            <a:off x="7272995" y="1825625"/>
+            <a:ext cx="2572109" cy="1981477"/>
+          </a:xfrm>
+          <a:prstGeom prst="rect">
+            <a:avLst/>
+          </a:prstGeom>
+        </p:spPr>
+      </p:pic>
     </p:spTree>
     <p:extLst>
       <p:ext uri="{BB962C8B-B14F-4D97-AF65-F5344CB8AC3E}">
@@ -5552,6 +6127,66 @@
           </a:p>
         </p:txBody>
       </p:sp>
+      <p:pic>
+        <p:nvPicPr>
+          <p:cNvPr id="4" name="Picture 3"/>
+          <p:cNvPicPr>
+            <a:picLocks noChangeAspect="1"/>
+          </p:cNvPicPr>
+          <p:nvPr/>
+        </p:nvPicPr>
+        <p:blipFill>
+          <a:blip r:embed="rId2" cstate="print">
+            <a:extLst>
+              <a:ext uri="{28A0092B-C50C-407E-A947-70E740481C1C}">
+                <a14:useLocalDpi xmlns:a14="http://schemas.microsoft.com/office/drawing/2010/main" val="0"/>
+              </a:ext>
+            </a:extLst>
+          </a:blip>
+          <a:stretch>
+            <a:fillRect/>
+          </a:stretch>
+        </p:blipFill>
+        <p:spPr>
+          <a:xfrm>
+            <a:off x="5984454" y="1916482"/>
+            <a:ext cx="1575578" cy="1575578"/>
+          </a:xfrm>
+          <a:prstGeom prst="rect">
+            <a:avLst/>
+          </a:prstGeom>
+        </p:spPr>
+      </p:pic>
+      <p:pic>
+        <p:nvPicPr>
+          <p:cNvPr id="5" name="Picture 4"/>
+          <p:cNvPicPr>
+            <a:picLocks noChangeAspect="1"/>
+          </p:cNvPicPr>
+          <p:nvPr/>
+        </p:nvPicPr>
+        <p:blipFill>
+          <a:blip r:embed="rId3" cstate="print">
+            <a:extLst>
+              <a:ext uri="{28A0092B-C50C-407E-A947-70E740481C1C}">
+                <a14:useLocalDpi xmlns:a14="http://schemas.microsoft.com/office/drawing/2010/main" val="0"/>
+              </a:ext>
+            </a:extLst>
+          </a:blip>
+          <a:stretch>
+            <a:fillRect/>
+          </a:stretch>
+        </p:blipFill>
+        <p:spPr>
+          <a:xfrm>
+            <a:off x="7806536" y="1277653"/>
+            <a:ext cx="1650379" cy="1633875"/>
+          </a:xfrm>
+          <a:prstGeom prst="rect">
+            <a:avLst/>
+          </a:prstGeom>
+        </p:spPr>
+      </p:pic>
     </p:spTree>
     <p:extLst>
       <p:ext uri="{BB962C8B-B14F-4D97-AF65-F5344CB8AC3E}">
@@ -5604,6 +6239,7 @@
           <a:bodyPr/>
           <a:lstStyle/>
           <a:p>
+            <a:pPr algn="ctr"/>
             <a:r>
               <a:rPr lang="en-US" dirty="0" smtClean="0"/>
               <a:t>Exception handling</a:t>
@@ -5629,14 +6265,69 @@
           <a:p>
             <a:r>
               <a:rPr lang="en-US" dirty="0" smtClean="0"/>
-              <a:t>How to enable C++ exception support</a:t>
-            </a:r>
+              <a:t>C</a:t>
+            </a:r>
+            <a:r>
+              <a:rPr lang="en-US" dirty="0" smtClean="0"/>
+              <a:t>++ exception </a:t>
+            </a:r>
+            <a:r>
+              <a:rPr lang="en-US" dirty="0" smtClean="0"/>
+              <a:t>support</a:t>
+            </a:r>
+          </a:p>
+          <a:p>
+            <a:r>
+              <a:rPr lang="en-US" dirty="0"/>
+              <a:t>P</a:t>
+            </a:r>
+            <a:r>
+              <a:rPr lang="en-US" dirty="0" smtClean="0"/>
+              <a:t>ending exception from Java side</a:t>
+            </a:r>
+          </a:p>
+          <a:p>
+            <a:r>
+              <a:rPr lang="en-US" dirty="0" smtClean="0"/>
+              <a:t>Throw exception from C++</a:t>
+            </a:r>
+            <a:endParaRPr lang="en-US" dirty="0" smtClean="0"/>
           </a:p>
           <a:p>
             <a:endParaRPr lang="en-US" dirty="0"/>
           </a:p>
         </p:txBody>
       </p:sp>
+      <p:pic>
+        <p:nvPicPr>
+          <p:cNvPr id="8" name="Picture 7"/>
+          <p:cNvPicPr>
+            <a:picLocks noChangeAspect="1"/>
+          </p:cNvPicPr>
+          <p:nvPr/>
+        </p:nvPicPr>
+        <p:blipFill>
+          <a:blip r:embed="rId2">
+            <a:extLst>
+              <a:ext uri="{28A0092B-C50C-407E-A947-70E740481C1C}">
+                <a14:useLocalDpi xmlns:a14="http://schemas.microsoft.com/office/drawing/2010/main" val="0"/>
+              </a:ext>
+            </a:extLst>
+          </a:blip>
+          <a:stretch>
+            <a:fillRect/>
+          </a:stretch>
+        </p:blipFill>
+        <p:spPr>
+          <a:xfrm>
+            <a:off x="1994915" y="3547442"/>
+            <a:ext cx="8202170" cy="2343477"/>
+          </a:xfrm>
+          <a:prstGeom prst="rect">
+            <a:avLst/>
+          </a:prstGeom>
+        </p:spPr>
+      </p:pic>
     </p:spTree>
     <p:extLst>
       <p:ext uri="{BB962C8B-B14F-4D97-AF65-F5344CB8AC3E}">
@@ -5689,6 +6380,7 @@
           <a:bodyPr/>
           <a:lstStyle/>
           <a:p>
+            <a:pPr algn="ctr"/>
             <a:r>
               <a:rPr lang="en-US" dirty="0" smtClean="0"/>
               <a:t>Reduce APK size by reducing C/C++ artefacts</a:t>
@@ -5711,6 +6403,27 @@
         <p:txBody>
           <a:bodyPr/>
           <a:lstStyle/>
+          <a:p>
+            <a:endParaRPr lang="en-US" dirty="0" smtClean="0"/>
+          </a:p>
+          <a:p>
+            <a:r>
+              <a:rPr lang="en-US" dirty="0" smtClean="0"/>
+              <a:t>Disable C++ exception support </a:t>
+            </a:r>
+          </a:p>
+          <a:p>
+            <a:r>
+              <a:rPr lang="en-US" dirty="0" smtClean="0"/>
+              <a:t>Disable RTTI</a:t>
+            </a:r>
+          </a:p>
+          <a:p>
+            <a:r>
+              <a:rPr lang="en-US" dirty="0" smtClean="0"/>
+              <a:t>Strip debug symbols</a:t>
+            </a:r>
+          </a:p>
           <a:p>
             <a:endParaRPr lang="en-US" dirty="0"/>
           </a:p>
@@ -5768,6 +6481,7 @@
           <a:bodyPr/>
           <a:lstStyle/>
           <a:p>
+            <a:pPr algn="ctr"/>
             <a:r>
               <a:rPr lang="en-US" dirty="0" smtClean="0"/>
               <a:t>Crash handling</a:t>
@@ -5778,7 +6492,7 @@
       </p:sp>
       <p:sp>
         <p:nvSpPr>
-          <p:cNvPr id="3" name="Content Placeholder 2"/>
+          <p:cNvPr id="10" name="Content Placeholder 9"/>
           <p:cNvSpPr>
             <a:spLocks noGrp="1"/>
           </p:cNvSpPr>
@@ -5791,6 +6505,10 @@
           <a:bodyPr/>
           <a:lstStyle/>
           <a:p>
+            <a:r>
+              <a:rPr lang="en-US" dirty="0" smtClean="0"/>
+              <a:t>Google Developer Console example</a:t>
+            </a:r>
             <a:endParaRPr lang="en-US" dirty="0"/>
           </a:p>
         </p:txBody>

--- a/NDK.pptx
+++ b/NDK.pptx
@@ -4,20 +4,27 @@
   <p:sldMasterIdLst>
     <p:sldMasterId id="2147483648" r:id="rId1"/>
   </p:sldMasterIdLst>
+  <p:notesMasterIdLst>
+    <p:notesMasterId r:id="rId19"/>
+  </p:notesMasterIdLst>
   <p:sldIdLst>
     <p:sldId id="256" r:id="rId2"/>
     <p:sldId id="257" r:id="rId3"/>
-    <p:sldId id="258" r:id="rId4"/>
-    <p:sldId id="259" r:id="rId5"/>
-    <p:sldId id="262" r:id="rId6"/>
-    <p:sldId id="265" r:id="rId7"/>
-    <p:sldId id="263" r:id="rId8"/>
-    <p:sldId id="260" r:id="rId9"/>
-    <p:sldId id="261" r:id="rId10"/>
-    <p:sldId id="268" r:id="rId11"/>
-    <p:sldId id="266" r:id="rId12"/>
-    <p:sldId id="264" r:id="rId13"/>
-    <p:sldId id="267" r:id="rId14"/>
+    <p:sldId id="269" r:id="rId4"/>
+    <p:sldId id="258" r:id="rId5"/>
+    <p:sldId id="270" r:id="rId6"/>
+    <p:sldId id="259" r:id="rId7"/>
+    <p:sldId id="262" r:id="rId8"/>
+    <p:sldId id="265" r:id="rId9"/>
+    <p:sldId id="263" r:id="rId10"/>
+    <p:sldId id="271" r:id="rId11"/>
+    <p:sldId id="260" r:id="rId12"/>
+    <p:sldId id="261" r:id="rId13"/>
+    <p:sldId id="268" r:id="rId14"/>
+    <p:sldId id="266" r:id="rId15"/>
+    <p:sldId id="272" r:id="rId16"/>
+    <p:sldId id="264" r:id="rId17"/>
+    <p:sldId id="267" r:id="rId18"/>
   </p:sldIdLst>
   <p:sldSz cx="12192000" cy="6858000"/>
   <p:notesSz cx="6858000" cy="9144000"/>
@@ -124,6 +131,966 @@
 </p:presentation>
 </file>
 
+<file path=ppt/notesMasters/notesMaster1.xml><?xml version="1.0" encoding="utf-8"?>
+<p:notesMaster xmlns:a="http://schemas.openxmlformats.org/drawingml/2006/main" xmlns:r="http://schemas.openxmlformats.org/officeDocument/2006/relationships" xmlns:p="http://schemas.openxmlformats.org/presentationml/2006/main">
+  <p:cSld>
+    <p:bg>
+      <p:bgRef idx="1001">
+        <a:schemeClr val="bg1"/>
+      </p:bgRef>
+    </p:bg>
+    <p:spTree>
+      <p:nvGrpSpPr>
+        <p:cNvPr id="1" name=""/>
+        <p:cNvGrpSpPr/>
+        <p:nvPr/>
+      </p:nvGrpSpPr>
+      <p:grpSpPr>
+        <a:xfrm>
+          <a:off x="0" y="0"/>
+          <a:ext cx="0" cy="0"/>
+          <a:chOff x="0" y="0"/>
+          <a:chExt cx="0" cy="0"/>
+        </a:xfrm>
+      </p:grpSpPr>
+      <p:sp>
+        <p:nvSpPr>
+          <p:cNvPr id="2" name="Header Placeholder 1"/>
+          <p:cNvSpPr>
+            <a:spLocks noGrp="1"/>
+          </p:cNvSpPr>
+          <p:nvPr>
+            <p:ph type="hdr" sz="quarter"/>
+          </p:nvPr>
+        </p:nvSpPr>
+        <p:spPr>
+          <a:xfrm>
+            <a:off x="0" y="0"/>
+            <a:ext cx="2971800" cy="458788"/>
+          </a:xfrm>
+          <a:prstGeom prst="rect">
+            <a:avLst/>
+          </a:prstGeom>
+        </p:spPr>
+        <p:txBody>
+          <a:bodyPr vert="horz" lIns="91440" tIns="45720" rIns="91440" bIns="45720" rtlCol="0"/>
+          <a:lstStyle>
+            <a:lvl1pPr algn="l">
+              <a:defRPr sz="1200"/>
+            </a:lvl1pPr>
+          </a:lstStyle>
+          <a:p>
+            <a:endParaRPr lang="en-US"/>
+          </a:p>
+        </p:txBody>
+      </p:sp>
+      <p:sp>
+        <p:nvSpPr>
+          <p:cNvPr id="3" name="Date Placeholder 2"/>
+          <p:cNvSpPr>
+            <a:spLocks noGrp="1"/>
+          </p:cNvSpPr>
+          <p:nvPr>
+            <p:ph type="dt" idx="1"/>
+          </p:nvPr>
+        </p:nvSpPr>
+        <p:spPr>
+          <a:xfrm>
+            <a:off x="3884613" y="0"/>
+            <a:ext cx="2971800" cy="458788"/>
+          </a:xfrm>
+          <a:prstGeom prst="rect">
+            <a:avLst/>
+          </a:prstGeom>
+        </p:spPr>
+        <p:txBody>
+          <a:bodyPr vert="horz" lIns="91440" tIns="45720" rIns="91440" bIns="45720" rtlCol="0"/>
+          <a:lstStyle>
+            <a:lvl1pPr algn="r">
+              <a:defRPr sz="1200"/>
+            </a:lvl1pPr>
+          </a:lstStyle>
+          <a:p>
+            <a:fld id="{2233C042-B116-4AF0-8EB0-10C51ACFEAFC}" type="datetimeFigureOut">
+              <a:rPr lang="en-US" smtClean="0"/>
+              <a:t>3/5/2018</a:t>
+            </a:fld>
+            <a:endParaRPr lang="en-US"/>
+          </a:p>
+        </p:txBody>
+      </p:sp>
+      <p:sp>
+        <p:nvSpPr>
+          <p:cNvPr id="4" name="Slide Image Placeholder 3"/>
+          <p:cNvSpPr>
+            <a:spLocks noGrp="1" noRot="1" noChangeAspect="1"/>
+          </p:cNvSpPr>
+          <p:nvPr>
+            <p:ph type="sldImg" idx="2"/>
+          </p:nvPr>
+        </p:nvSpPr>
+        <p:spPr>
+          <a:xfrm>
+            <a:off x="685800" y="1143000"/>
+            <a:ext cx="5486400" cy="3086100"/>
+          </a:xfrm>
+          <a:prstGeom prst="rect">
+            <a:avLst/>
+          </a:prstGeom>
+          <a:noFill/>
+          <a:ln w="12700">
+            <a:solidFill>
+              <a:prstClr val="black"/>
+            </a:solidFill>
+          </a:ln>
+        </p:spPr>
+        <p:txBody>
+          <a:bodyPr vert="horz" lIns="91440" tIns="45720" rIns="91440" bIns="45720" rtlCol="0" anchor="ctr"/>
+          <a:lstStyle/>
+          <a:p>
+            <a:endParaRPr lang="en-US"/>
+          </a:p>
+        </p:txBody>
+      </p:sp>
+      <p:sp>
+        <p:nvSpPr>
+          <p:cNvPr id="5" name="Notes Placeholder 4"/>
+          <p:cNvSpPr>
+            <a:spLocks noGrp="1"/>
+          </p:cNvSpPr>
+          <p:nvPr>
+            <p:ph type="body" sz="quarter" idx="3"/>
+          </p:nvPr>
+        </p:nvSpPr>
+        <p:spPr>
+          <a:xfrm>
+            <a:off x="685800" y="4400550"/>
+            <a:ext cx="5486400" cy="3600450"/>
+          </a:xfrm>
+          <a:prstGeom prst="rect">
+            <a:avLst/>
+          </a:prstGeom>
+        </p:spPr>
+        <p:txBody>
+          <a:bodyPr vert="horz" lIns="91440" tIns="45720" rIns="91440" bIns="45720" rtlCol="0"/>
+          <a:lstStyle/>
+          <a:p>
+            <a:pPr lvl="0"/>
+            <a:r>
+              <a:rPr lang="en-US" smtClean="0"/>
+              <a:t>Edit Master text styles</a:t>
+            </a:r>
+          </a:p>
+          <a:p>
+            <a:pPr lvl="1"/>
+            <a:r>
+              <a:rPr lang="en-US" smtClean="0"/>
+              <a:t>Second level</a:t>
+            </a:r>
+          </a:p>
+          <a:p>
+            <a:pPr lvl="2"/>
+            <a:r>
+              <a:rPr lang="en-US" smtClean="0"/>
+              <a:t>Third level</a:t>
+            </a:r>
+          </a:p>
+          <a:p>
+            <a:pPr lvl="3"/>
+            <a:r>
+              <a:rPr lang="en-US" smtClean="0"/>
+              <a:t>Fourth level</a:t>
+            </a:r>
+          </a:p>
+          <a:p>
+            <a:pPr lvl="4"/>
+            <a:r>
+              <a:rPr lang="en-US" smtClean="0"/>
+              <a:t>Fifth level</a:t>
+            </a:r>
+            <a:endParaRPr lang="en-US"/>
+          </a:p>
+        </p:txBody>
+      </p:sp>
+      <p:sp>
+        <p:nvSpPr>
+          <p:cNvPr id="6" name="Footer Placeholder 5"/>
+          <p:cNvSpPr>
+            <a:spLocks noGrp="1"/>
+          </p:cNvSpPr>
+          <p:nvPr>
+            <p:ph type="ftr" sz="quarter" idx="4"/>
+          </p:nvPr>
+        </p:nvSpPr>
+        <p:spPr>
+          <a:xfrm>
+            <a:off x="0" y="8685213"/>
+            <a:ext cx="2971800" cy="458787"/>
+          </a:xfrm>
+          <a:prstGeom prst="rect">
+            <a:avLst/>
+          </a:prstGeom>
+        </p:spPr>
+        <p:txBody>
+          <a:bodyPr vert="horz" lIns="91440" tIns="45720" rIns="91440" bIns="45720" rtlCol="0" anchor="b"/>
+          <a:lstStyle>
+            <a:lvl1pPr algn="l">
+              <a:defRPr sz="1200"/>
+            </a:lvl1pPr>
+          </a:lstStyle>
+          <a:p>
+            <a:endParaRPr lang="en-US"/>
+          </a:p>
+        </p:txBody>
+      </p:sp>
+      <p:sp>
+        <p:nvSpPr>
+          <p:cNvPr id="7" name="Slide Number Placeholder 6"/>
+          <p:cNvSpPr>
+            <a:spLocks noGrp="1"/>
+          </p:cNvSpPr>
+          <p:nvPr>
+            <p:ph type="sldNum" sz="quarter" idx="5"/>
+          </p:nvPr>
+        </p:nvSpPr>
+        <p:spPr>
+          <a:xfrm>
+            <a:off x="3884613" y="8685213"/>
+            <a:ext cx="2971800" cy="458787"/>
+          </a:xfrm>
+          <a:prstGeom prst="rect">
+            <a:avLst/>
+          </a:prstGeom>
+        </p:spPr>
+        <p:txBody>
+          <a:bodyPr vert="horz" lIns="91440" tIns="45720" rIns="91440" bIns="45720" rtlCol="0" anchor="b"/>
+          <a:lstStyle>
+            <a:lvl1pPr algn="r">
+              <a:defRPr sz="1200"/>
+            </a:lvl1pPr>
+          </a:lstStyle>
+          <a:p>
+            <a:fld id="{25D2CC24-F36D-4C42-AA1E-B9B53AF365DB}" type="slidenum">
+              <a:rPr lang="en-US" smtClean="0"/>
+              <a:t>‹#›</a:t>
+            </a:fld>
+            <a:endParaRPr lang="en-US"/>
+          </a:p>
+        </p:txBody>
+      </p:sp>
+    </p:spTree>
+    <p:extLst>
+      <p:ext uri="{BB962C8B-B14F-4D97-AF65-F5344CB8AC3E}">
+        <p14:creationId xmlns:p14="http://schemas.microsoft.com/office/powerpoint/2010/main" val="2523259375"/>
+      </p:ext>
+    </p:extLst>
+  </p:cSld>
+  <p:clrMap bg1="lt1" tx1="dk1" bg2="lt2" tx2="dk2" accent1="accent1" accent2="accent2" accent3="accent3" accent4="accent4" accent5="accent5" accent6="accent6" hlink="hlink" folHlink="folHlink"/>
+  <p:notesStyle>
+    <a:lvl1pPr marL="0" algn="l" defTabSz="914400" rtl="0" eaLnBrk="1" latinLnBrk="0" hangingPunct="1">
+      <a:defRPr sz="1200" kern="1200">
+        <a:solidFill>
+          <a:schemeClr val="tx1"/>
+        </a:solidFill>
+        <a:latin typeface="+mn-lt"/>
+        <a:ea typeface="+mn-ea"/>
+        <a:cs typeface="+mn-cs"/>
+      </a:defRPr>
+    </a:lvl1pPr>
+    <a:lvl2pPr marL="457200" algn="l" defTabSz="914400" rtl="0" eaLnBrk="1" latinLnBrk="0" hangingPunct="1">
+      <a:defRPr sz="1200" kern="1200">
+        <a:solidFill>
+          <a:schemeClr val="tx1"/>
+        </a:solidFill>
+        <a:latin typeface="+mn-lt"/>
+        <a:ea typeface="+mn-ea"/>
+        <a:cs typeface="+mn-cs"/>
+      </a:defRPr>
+    </a:lvl2pPr>
+    <a:lvl3pPr marL="914400" algn="l" defTabSz="914400" rtl="0" eaLnBrk="1" latinLnBrk="0" hangingPunct="1">
+      <a:defRPr sz="1200" kern="1200">
+        <a:solidFill>
+          <a:schemeClr val="tx1"/>
+        </a:solidFill>
+        <a:latin typeface="+mn-lt"/>
+        <a:ea typeface="+mn-ea"/>
+        <a:cs typeface="+mn-cs"/>
+      </a:defRPr>
+    </a:lvl3pPr>
+    <a:lvl4pPr marL="1371600" algn="l" defTabSz="914400" rtl="0" eaLnBrk="1" latinLnBrk="0" hangingPunct="1">
+      <a:defRPr sz="1200" kern="1200">
+        <a:solidFill>
+          <a:schemeClr val="tx1"/>
+        </a:solidFill>
+        <a:latin typeface="+mn-lt"/>
+        <a:ea typeface="+mn-ea"/>
+        <a:cs typeface="+mn-cs"/>
+      </a:defRPr>
+    </a:lvl4pPr>
+    <a:lvl5pPr marL="1828800" algn="l" defTabSz="914400" rtl="0" eaLnBrk="1" latinLnBrk="0" hangingPunct="1">
+      <a:defRPr sz="1200" kern="1200">
+        <a:solidFill>
+          <a:schemeClr val="tx1"/>
+        </a:solidFill>
+        <a:latin typeface="+mn-lt"/>
+        <a:ea typeface="+mn-ea"/>
+        <a:cs typeface="+mn-cs"/>
+      </a:defRPr>
+    </a:lvl5pPr>
+    <a:lvl6pPr marL="2286000" algn="l" defTabSz="914400" rtl="0" eaLnBrk="1" latinLnBrk="0" hangingPunct="1">
+      <a:defRPr sz="1200" kern="1200">
+        <a:solidFill>
+          <a:schemeClr val="tx1"/>
+        </a:solidFill>
+        <a:latin typeface="+mn-lt"/>
+        <a:ea typeface="+mn-ea"/>
+        <a:cs typeface="+mn-cs"/>
+      </a:defRPr>
+    </a:lvl6pPr>
+    <a:lvl7pPr marL="2743200" algn="l" defTabSz="914400" rtl="0" eaLnBrk="1" latinLnBrk="0" hangingPunct="1">
+      <a:defRPr sz="1200" kern="1200">
+        <a:solidFill>
+          <a:schemeClr val="tx1"/>
+        </a:solidFill>
+        <a:latin typeface="+mn-lt"/>
+        <a:ea typeface="+mn-ea"/>
+        <a:cs typeface="+mn-cs"/>
+      </a:defRPr>
+    </a:lvl7pPr>
+    <a:lvl8pPr marL="3200400" algn="l" defTabSz="914400" rtl="0" eaLnBrk="1" latinLnBrk="0" hangingPunct="1">
+      <a:defRPr sz="1200" kern="1200">
+        <a:solidFill>
+          <a:schemeClr val="tx1"/>
+        </a:solidFill>
+        <a:latin typeface="+mn-lt"/>
+        <a:ea typeface="+mn-ea"/>
+        <a:cs typeface="+mn-cs"/>
+      </a:defRPr>
+    </a:lvl8pPr>
+    <a:lvl9pPr marL="3657600" algn="l" defTabSz="914400" rtl="0" eaLnBrk="1" latinLnBrk="0" hangingPunct="1">
+      <a:defRPr sz="1200" kern="1200">
+        <a:solidFill>
+          <a:schemeClr val="tx1"/>
+        </a:solidFill>
+        <a:latin typeface="+mn-lt"/>
+        <a:ea typeface="+mn-ea"/>
+        <a:cs typeface="+mn-cs"/>
+      </a:defRPr>
+    </a:lvl9pPr>
+  </p:notesStyle>
+</p:notesMaster>
+</file>
+
+<file path=ppt/notesSlides/notesSlide1.xml><?xml version="1.0" encoding="utf-8"?>
+<p:notes xmlns:a="http://schemas.openxmlformats.org/drawingml/2006/main" xmlns:r="http://schemas.openxmlformats.org/officeDocument/2006/relationships" xmlns:p="http://schemas.openxmlformats.org/presentationml/2006/main">
+  <p:cSld>
+    <p:spTree>
+      <p:nvGrpSpPr>
+        <p:cNvPr id="1" name=""/>
+        <p:cNvGrpSpPr/>
+        <p:nvPr/>
+      </p:nvGrpSpPr>
+      <p:grpSpPr>
+        <a:xfrm>
+          <a:off x="0" y="0"/>
+          <a:ext cx="0" cy="0"/>
+          <a:chOff x="0" y="0"/>
+          <a:chExt cx="0" cy="0"/>
+        </a:xfrm>
+      </p:grpSpPr>
+      <p:sp>
+        <p:nvSpPr>
+          <p:cNvPr id="2" name="Slide Image Placeholder 1"/>
+          <p:cNvSpPr>
+            <a:spLocks noGrp="1" noRot="1" noChangeAspect="1"/>
+          </p:cNvSpPr>
+          <p:nvPr>
+            <p:ph type="sldImg"/>
+          </p:nvPr>
+        </p:nvSpPr>
+        <p:spPr/>
+      </p:sp>
+      <p:sp>
+        <p:nvSpPr>
+          <p:cNvPr id="3" name="Notes Placeholder 2"/>
+          <p:cNvSpPr>
+            <a:spLocks noGrp="1"/>
+          </p:cNvSpPr>
+          <p:nvPr>
+            <p:ph type="body" idx="1"/>
+          </p:nvPr>
+        </p:nvSpPr>
+        <p:spPr/>
+        <p:txBody>
+          <a:bodyPr/>
+          <a:lstStyle/>
+          <a:p>
+            <a:r>
+              <a:rPr lang="en-US" dirty="0" smtClean="0"/>
+              <a:t> </a:t>
+            </a:r>
+            <a:endParaRPr lang="en-US" dirty="0"/>
+          </a:p>
+        </p:txBody>
+      </p:sp>
+      <p:sp>
+        <p:nvSpPr>
+          <p:cNvPr id="4" name="Slide Number Placeholder 3"/>
+          <p:cNvSpPr>
+            <a:spLocks noGrp="1"/>
+          </p:cNvSpPr>
+          <p:nvPr>
+            <p:ph type="sldNum" sz="quarter" idx="10"/>
+          </p:nvPr>
+        </p:nvSpPr>
+        <p:spPr/>
+        <p:txBody>
+          <a:bodyPr/>
+          <a:lstStyle/>
+          <a:p>
+            <a:fld id="{25D2CC24-F36D-4C42-AA1E-B9B53AF365DB}" type="slidenum">
+              <a:rPr lang="en-US" smtClean="0"/>
+              <a:t>4</a:t>
+            </a:fld>
+            <a:endParaRPr lang="en-US"/>
+          </a:p>
+        </p:txBody>
+      </p:sp>
+    </p:spTree>
+    <p:extLst>
+      <p:ext uri="{BB962C8B-B14F-4D97-AF65-F5344CB8AC3E}">
+        <p14:creationId xmlns:p14="http://schemas.microsoft.com/office/powerpoint/2010/main" val="1187481384"/>
+      </p:ext>
+    </p:extLst>
+  </p:cSld>
+  <p:clrMapOvr>
+    <a:masterClrMapping/>
+  </p:clrMapOvr>
+</p:notes>
+</file>
+
+<file path=ppt/notesSlides/notesSlide2.xml><?xml version="1.0" encoding="utf-8"?>
+<p:notes xmlns:a="http://schemas.openxmlformats.org/drawingml/2006/main" xmlns:r="http://schemas.openxmlformats.org/officeDocument/2006/relationships" xmlns:p="http://schemas.openxmlformats.org/presentationml/2006/main">
+  <p:cSld>
+    <p:spTree>
+      <p:nvGrpSpPr>
+        <p:cNvPr id="1" name=""/>
+        <p:cNvGrpSpPr/>
+        <p:nvPr/>
+      </p:nvGrpSpPr>
+      <p:grpSpPr>
+        <a:xfrm>
+          <a:off x="0" y="0"/>
+          <a:ext cx="0" cy="0"/>
+          <a:chOff x="0" y="0"/>
+          <a:chExt cx="0" cy="0"/>
+        </a:xfrm>
+      </p:grpSpPr>
+      <p:sp>
+        <p:nvSpPr>
+          <p:cNvPr id="2" name="Slide Image Placeholder 1"/>
+          <p:cNvSpPr>
+            <a:spLocks noGrp="1" noRot="1" noChangeAspect="1"/>
+          </p:cNvSpPr>
+          <p:nvPr>
+            <p:ph type="sldImg"/>
+          </p:nvPr>
+        </p:nvSpPr>
+        <p:spPr/>
+      </p:sp>
+      <p:sp>
+        <p:nvSpPr>
+          <p:cNvPr id="3" name="Notes Placeholder 2"/>
+          <p:cNvSpPr>
+            <a:spLocks noGrp="1"/>
+          </p:cNvSpPr>
+          <p:nvPr>
+            <p:ph type="body" idx="1"/>
+          </p:nvPr>
+        </p:nvSpPr>
+        <p:spPr/>
+        <p:txBody>
+          <a:bodyPr/>
+          <a:lstStyle/>
+          <a:p>
+            <a:r>
+              <a:rPr lang="en-US" dirty="0" smtClean="0"/>
+              <a:t>In Android versions prior to Android 8.0, the number of local references is capped at a version-specific limit. Beginning in Android 8.0, Android supports unlimited local references</a:t>
+            </a:r>
+          </a:p>
+          <a:p>
+            <a:r>
+              <a:rPr lang="en-US" dirty="0" err="1" smtClean="0"/>
+              <a:t>Також</a:t>
+            </a:r>
+            <a:r>
+              <a:rPr lang="en-US" dirty="0" smtClean="0"/>
+              <a:t> </a:t>
+            </a:r>
+            <a:r>
+              <a:rPr lang="en-US" dirty="0" err="1" smtClean="0"/>
+              <a:t>собі</a:t>
+            </a:r>
+            <a:endParaRPr lang="en-US" dirty="0"/>
+          </a:p>
+        </p:txBody>
+      </p:sp>
+      <p:sp>
+        <p:nvSpPr>
+          <p:cNvPr id="4" name="Slide Number Placeholder 3"/>
+          <p:cNvSpPr>
+            <a:spLocks noGrp="1"/>
+          </p:cNvSpPr>
+          <p:nvPr>
+            <p:ph type="sldNum" sz="quarter" idx="10"/>
+          </p:nvPr>
+        </p:nvSpPr>
+        <p:spPr/>
+        <p:txBody>
+          <a:bodyPr/>
+          <a:lstStyle/>
+          <a:p>
+            <a:fld id="{25D2CC24-F36D-4C42-AA1E-B9B53AF365DB}" type="slidenum">
+              <a:rPr lang="en-US" smtClean="0"/>
+              <a:t>6</a:t>
+            </a:fld>
+            <a:endParaRPr lang="en-US"/>
+          </a:p>
+        </p:txBody>
+      </p:sp>
+    </p:spTree>
+    <p:extLst>
+      <p:ext uri="{BB962C8B-B14F-4D97-AF65-F5344CB8AC3E}">
+        <p14:creationId xmlns:p14="http://schemas.microsoft.com/office/powerpoint/2010/main" val="1336252578"/>
+      </p:ext>
+    </p:extLst>
+  </p:cSld>
+  <p:clrMapOvr>
+    <a:masterClrMapping/>
+  </p:clrMapOvr>
+</p:notes>
+</file>
+
+<file path=ppt/notesSlides/notesSlide3.xml><?xml version="1.0" encoding="utf-8"?>
+<p:notes xmlns:a="http://schemas.openxmlformats.org/drawingml/2006/main" xmlns:r="http://schemas.openxmlformats.org/officeDocument/2006/relationships" xmlns:p="http://schemas.openxmlformats.org/presentationml/2006/main">
+  <p:cSld>
+    <p:spTree>
+      <p:nvGrpSpPr>
+        <p:cNvPr id="1" name=""/>
+        <p:cNvGrpSpPr/>
+        <p:nvPr/>
+      </p:nvGrpSpPr>
+      <p:grpSpPr>
+        <a:xfrm>
+          <a:off x="0" y="0"/>
+          <a:ext cx="0" cy="0"/>
+          <a:chOff x="0" y="0"/>
+          <a:chExt cx="0" cy="0"/>
+        </a:xfrm>
+      </p:grpSpPr>
+      <p:sp>
+        <p:nvSpPr>
+          <p:cNvPr id="2" name="Slide Image Placeholder 1"/>
+          <p:cNvSpPr>
+            <a:spLocks noGrp="1" noRot="1" noChangeAspect="1"/>
+          </p:cNvSpPr>
+          <p:nvPr>
+            <p:ph type="sldImg"/>
+          </p:nvPr>
+        </p:nvSpPr>
+        <p:spPr/>
+      </p:sp>
+      <p:sp>
+        <p:nvSpPr>
+          <p:cNvPr id="3" name="Notes Placeholder 2"/>
+          <p:cNvSpPr>
+            <a:spLocks noGrp="1"/>
+          </p:cNvSpPr>
+          <p:nvPr>
+            <p:ph type="body" idx="1"/>
+          </p:nvPr>
+        </p:nvSpPr>
+        <p:spPr/>
+        <p:txBody>
+          <a:bodyPr/>
+          <a:lstStyle/>
+          <a:p>
+            <a:endParaRPr lang="en-US" dirty="0"/>
+          </a:p>
+        </p:txBody>
+      </p:sp>
+      <p:sp>
+        <p:nvSpPr>
+          <p:cNvPr id="4" name="Slide Number Placeholder 3"/>
+          <p:cNvSpPr>
+            <a:spLocks noGrp="1"/>
+          </p:cNvSpPr>
+          <p:nvPr>
+            <p:ph type="sldNum" sz="quarter" idx="10"/>
+          </p:nvPr>
+        </p:nvSpPr>
+        <p:spPr/>
+        <p:txBody>
+          <a:bodyPr/>
+          <a:lstStyle/>
+          <a:p>
+            <a:fld id="{25D2CC24-F36D-4C42-AA1E-B9B53AF365DB}" type="slidenum">
+              <a:rPr lang="en-US" smtClean="0"/>
+              <a:t>7</a:t>
+            </a:fld>
+            <a:endParaRPr lang="en-US"/>
+          </a:p>
+        </p:txBody>
+      </p:sp>
+    </p:spTree>
+    <p:extLst>
+      <p:ext uri="{BB962C8B-B14F-4D97-AF65-F5344CB8AC3E}">
+        <p14:creationId xmlns:p14="http://schemas.microsoft.com/office/powerpoint/2010/main" val="1535258908"/>
+      </p:ext>
+    </p:extLst>
+  </p:cSld>
+  <p:clrMapOvr>
+    <a:masterClrMapping/>
+  </p:clrMapOvr>
+</p:notes>
+</file>
+
+<file path=ppt/notesSlides/notesSlide4.xml><?xml version="1.0" encoding="utf-8"?>
+<p:notes xmlns:a="http://schemas.openxmlformats.org/drawingml/2006/main" xmlns:r="http://schemas.openxmlformats.org/officeDocument/2006/relationships" xmlns:p="http://schemas.openxmlformats.org/presentationml/2006/main">
+  <p:cSld>
+    <p:spTree>
+      <p:nvGrpSpPr>
+        <p:cNvPr id="1" name=""/>
+        <p:cNvGrpSpPr/>
+        <p:nvPr/>
+      </p:nvGrpSpPr>
+      <p:grpSpPr>
+        <a:xfrm>
+          <a:off x="0" y="0"/>
+          <a:ext cx="0" cy="0"/>
+          <a:chOff x="0" y="0"/>
+          <a:chExt cx="0" cy="0"/>
+        </a:xfrm>
+      </p:grpSpPr>
+      <p:sp>
+        <p:nvSpPr>
+          <p:cNvPr id="2" name="Slide Image Placeholder 1"/>
+          <p:cNvSpPr>
+            <a:spLocks noGrp="1" noRot="1" noChangeAspect="1"/>
+          </p:cNvSpPr>
+          <p:nvPr>
+            <p:ph type="sldImg"/>
+          </p:nvPr>
+        </p:nvSpPr>
+        <p:spPr/>
+      </p:sp>
+      <p:sp>
+        <p:nvSpPr>
+          <p:cNvPr id="3" name="Notes Placeholder 2"/>
+          <p:cNvSpPr>
+            <a:spLocks noGrp="1"/>
+          </p:cNvSpPr>
+          <p:nvPr>
+            <p:ph type="body" idx="1"/>
+          </p:nvPr>
+        </p:nvSpPr>
+        <p:spPr/>
+        <p:txBody>
+          <a:bodyPr/>
+          <a:lstStyle/>
+          <a:p>
+            <a:r>
+              <a:rPr lang="uk-UA" sz="1200" kern="1200" dirty="0" smtClean="0">
+                <a:solidFill>
+                  <a:schemeClr val="tx1"/>
+                </a:solidFill>
+                <a:effectLst/>
+                <a:latin typeface="+mn-lt"/>
+                <a:ea typeface="+mn-ea"/>
+                <a:cs typeface="+mn-cs"/>
+              </a:rPr>
+              <a:t>Можливі проблеми </a:t>
+            </a:r>
+            <a:r>
+              <a:rPr lang="uk-UA" sz="1200" kern="1200" dirty="0" err="1" smtClean="0">
+                <a:solidFill>
+                  <a:schemeClr val="tx1"/>
+                </a:solidFill>
+                <a:effectLst/>
+                <a:latin typeface="+mn-lt"/>
+                <a:ea typeface="+mn-ea"/>
+                <a:cs typeface="+mn-cs"/>
+              </a:rPr>
+              <a:t>лінковки</a:t>
+            </a:r>
+            <a:r>
+              <a:rPr lang="uk-UA" sz="1200" kern="1200" dirty="0" smtClean="0">
+                <a:solidFill>
+                  <a:schemeClr val="tx1"/>
+                </a:solidFill>
+                <a:effectLst/>
+                <a:latin typeface="+mn-lt"/>
+                <a:ea typeface="+mn-ea"/>
+                <a:cs typeface="+mn-cs"/>
+              </a:rPr>
+              <a:t> </a:t>
+            </a:r>
+            <a:r>
+              <a:rPr lang="en-US" sz="1200" kern="1200" dirty="0" smtClean="0">
+                <a:solidFill>
+                  <a:schemeClr val="tx1"/>
+                </a:solidFill>
+                <a:effectLst/>
+                <a:latin typeface="+mn-lt"/>
+                <a:ea typeface="+mn-ea"/>
+                <a:cs typeface="+mn-cs"/>
+              </a:rPr>
+              <a:t>Java – JNI</a:t>
+            </a:r>
+          </a:p>
+          <a:p>
+            <a:r>
+              <a:rPr lang="ru-RU" sz="1200" kern="1200" dirty="0" err="1" smtClean="0">
+                <a:solidFill>
+                  <a:schemeClr val="tx1"/>
+                </a:solidFill>
+                <a:effectLst/>
+                <a:latin typeface="+mn-lt"/>
+                <a:ea typeface="+mn-ea"/>
+                <a:cs typeface="+mn-cs"/>
+              </a:rPr>
+              <a:t>Проблеми</a:t>
+            </a:r>
+            <a:r>
+              <a:rPr lang="ru-RU" sz="1200" kern="1200" dirty="0" smtClean="0">
+                <a:solidFill>
+                  <a:schemeClr val="tx1"/>
+                </a:solidFill>
+                <a:effectLst/>
+                <a:latin typeface="+mn-lt"/>
+                <a:ea typeface="+mn-ea"/>
+                <a:cs typeface="+mn-cs"/>
+              </a:rPr>
+              <a:t> </a:t>
+            </a:r>
+            <a:r>
+              <a:rPr lang="ru-RU" sz="1200" kern="1200" dirty="0" err="1" smtClean="0">
+                <a:solidFill>
+                  <a:schemeClr val="tx1"/>
+                </a:solidFill>
+                <a:effectLst/>
+                <a:latin typeface="+mn-lt"/>
+                <a:ea typeface="+mn-ea"/>
+                <a:cs typeface="+mn-cs"/>
+              </a:rPr>
+              <a:t>завантаження</a:t>
+            </a:r>
+            <a:r>
+              <a:rPr lang="ru-RU" sz="1200" kern="1200" dirty="0" smtClean="0">
+                <a:solidFill>
+                  <a:schemeClr val="tx1"/>
+                </a:solidFill>
+                <a:effectLst/>
+                <a:latin typeface="+mn-lt"/>
+                <a:ea typeface="+mn-ea"/>
+                <a:cs typeface="+mn-cs"/>
+              </a:rPr>
+              <a:t> </a:t>
+            </a:r>
+            <a:r>
+              <a:rPr lang="ru-RU" sz="1200" kern="1200" dirty="0" err="1" smtClean="0">
+                <a:solidFill>
+                  <a:schemeClr val="tx1"/>
+                </a:solidFill>
+                <a:effectLst/>
+                <a:latin typeface="+mn-lt"/>
+                <a:ea typeface="+mn-ea"/>
+                <a:cs typeface="+mn-cs"/>
+              </a:rPr>
+              <a:t>бібліотек</a:t>
+            </a:r>
+            <a:r>
+              <a:rPr lang="ru-RU" sz="1200" kern="1200" dirty="0" smtClean="0">
+                <a:solidFill>
+                  <a:schemeClr val="tx1"/>
+                </a:solidFill>
+                <a:effectLst/>
+                <a:latin typeface="+mn-lt"/>
+                <a:ea typeface="+mn-ea"/>
+                <a:cs typeface="+mn-cs"/>
+              </a:rPr>
+              <a:t>: </a:t>
+            </a:r>
+            <a:r>
+              <a:rPr lang="en-US" sz="1200" kern="1200" dirty="0" smtClean="0">
+                <a:solidFill>
+                  <a:schemeClr val="tx1"/>
+                </a:solidFill>
+                <a:effectLst/>
+                <a:latin typeface="+mn-lt"/>
+                <a:ea typeface="+mn-ea"/>
+                <a:cs typeface="+mn-cs"/>
+              </a:rPr>
+              <a:t>extern C, </a:t>
+            </a:r>
+            <a:r>
+              <a:rPr lang="ru-RU" sz="1200" kern="1200" dirty="0" err="1" smtClean="0">
+                <a:solidFill>
+                  <a:schemeClr val="tx1"/>
+                </a:solidFill>
+                <a:effectLst/>
+                <a:latin typeface="+mn-lt"/>
+                <a:ea typeface="+mn-ea"/>
+                <a:cs typeface="+mn-cs"/>
+              </a:rPr>
+              <a:t>сігнатура</a:t>
+            </a:r>
+            <a:r>
+              <a:rPr lang="ru-RU" sz="1200" kern="1200" dirty="0" smtClean="0">
+                <a:solidFill>
+                  <a:schemeClr val="tx1"/>
+                </a:solidFill>
+                <a:effectLst/>
+                <a:latin typeface="+mn-lt"/>
+                <a:ea typeface="+mn-ea"/>
+                <a:cs typeface="+mn-cs"/>
+              </a:rPr>
+              <a:t> </a:t>
+            </a:r>
+            <a:r>
+              <a:rPr lang="ru-RU" sz="1200" kern="1200" dirty="0" err="1" smtClean="0">
+                <a:solidFill>
+                  <a:schemeClr val="tx1"/>
+                </a:solidFill>
+                <a:effectLst/>
+                <a:latin typeface="+mn-lt"/>
+                <a:ea typeface="+mn-ea"/>
+                <a:cs typeface="+mn-cs"/>
+              </a:rPr>
+              <a:t>функцій</a:t>
+            </a:r>
+            <a:r>
+              <a:rPr lang="ru-RU" sz="1200" kern="1200" dirty="0" smtClean="0">
+                <a:solidFill>
+                  <a:schemeClr val="tx1"/>
+                </a:solidFill>
+                <a:effectLst/>
+                <a:latin typeface="+mn-lt"/>
+                <a:ea typeface="+mn-ea"/>
+                <a:cs typeface="+mn-cs"/>
+              </a:rPr>
+              <a:t>, </a:t>
+            </a:r>
+            <a:r>
+              <a:rPr lang="ru-RU" sz="1200" kern="1200" dirty="0" err="1" smtClean="0">
+                <a:solidFill>
+                  <a:schemeClr val="tx1"/>
+                </a:solidFill>
+                <a:effectLst/>
+                <a:latin typeface="+mn-lt"/>
+                <a:ea typeface="+mn-ea"/>
+                <a:cs typeface="+mn-cs"/>
+              </a:rPr>
+              <a:t>рефакторінг</a:t>
+            </a:r>
+            <a:endParaRPr lang="en-US" sz="1200" kern="1200" dirty="0" smtClean="0">
+              <a:solidFill>
+                <a:schemeClr val="tx1"/>
+              </a:solidFill>
+              <a:effectLst/>
+              <a:latin typeface="+mn-lt"/>
+              <a:ea typeface="+mn-ea"/>
+              <a:cs typeface="+mn-cs"/>
+            </a:endParaRPr>
+          </a:p>
+          <a:p>
+            <a:r>
+              <a:rPr lang="ru-RU" sz="1200" kern="1200" dirty="0" err="1" smtClean="0">
+                <a:solidFill>
+                  <a:schemeClr val="tx1"/>
+                </a:solidFill>
+                <a:effectLst/>
+                <a:latin typeface="+mn-lt"/>
+                <a:ea typeface="+mn-ea"/>
+                <a:cs typeface="+mn-cs"/>
+              </a:rPr>
+              <a:t>Обфускація</a:t>
+            </a:r>
+            <a:r>
+              <a:rPr lang="en-US" sz="1200" kern="1200" dirty="0" smtClean="0">
+                <a:solidFill>
+                  <a:schemeClr val="tx1"/>
+                </a:solidFill>
+                <a:effectLst/>
+                <a:latin typeface="+mn-lt"/>
+                <a:ea typeface="+mn-ea"/>
+                <a:cs typeface="+mn-cs"/>
+              </a:rPr>
+              <a:t> </a:t>
+            </a:r>
+            <a:r>
+              <a:rPr lang="en-US" sz="1200" kern="1200" dirty="0" err="1" smtClean="0">
+                <a:solidFill>
+                  <a:schemeClr val="tx1"/>
+                </a:solidFill>
+                <a:effectLst/>
+                <a:latin typeface="+mn-lt"/>
+                <a:ea typeface="+mn-ea"/>
+                <a:cs typeface="+mn-cs"/>
+              </a:rPr>
+              <a:t>proguard</a:t>
+            </a:r>
+            <a:endParaRPr lang="en-US" sz="1200" kern="1200" dirty="0" smtClean="0">
+              <a:solidFill>
+                <a:schemeClr val="tx1"/>
+              </a:solidFill>
+              <a:effectLst/>
+              <a:latin typeface="+mn-lt"/>
+              <a:ea typeface="+mn-ea"/>
+              <a:cs typeface="+mn-cs"/>
+            </a:endParaRPr>
+          </a:p>
+          <a:p>
+            <a:endParaRPr lang="en-US" dirty="0"/>
+          </a:p>
+        </p:txBody>
+      </p:sp>
+      <p:sp>
+        <p:nvSpPr>
+          <p:cNvPr id="4" name="Slide Number Placeholder 3"/>
+          <p:cNvSpPr>
+            <a:spLocks noGrp="1"/>
+          </p:cNvSpPr>
+          <p:nvPr>
+            <p:ph type="sldNum" sz="quarter" idx="10"/>
+          </p:nvPr>
+        </p:nvSpPr>
+        <p:spPr/>
+        <p:txBody>
+          <a:bodyPr/>
+          <a:lstStyle/>
+          <a:p>
+            <a:fld id="{25D2CC24-F36D-4C42-AA1E-B9B53AF365DB}" type="slidenum">
+              <a:rPr lang="en-US" smtClean="0"/>
+              <a:t>8</a:t>
+            </a:fld>
+            <a:endParaRPr lang="en-US"/>
+          </a:p>
+        </p:txBody>
+      </p:sp>
+    </p:spTree>
+    <p:extLst>
+      <p:ext uri="{BB962C8B-B14F-4D97-AF65-F5344CB8AC3E}">
+        <p14:creationId xmlns:p14="http://schemas.microsoft.com/office/powerpoint/2010/main" val="2125757943"/>
+      </p:ext>
+    </p:extLst>
+  </p:cSld>
+  <p:clrMapOvr>
+    <a:masterClrMapping/>
+  </p:clrMapOvr>
+</p:notes>
+</file>
+
 <file path=ppt/slideLayouts/slideLayout1.xml><?xml version="1.0" encoding="utf-8"?>
 <p:sldLayout xmlns:a="http://schemas.openxmlformats.org/drawingml/2006/main" xmlns:r="http://schemas.openxmlformats.org/officeDocument/2006/relationships" xmlns:p="http://schemas.openxmlformats.org/presentationml/2006/main" type="title" preserve="1">
   <p:cSld name="Title Slide">
@@ -255,7 +1222,7 @@
           <a:p>
             <a:fld id="{E68A8755-D758-4E0E-A7B6-8C6D23EC775F}" type="datetimeFigureOut">
               <a:rPr lang="en-US" smtClean="0"/>
-              <a:t>3/4/2018</a:t>
+              <a:t>3/5/2018</a:t>
             </a:fld>
             <a:endParaRPr lang="en-US"/>
           </a:p>
@@ -425,7 +1392,7 @@
           <a:p>
             <a:fld id="{E68A8755-D758-4E0E-A7B6-8C6D23EC775F}" type="datetimeFigureOut">
               <a:rPr lang="en-US" smtClean="0"/>
-              <a:t>3/4/2018</a:t>
+              <a:t>3/5/2018</a:t>
             </a:fld>
             <a:endParaRPr lang="en-US"/>
           </a:p>
@@ -605,7 +1572,7 @@
           <a:p>
             <a:fld id="{E68A8755-D758-4E0E-A7B6-8C6D23EC775F}" type="datetimeFigureOut">
               <a:rPr lang="en-US" smtClean="0"/>
-              <a:t>3/4/2018</a:t>
+              <a:t>3/5/2018</a:t>
             </a:fld>
             <a:endParaRPr lang="en-US"/>
           </a:p>
@@ -775,7 +1742,7 @@
           <a:p>
             <a:fld id="{E68A8755-D758-4E0E-A7B6-8C6D23EC775F}" type="datetimeFigureOut">
               <a:rPr lang="en-US" smtClean="0"/>
-              <a:t>3/4/2018</a:t>
+              <a:t>3/5/2018</a:t>
             </a:fld>
             <a:endParaRPr lang="en-US"/>
           </a:p>
@@ -1021,7 +1988,7 @@
           <a:p>
             <a:fld id="{E68A8755-D758-4E0E-A7B6-8C6D23EC775F}" type="datetimeFigureOut">
               <a:rPr lang="en-US" smtClean="0"/>
-              <a:t>3/4/2018</a:t>
+              <a:t>3/5/2018</a:t>
             </a:fld>
             <a:endParaRPr lang="en-US"/>
           </a:p>
@@ -1253,7 +2220,7 @@
           <a:p>
             <a:fld id="{E68A8755-D758-4E0E-A7B6-8C6D23EC775F}" type="datetimeFigureOut">
               <a:rPr lang="en-US" smtClean="0"/>
-              <a:t>3/4/2018</a:t>
+              <a:t>3/5/2018</a:t>
             </a:fld>
             <a:endParaRPr lang="en-US"/>
           </a:p>
@@ -1620,7 +2587,7 @@
           <a:p>
             <a:fld id="{E68A8755-D758-4E0E-A7B6-8C6D23EC775F}" type="datetimeFigureOut">
               <a:rPr lang="en-US" smtClean="0"/>
-              <a:t>3/4/2018</a:t>
+              <a:t>3/5/2018</a:t>
             </a:fld>
             <a:endParaRPr lang="en-US"/>
           </a:p>
@@ -1738,7 +2705,7 @@
           <a:p>
             <a:fld id="{E68A8755-D758-4E0E-A7B6-8C6D23EC775F}" type="datetimeFigureOut">
               <a:rPr lang="en-US" smtClean="0"/>
-              <a:t>3/4/2018</a:t>
+              <a:t>3/5/2018</a:t>
             </a:fld>
             <a:endParaRPr lang="en-US"/>
           </a:p>
@@ -1833,7 +2800,7 @@
           <a:p>
             <a:fld id="{E68A8755-D758-4E0E-A7B6-8C6D23EC775F}" type="datetimeFigureOut">
               <a:rPr lang="en-US" smtClean="0"/>
-              <a:t>3/4/2018</a:t>
+              <a:t>3/5/2018</a:t>
             </a:fld>
             <a:endParaRPr lang="en-US"/>
           </a:p>
@@ -2110,7 +3077,7 @@
           <a:p>
             <a:fld id="{E68A8755-D758-4E0E-A7B6-8C6D23EC775F}" type="datetimeFigureOut">
               <a:rPr lang="en-US" smtClean="0"/>
-              <a:t>3/4/2018</a:t>
+              <a:t>3/5/2018</a:t>
             </a:fld>
             <a:endParaRPr lang="en-US"/>
           </a:p>
@@ -2363,7 +3330,7 @@
           <a:p>
             <a:fld id="{E68A8755-D758-4E0E-A7B6-8C6D23EC775F}" type="datetimeFigureOut">
               <a:rPr lang="en-US" smtClean="0"/>
-              <a:t>3/4/2018</a:t>
+              <a:t>3/5/2018</a:t>
             </a:fld>
             <a:endParaRPr lang="en-US"/>
           </a:p>
@@ -2607,7 +3574,7 @@
           <a:p>
             <a:fld id="{E68A8755-D758-4E0E-A7B6-8C6D23EC775F}" type="datetimeFigureOut">
               <a:rPr lang="en-US" smtClean="0"/>
-              <a:t>3/4/2018</a:t>
+              <a:t>3/5/2018</a:t>
             </a:fld>
             <a:endParaRPr lang="en-US"/>
           </a:p>
@@ -3084,6 +4051,909 @@
 <file path=ppt/slides/slide10.xml><?xml version="1.0" encoding="utf-8"?>
 <p:sld xmlns:a="http://schemas.openxmlformats.org/drawingml/2006/main" xmlns:r="http://schemas.openxmlformats.org/officeDocument/2006/relationships" xmlns:p="http://schemas.openxmlformats.org/presentationml/2006/main">
   <p:cSld>
+    <p:spTree>
+      <p:nvGrpSpPr>
+        <p:cNvPr id="1" name=""/>
+        <p:cNvGrpSpPr/>
+        <p:nvPr/>
+      </p:nvGrpSpPr>
+      <p:grpSpPr>
+        <a:xfrm>
+          <a:off x="0" y="0"/>
+          <a:ext cx="0" cy="0"/>
+          <a:chOff x="0" y="0"/>
+          <a:chExt cx="0" cy="0"/>
+        </a:xfrm>
+      </p:grpSpPr>
+      <p:sp>
+        <p:nvSpPr>
+          <p:cNvPr id="2" name="Title 1"/>
+          <p:cNvSpPr>
+            <a:spLocks noGrp="1"/>
+          </p:cNvSpPr>
+          <p:nvPr>
+            <p:ph type="title"/>
+          </p:nvPr>
+        </p:nvSpPr>
+        <p:spPr/>
+        <p:txBody>
+          <a:bodyPr/>
+          <a:lstStyle/>
+          <a:p>
+            <a:pPr algn="ctr"/>
+            <a:r>
+              <a:rPr lang="en-US" dirty="0" smtClean="0"/>
+              <a:t>JNI exception handling</a:t>
+            </a:r>
+            <a:endParaRPr lang="en-US" dirty="0"/>
+          </a:p>
+        </p:txBody>
+      </p:sp>
+      <p:sp>
+        <p:nvSpPr>
+          <p:cNvPr id="3" name="Content Placeholder 2"/>
+          <p:cNvSpPr>
+            <a:spLocks noGrp="1"/>
+          </p:cNvSpPr>
+          <p:nvPr>
+            <p:ph idx="1"/>
+          </p:nvPr>
+        </p:nvSpPr>
+        <p:spPr/>
+        <p:txBody>
+          <a:bodyPr/>
+          <a:lstStyle/>
+          <a:p>
+            <a:endParaRPr lang="en-US" dirty="0"/>
+          </a:p>
+        </p:txBody>
+      </p:sp>
+      <p:sp>
+        <p:nvSpPr>
+          <p:cNvPr id="4" name="Rectangle 1"/>
+          <p:cNvSpPr>
+            <a:spLocks noChangeArrowheads="1"/>
+          </p:cNvSpPr>
+          <p:nvPr/>
+        </p:nvSpPr>
+        <p:spPr bwMode="auto">
+          <a:xfrm>
+            <a:off x="1481960" y="3284732"/>
+            <a:ext cx="7157543" cy="1477328"/>
+          </a:xfrm>
+          <a:prstGeom prst="rect">
+            <a:avLst/>
+          </a:prstGeom>
+          <a:noFill/>
+          <a:ln>
+            <a:noFill/>
+          </a:ln>
+          <a:effectLst/>
+        </p:spPr>
+        <p:txBody>
+          <a:bodyPr vert="horz" wrap="square" lIns="91440" tIns="45720" rIns="91440" bIns="45720" numCol="1" anchor="ctr" anchorCtr="0" compatLnSpc="1">
+            <a:prstTxWarp prst="textNoShape">
+              <a:avLst/>
+            </a:prstTxWarp>
+            <a:spAutoFit/>
+          </a:bodyPr>
+          <a:lstStyle/>
+          <a:p>
+            <a:pPr marL="0" marR="0" lvl="0" indent="0" algn="l" defTabSz="914400" rtl="0" eaLnBrk="0" fontAlgn="base" latinLnBrk="0" hangingPunct="0">
+              <a:lnSpc>
+                <a:spcPct val="100000"/>
+              </a:lnSpc>
+              <a:spcBef>
+                <a:spcPct val="0"/>
+              </a:spcBef>
+              <a:spcAft>
+                <a:spcPct val="0"/>
+              </a:spcAft>
+              <a:buClrTx/>
+              <a:buSzTx/>
+              <a:buFontTx/>
+              <a:buNone/>
+              <a:tabLst/>
+            </a:pPr>
+            <a:r>
+              <a:rPr kumimoji="0" lang="en-US" altLang="en-US" b="0" i="0" u="none" strike="noStrike" cap="none" normalizeH="0" baseline="0" dirty="0" err="1" smtClean="0">
+                <a:ln>
+                  <a:noFill/>
+                </a:ln>
+                <a:solidFill>
+                  <a:srgbClr val="000000"/>
+                </a:solidFill>
+                <a:effectLst/>
+                <a:latin typeface="Courier New" panose="02070309020205020404" pitchFamily="49" charset="0"/>
+                <a:cs typeface="Courier New" panose="02070309020205020404" pitchFamily="49" charset="0"/>
+              </a:rPr>
+              <a:t>env</a:t>
+            </a:r>
+            <a:r>
+              <a:rPr kumimoji="0" lang="en-US" altLang="en-US" b="0" i="0" u="none" strike="noStrike" cap="none" normalizeH="0" baseline="0" dirty="0" smtClean="0">
+                <a:ln>
+                  <a:noFill/>
+                </a:ln>
+                <a:solidFill>
+                  <a:srgbClr val="000000"/>
+                </a:solidFill>
+                <a:effectLst/>
+                <a:latin typeface="Courier New" panose="02070309020205020404" pitchFamily="49" charset="0"/>
+                <a:cs typeface="Courier New" panose="02070309020205020404" pitchFamily="49" charset="0"/>
+              </a:rPr>
+              <a:t>-&gt;</a:t>
+            </a:r>
+            <a:r>
+              <a:rPr kumimoji="0" lang="en-US" altLang="en-US" b="0" i="0" u="none" strike="noStrike" cap="none" normalizeH="0" baseline="0" dirty="0" err="1" smtClean="0">
+                <a:ln>
+                  <a:noFill/>
+                </a:ln>
+                <a:solidFill>
+                  <a:srgbClr val="000000"/>
+                </a:solidFill>
+                <a:effectLst/>
+                <a:latin typeface="Courier New" panose="02070309020205020404" pitchFamily="49" charset="0"/>
+                <a:cs typeface="Courier New" panose="02070309020205020404" pitchFamily="49" charset="0"/>
+              </a:rPr>
+              <a:t>ExceptionCheck</a:t>
+            </a:r>
+            <a:r>
+              <a:rPr kumimoji="0" lang="en-US" altLang="en-US" b="0" i="0" u="none" strike="noStrike" cap="none" normalizeH="0" baseline="0" dirty="0" smtClean="0">
+                <a:ln>
+                  <a:noFill/>
+                </a:ln>
+                <a:solidFill>
+                  <a:srgbClr val="000000"/>
+                </a:solidFill>
+                <a:effectLst/>
+                <a:latin typeface="Courier New" panose="02070309020205020404" pitchFamily="49" charset="0"/>
+                <a:cs typeface="Courier New" panose="02070309020205020404" pitchFamily="49" charset="0"/>
+              </a:rPr>
+              <a:t>();</a:t>
+            </a:r>
+            <a:br>
+              <a:rPr kumimoji="0" lang="en-US" altLang="en-US" b="0" i="0" u="none" strike="noStrike" cap="none" normalizeH="0" baseline="0" dirty="0" smtClean="0">
+                <a:ln>
+                  <a:noFill/>
+                </a:ln>
+                <a:solidFill>
+                  <a:srgbClr val="000000"/>
+                </a:solidFill>
+                <a:effectLst/>
+                <a:latin typeface="Courier New" panose="02070309020205020404" pitchFamily="49" charset="0"/>
+                <a:cs typeface="Courier New" panose="02070309020205020404" pitchFamily="49" charset="0"/>
+              </a:rPr>
+            </a:br>
+            <a:r>
+              <a:rPr kumimoji="0" lang="en-US" altLang="en-US" b="0" i="0" u="none" strike="noStrike" cap="none" normalizeH="0" baseline="0" dirty="0" err="1" smtClean="0">
+                <a:ln>
+                  <a:noFill/>
+                </a:ln>
+                <a:solidFill>
+                  <a:srgbClr val="000000"/>
+                </a:solidFill>
+                <a:effectLst/>
+                <a:latin typeface="Courier New" panose="02070309020205020404" pitchFamily="49" charset="0"/>
+                <a:cs typeface="Courier New" panose="02070309020205020404" pitchFamily="49" charset="0"/>
+              </a:rPr>
+              <a:t>env</a:t>
+            </a:r>
+            <a:r>
+              <a:rPr kumimoji="0" lang="en-US" altLang="en-US" b="0" i="0" u="none" strike="noStrike" cap="none" normalizeH="0" baseline="0" dirty="0" smtClean="0">
+                <a:ln>
+                  <a:noFill/>
+                </a:ln>
+                <a:solidFill>
+                  <a:srgbClr val="000000"/>
+                </a:solidFill>
+                <a:effectLst/>
+                <a:latin typeface="Courier New" panose="02070309020205020404" pitchFamily="49" charset="0"/>
+                <a:cs typeface="Courier New" panose="02070309020205020404" pitchFamily="49" charset="0"/>
+              </a:rPr>
+              <a:t>-&gt;</a:t>
+            </a:r>
+            <a:r>
+              <a:rPr kumimoji="0" lang="en-US" altLang="en-US" b="0" i="0" u="none" strike="noStrike" cap="none" normalizeH="0" baseline="0" dirty="0" err="1" smtClean="0">
+                <a:ln>
+                  <a:noFill/>
+                </a:ln>
+                <a:solidFill>
+                  <a:srgbClr val="000000"/>
+                </a:solidFill>
+                <a:effectLst/>
+                <a:latin typeface="Courier New" panose="02070309020205020404" pitchFamily="49" charset="0"/>
+                <a:cs typeface="Courier New" panose="02070309020205020404" pitchFamily="49" charset="0"/>
+              </a:rPr>
+              <a:t>ExceptionClear</a:t>
+            </a:r>
+            <a:r>
+              <a:rPr kumimoji="0" lang="en-US" altLang="en-US" b="0" i="0" u="none" strike="noStrike" cap="none" normalizeH="0" baseline="0" dirty="0" smtClean="0">
+                <a:ln>
+                  <a:noFill/>
+                </a:ln>
+                <a:solidFill>
+                  <a:srgbClr val="000000"/>
+                </a:solidFill>
+                <a:effectLst/>
+                <a:latin typeface="Courier New" panose="02070309020205020404" pitchFamily="49" charset="0"/>
+                <a:cs typeface="Courier New" panose="02070309020205020404" pitchFamily="49" charset="0"/>
+              </a:rPr>
+              <a:t>();</a:t>
+            </a:r>
+            <a:br>
+              <a:rPr kumimoji="0" lang="en-US" altLang="en-US" b="0" i="0" u="none" strike="noStrike" cap="none" normalizeH="0" baseline="0" dirty="0" smtClean="0">
+                <a:ln>
+                  <a:noFill/>
+                </a:ln>
+                <a:solidFill>
+                  <a:srgbClr val="000000"/>
+                </a:solidFill>
+                <a:effectLst/>
+                <a:latin typeface="Courier New" panose="02070309020205020404" pitchFamily="49" charset="0"/>
+                <a:cs typeface="Courier New" panose="02070309020205020404" pitchFamily="49" charset="0"/>
+              </a:rPr>
+            </a:br>
+            <a:r>
+              <a:rPr kumimoji="0" lang="en-US" altLang="en-US" b="0" i="0" u="none" strike="noStrike" cap="none" normalizeH="0" baseline="0" dirty="0" smtClean="0">
+                <a:ln>
+                  <a:noFill/>
+                </a:ln>
+                <a:solidFill>
+                  <a:srgbClr val="000000"/>
+                </a:solidFill>
+                <a:effectLst/>
+                <a:latin typeface="Courier New" panose="02070309020205020404" pitchFamily="49" charset="0"/>
+                <a:cs typeface="Courier New" panose="02070309020205020404" pitchFamily="49" charset="0"/>
+              </a:rPr>
+              <a:t/>
+            </a:r>
+            <a:br>
+              <a:rPr kumimoji="0" lang="en-US" altLang="en-US" b="0" i="0" u="none" strike="noStrike" cap="none" normalizeH="0" baseline="0" dirty="0" smtClean="0">
+                <a:ln>
+                  <a:noFill/>
+                </a:ln>
+                <a:solidFill>
+                  <a:srgbClr val="000000"/>
+                </a:solidFill>
+                <a:effectLst/>
+                <a:latin typeface="Courier New" panose="02070309020205020404" pitchFamily="49" charset="0"/>
+                <a:cs typeface="Courier New" panose="02070309020205020404" pitchFamily="49" charset="0"/>
+              </a:rPr>
+            </a:br>
+            <a:r>
+              <a:rPr kumimoji="0" lang="en-US" altLang="en-US" b="0" i="0" u="none" strike="noStrike" cap="none" normalizeH="0" baseline="0" dirty="0" err="1" smtClean="0">
+                <a:ln>
+                  <a:noFill/>
+                </a:ln>
+                <a:solidFill>
+                  <a:srgbClr val="000000"/>
+                </a:solidFill>
+                <a:effectLst/>
+                <a:latin typeface="Courier New" panose="02070309020205020404" pitchFamily="49" charset="0"/>
+                <a:cs typeface="Courier New" panose="02070309020205020404" pitchFamily="49" charset="0"/>
+              </a:rPr>
+              <a:t>env</a:t>
+            </a:r>
+            <a:r>
+              <a:rPr kumimoji="0" lang="en-US" altLang="en-US" b="0" i="0" u="none" strike="noStrike" cap="none" normalizeH="0" baseline="0" dirty="0" smtClean="0">
+                <a:ln>
+                  <a:noFill/>
+                </a:ln>
+                <a:solidFill>
+                  <a:srgbClr val="000000"/>
+                </a:solidFill>
+                <a:effectLst/>
+                <a:latin typeface="Courier New" panose="02070309020205020404" pitchFamily="49" charset="0"/>
+                <a:cs typeface="Courier New" panose="02070309020205020404" pitchFamily="49" charset="0"/>
+              </a:rPr>
+              <a:t>-&gt;</a:t>
+            </a:r>
+            <a:r>
+              <a:rPr kumimoji="0" lang="en-US" altLang="en-US" b="0" i="0" u="none" strike="noStrike" cap="none" normalizeH="0" baseline="0" dirty="0" err="1" smtClean="0">
+                <a:ln>
+                  <a:noFill/>
+                </a:ln>
+                <a:solidFill>
+                  <a:srgbClr val="000000"/>
+                </a:solidFill>
+                <a:effectLst/>
+                <a:latin typeface="Courier New" panose="02070309020205020404" pitchFamily="49" charset="0"/>
+                <a:cs typeface="Courier New" panose="02070309020205020404" pitchFamily="49" charset="0"/>
+              </a:rPr>
+              <a:t>ThrowNew</a:t>
+            </a:r>
+            <a:r>
+              <a:rPr kumimoji="0" lang="en-US" altLang="en-US" b="0" i="0" u="none" strike="noStrike" cap="none" normalizeH="0" baseline="0" dirty="0" smtClean="0">
+                <a:ln>
+                  <a:noFill/>
+                </a:ln>
+                <a:solidFill>
+                  <a:srgbClr val="000000"/>
+                </a:solidFill>
+                <a:effectLst/>
+                <a:latin typeface="Courier New" panose="02070309020205020404" pitchFamily="49" charset="0"/>
+                <a:cs typeface="Courier New" panose="02070309020205020404" pitchFamily="49" charset="0"/>
+              </a:rPr>
+              <a:t>(</a:t>
+            </a:r>
+            <a:r>
+              <a:rPr kumimoji="0" lang="en-US" altLang="en-US" b="0" i="0" u="none" strike="noStrike" cap="none" normalizeH="0" baseline="0" dirty="0" err="1" smtClean="0">
+                <a:ln>
+                  <a:noFill/>
+                </a:ln>
+                <a:solidFill>
+                  <a:srgbClr val="000000"/>
+                </a:solidFill>
+                <a:effectLst/>
+                <a:latin typeface="Courier New" panose="02070309020205020404" pitchFamily="49" charset="0"/>
+                <a:cs typeface="Courier New" panose="02070309020205020404" pitchFamily="49" charset="0"/>
+              </a:rPr>
+              <a:t>jclass</a:t>
+            </a:r>
+            <a:r>
+              <a:rPr kumimoji="0" lang="en-US" altLang="en-US" b="0" i="0" u="none" strike="noStrike" cap="none" normalizeH="0" baseline="0" dirty="0" smtClean="0">
+                <a:ln>
+                  <a:noFill/>
+                </a:ln>
+                <a:solidFill>
+                  <a:srgbClr val="000000"/>
+                </a:solidFill>
+                <a:effectLst/>
+                <a:latin typeface="Courier New" panose="02070309020205020404" pitchFamily="49" charset="0"/>
+                <a:cs typeface="Courier New" panose="02070309020205020404" pitchFamily="49" charset="0"/>
+              </a:rPr>
+              <a:t> </a:t>
+            </a:r>
+            <a:r>
+              <a:rPr kumimoji="0" lang="en-US" altLang="en-US" b="0" i="0" u="none" strike="noStrike" cap="none" normalizeH="0" baseline="0" dirty="0" err="1" smtClean="0">
+                <a:ln>
+                  <a:noFill/>
+                </a:ln>
+                <a:solidFill>
+                  <a:srgbClr val="000000"/>
+                </a:solidFill>
+                <a:effectLst/>
+                <a:latin typeface="Courier New" panose="02070309020205020404" pitchFamily="49" charset="0"/>
+                <a:cs typeface="Courier New" panose="02070309020205020404" pitchFamily="49" charset="0"/>
+              </a:rPr>
+              <a:t>clazz</a:t>
+            </a:r>
+            <a:r>
+              <a:rPr kumimoji="0" lang="en-US" altLang="en-US" b="0" i="0" u="none" strike="noStrike" cap="none" normalizeH="0" baseline="0" dirty="0" smtClean="0">
+                <a:ln>
+                  <a:noFill/>
+                </a:ln>
+                <a:solidFill>
+                  <a:srgbClr val="000000"/>
+                </a:solidFill>
+                <a:effectLst/>
+                <a:latin typeface="Courier New" panose="02070309020205020404" pitchFamily="49" charset="0"/>
+                <a:cs typeface="Courier New" panose="02070309020205020404" pitchFamily="49" charset="0"/>
+              </a:rPr>
+              <a:t>, </a:t>
+            </a:r>
+            <a:r>
+              <a:rPr kumimoji="0" lang="en-US" altLang="en-US" b="1" i="0" u="none" strike="noStrike" cap="none" normalizeH="0" baseline="0" dirty="0" err="1" smtClean="0">
+                <a:ln>
+                  <a:noFill/>
+                </a:ln>
+                <a:solidFill>
+                  <a:srgbClr val="000080"/>
+                </a:solidFill>
+                <a:effectLst/>
+                <a:latin typeface="Courier New" panose="02070309020205020404" pitchFamily="49" charset="0"/>
+                <a:cs typeface="Courier New" panose="02070309020205020404" pitchFamily="49" charset="0"/>
+              </a:rPr>
+              <a:t>const</a:t>
+            </a:r>
+            <a:r>
+              <a:rPr kumimoji="0" lang="en-US" altLang="en-US" b="1" i="0" u="none" strike="noStrike" cap="none" normalizeH="0" baseline="0" dirty="0" smtClean="0">
+                <a:ln>
+                  <a:noFill/>
+                </a:ln>
+                <a:solidFill>
+                  <a:srgbClr val="000080"/>
+                </a:solidFill>
+                <a:effectLst/>
+                <a:latin typeface="Courier New" panose="02070309020205020404" pitchFamily="49" charset="0"/>
+                <a:cs typeface="Courier New" panose="02070309020205020404" pitchFamily="49" charset="0"/>
+              </a:rPr>
+              <a:t> char</a:t>
+            </a:r>
+            <a:r>
+              <a:rPr kumimoji="0" lang="en-US" altLang="en-US" b="0" i="0" u="none" strike="noStrike" cap="none" normalizeH="0" baseline="0" dirty="0" smtClean="0">
+                <a:ln>
+                  <a:noFill/>
+                </a:ln>
+                <a:solidFill>
+                  <a:srgbClr val="000000"/>
+                </a:solidFill>
+                <a:effectLst/>
+                <a:latin typeface="Courier New" panose="02070309020205020404" pitchFamily="49" charset="0"/>
+                <a:cs typeface="Courier New" panose="02070309020205020404" pitchFamily="49" charset="0"/>
+              </a:rPr>
+              <a:t>* message);</a:t>
+            </a:r>
+            <a:br>
+              <a:rPr kumimoji="0" lang="en-US" altLang="en-US" b="0" i="0" u="none" strike="noStrike" cap="none" normalizeH="0" baseline="0" dirty="0" smtClean="0">
+                <a:ln>
+                  <a:noFill/>
+                </a:ln>
+                <a:solidFill>
+                  <a:srgbClr val="000000"/>
+                </a:solidFill>
+                <a:effectLst/>
+                <a:latin typeface="Courier New" panose="02070309020205020404" pitchFamily="49" charset="0"/>
+                <a:cs typeface="Courier New" panose="02070309020205020404" pitchFamily="49" charset="0"/>
+              </a:rPr>
+            </a:br>
+            <a:r>
+              <a:rPr kumimoji="0" lang="en-US" altLang="en-US" b="0" i="0" u="none" strike="noStrike" cap="none" normalizeH="0" baseline="0" dirty="0" err="1" smtClean="0">
+                <a:ln>
+                  <a:noFill/>
+                </a:ln>
+                <a:solidFill>
+                  <a:srgbClr val="000000"/>
+                </a:solidFill>
+                <a:effectLst/>
+                <a:latin typeface="Courier New" panose="02070309020205020404" pitchFamily="49" charset="0"/>
+                <a:cs typeface="Courier New" panose="02070309020205020404" pitchFamily="49" charset="0"/>
+              </a:rPr>
+              <a:t>env</a:t>
+            </a:r>
+            <a:r>
+              <a:rPr kumimoji="0" lang="en-US" altLang="en-US" b="0" i="0" u="none" strike="noStrike" cap="none" normalizeH="0" baseline="0" dirty="0" smtClean="0">
+                <a:ln>
+                  <a:noFill/>
+                </a:ln>
+                <a:solidFill>
+                  <a:srgbClr val="000000"/>
+                </a:solidFill>
+                <a:effectLst/>
+                <a:latin typeface="Courier New" panose="02070309020205020404" pitchFamily="49" charset="0"/>
+                <a:cs typeface="Courier New" panose="02070309020205020404" pitchFamily="49" charset="0"/>
+              </a:rPr>
+              <a:t>-&gt;Throw(</a:t>
+            </a:r>
+            <a:r>
+              <a:rPr kumimoji="0" lang="en-US" altLang="en-US" b="0" i="0" u="none" strike="noStrike" cap="none" normalizeH="0" baseline="0" dirty="0" err="1" smtClean="0">
+                <a:ln>
+                  <a:noFill/>
+                </a:ln>
+                <a:solidFill>
+                  <a:srgbClr val="000000"/>
+                </a:solidFill>
+                <a:effectLst/>
+                <a:latin typeface="Courier New" panose="02070309020205020404" pitchFamily="49" charset="0"/>
+                <a:cs typeface="Courier New" panose="02070309020205020404" pitchFamily="49" charset="0"/>
+              </a:rPr>
+              <a:t>jthrowable</a:t>
+            </a:r>
+            <a:r>
+              <a:rPr kumimoji="0" lang="en-US" altLang="en-US" b="0" i="0" u="none" strike="noStrike" cap="none" normalizeH="0" baseline="0" dirty="0" smtClean="0">
+                <a:ln>
+                  <a:noFill/>
+                </a:ln>
+                <a:solidFill>
+                  <a:srgbClr val="000000"/>
+                </a:solidFill>
+                <a:effectLst/>
+                <a:latin typeface="Courier New" panose="02070309020205020404" pitchFamily="49" charset="0"/>
+                <a:cs typeface="Courier New" panose="02070309020205020404" pitchFamily="49" charset="0"/>
+              </a:rPr>
+              <a:t> </a:t>
+            </a:r>
+            <a:r>
+              <a:rPr kumimoji="0" lang="en-US" altLang="en-US" b="0" i="0" u="none" strike="noStrike" cap="none" normalizeH="0" baseline="0" dirty="0" err="1" smtClean="0">
+                <a:ln>
+                  <a:noFill/>
+                </a:ln>
+                <a:solidFill>
+                  <a:srgbClr val="000000"/>
+                </a:solidFill>
+                <a:effectLst/>
+                <a:latin typeface="Courier New" panose="02070309020205020404" pitchFamily="49" charset="0"/>
+                <a:cs typeface="Courier New" panose="02070309020205020404" pitchFamily="49" charset="0"/>
+              </a:rPr>
+              <a:t>obj</a:t>
+            </a:r>
+            <a:r>
+              <a:rPr kumimoji="0" lang="en-US" altLang="en-US" b="0" i="0" u="none" strike="noStrike" cap="none" normalizeH="0" baseline="0" dirty="0" smtClean="0">
+                <a:ln>
+                  <a:noFill/>
+                </a:ln>
+                <a:solidFill>
+                  <a:srgbClr val="000000"/>
+                </a:solidFill>
+                <a:effectLst/>
+                <a:latin typeface="Courier New" panose="02070309020205020404" pitchFamily="49" charset="0"/>
+                <a:cs typeface="Courier New" panose="02070309020205020404" pitchFamily="49" charset="0"/>
+              </a:rPr>
+              <a:t>);</a:t>
+            </a:r>
+            <a:endParaRPr kumimoji="0" lang="en-US" altLang="en-US" b="0" i="0" u="none" strike="noStrike" cap="none" normalizeH="0" baseline="0" dirty="0" smtClean="0">
+              <a:ln>
+                <a:noFill/>
+              </a:ln>
+              <a:solidFill>
+                <a:schemeClr val="tx1"/>
+              </a:solidFill>
+              <a:effectLst/>
+              <a:latin typeface="Arial" panose="020B0604020202020204" pitchFamily="34" charset="0"/>
+            </a:endParaRPr>
+          </a:p>
+        </p:txBody>
+      </p:sp>
+    </p:spTree>
+    <p:extLst>
+      <p:ext uri="{BB962C8B-B14F-4D97-AF65-F5344CB8AC3E}">
+        <p14:creationId xmlns:p14="http://schemas.microsoft.com/office/powerpoint/2010/main" val="1571575486"/>
+      </p:ext>
+    </p:extLst>
+  </p:cSld>
+  <p:clrMapOvr>
+    <a:masterClrMapping/>
+  </p:clrMapOvr>
+  <p:timing>
+    <p:tnLst>
+      <p:par>
+        <p:cTn id="1" dur="indefinite" restart="never" nodeType="tmRoot"/>
+      </p:par>
+    </p:tnLst>
+  </p:timing>
+</p:sld>
+</file>
+
+<file path=ppt/slides/slide11.xml><?xml version="1.0" encoding="utf-8"?>
+<p:sld xmlns:a="http://schemas.openxmlformats.org/drawingml/2006/main" xmlns:r="http://schemas.openxmlformats.org/officeDocument/2006/relationships" xmlns:p="http://schemas.openxmlformats.org/presentationml/2006/main">
+  <p:cSld>
+    <p:spTree>
+      <p:nvGrpSpPr>
+        <p:cNvPr id="1" name=""/>
+        <p:cNvGrpSpPr/>
+        <p:nvPr/>
+      </p:nvGrpSpPr>
+      <p:grpSpPr>
+        <a:xfrm>
+          <a:off x="0" y="0"/>
+          <a:ext cx="0" cy="0"/>
+          <a:chOff x="0" y="0"/>
+          <a:chExt cx="0" cy="0"/>
+        </a:xfrm>
+      </p:grpSpPr>
+      <p:sp>
+        <p:nvSpPr>
+          <p:cNvPr id="2" name="Title 1"/>
+          <p:cNvSpPr>
+            <a:spLocks noGrp="1"/>
+          </p:cNvSpPr>
+          <p:nvPr>
+            <p:ph type="title"/>
+          </p:nvPr>
+        </p:nvSpPr>
+        <p:spPr/>
+        <p:txBody>
+          <a:bodyPr/>
+          <a:lstStyle/>
+          <a:p>
+            <a:pPr algn="ctr"/>
+            <a:r>
+              <a:rPr lang="en-US" dirty="0" smtClean="0"/>
+              <a:t>Reduce APK size by reducing C/C++ artefacts</a:t>
+            </a:r>
+            <a:endParaRPr lang="en-US" dirty="0"/>
+          </a:p>
+        </p:txBody>
+      </p:sp>
+      <p:sp>
+        <p:nvSpPr>
+          <p:cNvPr id="3" name="Content Placeholder 2"/>
+          <p:cNvSpPr>
+            <a:spLocks noGrp="1"/>
+          </p:cNvSpPr>
+          <p:nvPr>
+            <p:ph idx="1"/>
+          </p:nvPr>
+        </p:nvSpPr>
+        <p:spPr/>
+        <p:txBody>
+          <a:bodyPr>
+            <a:normAutofit lnSpcReduction="10000"/>
+          </a:bodyPr>
+          <a:lstStyle/>
+          <a:p>
+            <a:endParaRPr lang="en-US" dirty="0" smtClean="0"/>
+          </a:p>
+          <a:p>
+            <a:r>
+              <a:rPr lang="en-US" dirty="0"/>
+              <a:t>Supported </a:t>
+            </a:r>
+            <a:r>
+              <a:rPr lang="en-US" dirty="0" smtClean="0"/>
+              <a:t>ABIs</a:t>
+            </a:r>
+            <a:endParaRPr lang="en-US" dirty="0" smtClean="0"/>
+          </a:p>
+          <a:p>
+            <a:r>
+              <a:rPr lang="en-US" dirty="0" smtClean="0"/>
+              <a:t>Disable </a:t>
+            </a:r>
+            <a:r>
+              <a:rPr lang="en-US" dirty="0" smtClean="0"/>
+              <a:t>C++ exception support </a:t>
+            </a:r>
+            <a:endParaRPr lang="en-US" dirty="0" smtClean="0"/>
+          </a:p>
+          <a:p>
+            <a:pPr lvl="1"/>
+            <a:r>
+              <a:rPr lang="en-US" altLang="en-US" b="1" dirty="0">
+                <a:solidFill>
+                  <a:srgbClr val="008000"/>
+                </a:solidFill>
+                <a:latin typeface="Courier New" panose="02070309020205020404" pitchFamily="49" charset="0"/>
+                <a:cs typeface="Courier New" panose="02070309020205020404" pitchFamily="49" charset="0"/>
+              </a:rPr>
+              <a:t>-</a:t>
+            </a:r>
+            <a:r>
+              <a:rPr lang="en-US" altLang="en-US" b="1" dirty="0" err="1" smtClean="0">
+                <a:solidFill>
+                  <a:srgbClr val="008000"/>
+                </a:solidFill>
+                <a:latin typeface="Courier New" panose="02070309020205020404" pitchFamily="49" charset="0"/>
+                <a:cs typeface="Courier New" panose="02070309020205020404" pitchFamily="49" charset="0"/>
+              </a:rPr>
+              <a:t>fexceptions</a:t>
+            </a:r>
+            <a:endParaRPr lang="en-US" dirty="0" smtClean="0"/>
+          </a:p>
+          <a:p>
+            <a:r>
+              <a:rPr lang="en-US" dirty="0" smtClean="0"/>
+              <a:t>Disable </a:t>
+            </a:r>
+            <a:r>
+              <a:rPr lang="en-US" dirty="0" smtClean="0"/>
+              <a:t>RTTI</a:t>
+            </a:r>
+          </a:p>
+          <a:p>
+            <a:pPr lvl="1"/>
+            <a:r>
+              <a:rPr lang="en-US" altLang="en-US" b="1" dirty="0">
+                <a:solidFill>
+                  <a:srgbClr val="008000"/>
+                </a:solidFill>
+                <a:latin typeface="Courier New" panose="02070309020205020404" pitchFamily="49" charset="0"/>
+                <a:cs typeface="Courier New" panose="02070309020205020404" pitchFamily="49" charset="0"/>
+              </a:rPr>
+              <a:t>-</a:t>
+            </a:r>
+            <a:r>
+              <a:rPr lang="en-US" altLang="en-US" b="1" dirty="0" err="1">
+                <a:solidFill>
+                  <a:srgbClr val="008000"/>
+                </a:solidFill>
+                <a:latin typeface="Courier New" panose="02070309020205020404" pitchFamily="49" charset="0"/>
+                <a:cs typeface="Courier New" panose="02070309020205020404" pitchFamily="49" charset="0"/>
+              </a:rPr>
+              <a:t>frtti</a:t>
+            </a:r>
+            <a:endParaRPr lang="en-US" dirty="0" smtClean="0"/>
+          </a:p>
+          <a:p>
+            <a:r>
+              <a:rPr lang="en-US" dirty="0" smtClean="0"/>
+              <a:t>Strip debug </a:t>
+            </a:r>
+            <a:r>
+              <a:rPr lang="en-US" dirty="0" smtClean="0"/>
+              <a:t>symbols</a:t>
+            </a:r>
+          </a:p>
+          <a:p>
+            <a:pPr lvl="1"/>
+            <a:r>
+              <a:rPr lang="en-US" altLang="en-US" b="1" dirty="0">
+                <a:solidFill>
+                  <a:srgbClr val="008000"/>
+                </a:solidFill>
+                <a:latin typeface="Courier New" panose="02070309020205020404" pitchFamily="49" charset="0"/>
+                <a:cs typeface="Courier New" panose="02070309020205020404" pitchFamily="49" charset="0"/>
+              </a:rPr>
+              <a:t>-</a:t>
+            </a:r>
+            <a:r>
+              <a:rPr lang="en-US" altLang="en-US" b="1" dirty="0" err="1">
+                <a:solidFill>
+                  <a:srgbClr val="008000"/>
+                </a:solidFill>
+                <a:latin typeface="Courier New" panose="02070309020205020404" pitchFamily="49" charset="0"/>
+                <a:cs typeface="Courier New" panose="02070309020205020404" pitchFamily="49" charset="0"/>
+              </a:rPr>
+              <a:t>ffunction</a:t>
+            </a:r>
+            <a:r>
+              <a:rPr lang="en-US" altLang="en-US" b="1" dirty="0">
+                <a:solidFill>
+                  <a:srgbClr val="008000"/>
+                </a:solidFill>
+                <a:latin typeface="Courier New" panose="02070309020205020404" pitchFamily="49" charset="0"/>
+                <a:cs typeface="Courier New" panose="02070309020205020404" pitchFamily="49" charset="0"/>
+              </a:rPr>
+              <a:t>-sections </a:t>
+            </a:r>
+          </a:p>
+          <a:p>
+            <a:pPr lvl="1"/>
+            <a:r>
+              <a:rPr lang="en-US" altLang="en-US" b="1" dirty="0">
+                <a:solidFill>
+                  <a:srgbClr val="008000"/>
+                </a:solidFill>
+                <a:latin typeface="Courier New" panose="02070309020205020404" pitchFamily="49" charset="0"/>
+                <a:cs typeface="Courier New" panose="02070309020205020404" pitchFamily="49" charset="0"/>
+              </a:rPr>
+              <a:t>-</a:t>
+            </a:r>
+            <a:r>
+              <a:rPr lang="en-US" altLang="en-US" b="1" dirty="0" err="1">
+                <a:solidFill>
+                  <a:srgbClr val="008000"/>
+                </a:solidFill>
+                <a:latin typeface="Courier New" panose="02070309020205020404" pitchFamily="49" charset="0"/>
+                <a:cs typeface="Courier New" panose="02070309020205020404" pitchFamily="49" charset="0"/>
+              </a:rPr>
+              <a:t>fdata</a:t>
+            </a:r>
+            <a:r>
+              <a:rPr lang="en-US" altLang="en-US" b="1" dirty="0">
+                <a:solidFill>
+                  <a:srgbClr val="008000"/>
+                </a:solidFill>
+                <a:latin typeface="Courier New" panose="02070309020205020404" pitchFamily="49" charset="0"/>
+                <a:cs typeface="Courier New" panose="02070309020205020404" pitchFamily="49" charset="0"/>
+              </a:rPr>
+              <a:t>-sections </a:t>
+            </a:r>
+          </a:p>
+          <a:p>
+            <a:pPr lvl="1"/>
+            <a:r>
+              <a:rPr lang="en-US" altLang="en-US" b="1" dirty="0">
+                <a:solidFill>
+                  <a:srgbClr val="008000"/>
+                </a:solidFill>
+                <a:latin typeface="Courier New" panose="02070309020205020404" pitchFamily="49" charset="0"/>
+                <a:cs typeface="Courier New" panose="02070309020205020404" pitchFamily="49" charset="0"/>
+              </a:rPr>
+              <a:t>-</a:t>
+            </a:r>
+            <a:r>
+              <a:rPr lang="en-US" altLang="en-US" b="1" dirty="0" err="1">
+                <a:solidFill>
+                  <a:srgbClr val="008000"/>
+                </a:solidFill>
+                <a:latin typeface="Courier New" panose="02070309020205020404" pitchFamily="49" charset="0"/>
+                <a:cs typeface="Courier New" panose="02070309020205020404" pitchFamily="49" charset="0"/>
+              </a:rPr>
+              <a:t>fvisibility</a:t>
+            </a:r>
+            <a:r>
+              <a:rPr lang="en-US" altLang="en-US" b="1" dirty="0">
+                <a:solidFill>
+                  <a:srgbClr val="008000"/>
+                </a:solidFill>
+                <a:latin typeface="Courier New" panose="02070309020205020404" pitchFamily="49" charset="0"/>
+                <a:cs typeface="Courier New" panose="02070309020205020404" pitchFamily="49" charset="0"/>
+              </a:rPr>
+              <a:t>=hidden</a:t>
+            </a:r>
+            <a:endParaRPr lang="en-US" dirty="0" smtClean="0"/>
+          </a:p>
+          <a:p>
+            <a:endParaRPr lang="en-US" dirty="0"/>
+          </a:p>
+          <a:p>
+            <a:endParaRPr lang="en-US" dirty="0" smtClean="0"/>
+          </a:p>
+          <a:p>
+            <a:endParaRPr lang="en-US" dirty="0"/>
+          </a:p>
+        </p:txBody>
+      </p:sp>
+    </p:spTree>
+    <p:extLst>
+      <p:ext uri="{BB962C8B-B14F-4D97-AF65-F5344CB8AC3E}">
+        <p14:creationId xmlns:p14="http://schemas.microsoft.com/office/powerpoint/2010/main" val="3291943501"/>
+      </p:ext>
+    </p:extLst>
+  </p:cSld>
+  <p:clrMapOvr>
+    <a:masterClrMapping/>
+  </p:clrMapOvr>
+  <p:timing>
+    <p:tnLst>
+      <p:par>
+        <p:cTn id="1" dur="indefinite" restart="never" nodeType="tmRoot"/>
+      </p:par>
+    </p:tnLst>
+  </p:timing>
+</p:sld>
+</file>
+
+<file path=ppt/slides/slide12.xml><?xml version="1.0" encoding="utf-8"?>
+<p:sld xmlns:a="http://schemas.openxmlformats.org/drawingml/2006/main" xmlns:r="http://schemas.openxmlformats.org/officeDocument/2006/relationships" xmlns:p="http://schemas.openxmlformats.org/presentationml/2006/main">
+  <p:cSld>
+    <p:spTree>
+      <p:nvGrpSpPr>
+        <p:cNvPr id="1" name=""/>
+        <p:cNvGrpSpPr/>
+        <p:nvPr/>
+      </p:nvGrpSpPr>
+      <p:grpSpPr>
+        <a:xfrm>
+          <a:off x="0" y="0"/>
+          <a:ext cx="0" cy="0"/>
+          <a:chOff x="0" y="0"/>
+          <a:chExt cx="0" cy="0"/>
+        </a:xfrm>
+      </p:grpSpPr>
+      <p:sp>
+        <p:nvSpPr>
+          <p:cNvPr id="2" name="Title 1"/>
+          <p:cNvSpPr>
+            <a:spLocks noGrp="1"/>
+          </p:cNvSpPr>
+          <p:nvPr>
+            <p:ph type="title"/>
+          </p:nvPr>
+        </p:nvSpPr>
+        <p:spPr>
+          <a:xfrm>
+            <a:off x="0" y="2824546"/>
+            <a:ext cx="12191999" cy="1325563"/>
+          </a:xfrm>
+        </p:spPr>
+        <p:txBody>
+          <a:bodyPr/>
+          <a:lstStyle/>
+          <a:p>
+            <a:pPr algn="ctr"/>
+            <a:r>
+              <a:rPr lang="en-US" dirty="0" smtClean="0"/>
+              <a:t>Crash handling</a:t>
+            </a:r>
+            <a:endParaRPr lang="en-US" dirty="0"/>
+          </a:p>
+        </p:txBody>
+      </p:sp>
+    </p:spTree>
+    <p:extLst>
+      <p:ext uri="{BB962C8B-B14F-4D97-AF65-F5344CB8AC3E}">
+        <p14:creationId xmlns:p14="http://schemas.microsoft.com/office/powerpoint/2010/main" val="2286164954"/>
+      </p:ext>
+    </p:extLst>
+  </p:cSld>
+  <p:clrMapOvr>
+    <a:masterClrMapping/>
+  </p:clrMapOvr>
+  <p:timing>
+    <p:tnLst>
+      <p:par>
+        <p:cTn id="1" dur="indefinite" restart="never" nodeType="tmRoot"/>
+      </p:par>
+    </p:tnLst>
+  </p:timing>
+</p:sld>
+</file>
+
+<file path=ppt/slides/slide13.xml><?xml version="1.0" encoding="utf-8"?>
+<p:sld xmlns:a="http://schemas.openxmlformats.org/drawingml/2006/main" xmlns:r="http://schemas.openxmlformats.org/officeDocument/2006/relationships" xmlns:p="http://schemas.openxmlformats.org/presentationml/2006/main">
+  <p:cSld>
     <p:bg>
       <p:bgPr>
         <a:solidFill>
@@ -3155,7 +5025,7 @@
 </p:sld>
 </file>
 
-<file path=ppt/slides/slide11.xml><?xml version="1.0" encoding="utf-8"?>
+<file path=ppt/slides/slide14.xml><?xml version="1.0" encoding="utf-8"?>
 <p:sld xmlns:a="http://schemas.openxmlformats.org/drawingml/2006/main" xmlns:r="http://schemas.openxmlformats.org/officeDocument/2006/relationships" xmlns:p="http://schemas.openxmlformats.org/presentationml/2006/main">
   <p:cSld>
     <p:spTree>
@@ -3276,7 +5146,92 @@
 </p:sld>
 </file>
 
-<file path=ppt/slides/slide12.xml><?xml version="1.0" encoding="utf-8"?>
+<file path=ppt/slides/slide15.xml><?xml version="1.0" encoding="utf-8"?>
+<p:sld xmlns:a="http://schemas.openxmlformats.org/drawingml/2006/main" xmlns:r="http://schemas.openxmlformats.org/officeDocument/2006/relationships" xmlns:p="http://schemas.openxmlformats.org/presentationml/2006/main">
+  <p:cSld>
+    <p:spTree>
+      <p:nvGrpSpPr>
+        <p:cNvPr id="1" name=""/>
+        <p:cNvGrpSpPr/>
+        <p:nvPr/>
+      </p:nvGrpSpPr>
+      <p:grpSpPr>
+        <a:xfrm>
+          <a:off x="0" y="0"/>
+          <a:ext cx="0" cy="0"/>
+          <a:chOff x="0" y="0"/>
+          <a:chExt cx="0" cy="0"/>
+        </a:xfrm>
+      </p:grpSpPr>
+      <p:sp>
+        <p:nvSpPr>
+          <p:cNvPr id="2" name="Title 1"/>
+          <p:cNvSpPr>
+            <a:spLocks noGrp="1"/>
+          </p:cNvSpPr>
+          <p:nvPr>
+            <p:ph type="title"/>
+          </p:nvPr>
+        </p:nvSpPr>
+        <p:spPr/>
+        <p:txBody>
+          <a:bodyPr/>
+          <a:lstStyle/>
+          <a:p>
+            <a:endParaRPr lang="en-US" dirty="0"/>
+          </a:p>
+        </p:txBody>
+      </p:sp>
+      <p:pic>
+        <p:nvPicPr>
+          <p:cNvPr id="4" name="Content Placeholder 3"/>
+          <p:cNvPicPr>
+            <a:picLocks noGrp="1" noChangeAspect="1"/>
+          </p:cNvPicPr>
+          <p:nvPr>
+            <p:ph idx="1"/>
+          </p:nvPr>
+        </p:nvPicPr>
+        <p:blipFill>
+          <a:blip r:embed="rId2">
+            <a:extLst>
+              <a:ext uri="{28A0092B-C50C-407E-A947-70E740481C1C}">
+                <a14:useLocalDpi xmlns:a14="http://schemas.microsoft.com/office/drawing/2010/main" val="0"/>
+              </a:ext>
+            </a:extLst>
+          </a:blip>
+          <a:stretch>
+            <a:fillRect/>
+          </a:stretch>
+        </p:blipFill>
+        <p:spPr>
+          <a:xfrm>
+            <a:off x="7952989" y="2316610"/>
+            <a:ext cx="3191320" cy="3400900"/>
+          </a:xfrm>
+        </p:spPr>
+      </p:pic>
+    </p:spTree>
+    <p:extLst>
+      <p:ext uri="{BB962C8B-B14F-4D97-AF65-F5344CB8AC3E}">
+        <p14:creationId xmlns:p14="http://schemas.microsoft.com/office/powerpoint/2010/main" val="1039015840"/>
+      </p:ext>
+    </p:extLst>
+  </p:cSld>
+  <p:clrMapOvr>
+    <a:masterClrMapping/>
+  </p:clrMapOvr>
+  <p:timing>
+    <p:tnLst>
+      <p:par>
+        <p:cTn id="1" dur="indefinite" restart="never" nodeType="tmRoot"/>
+      </p:par>
+    </p:tnLst>
+  </p:timing>
+</p:sld>
+</file>
+
+<file path=ppt/slides/slide16.xml><?xml version="1.0" encoding="utf-8"?>
 <p:sld xmlns:a="http://schemas.openxmlformats.org/drawingml/2006/main" xmlns:r="http://schemas.openxmlformats.org/officeDocument/2006/relationships" xmlns:p="http://schemas.openxmlformats.org/presentationml/2006/main">
   <p:cSld>
     <p:spTree>
@@ -3342,7 +5297,7 @@
 </p:sld>
 </file>
 
-<file path=ppt/slides/slide13.xml><?xml version="1.0" encoding="utf-8"?>
+<file path=ppt/slides/slide17.xml><?xml version="1.0" encoding="utf-8"?>
 <p:sld xmlns:a="http://schemas.openxmlformats.org/drawingml/2006/main" xmlns:r="http://schemas.openxmlformats.org/officeDocument/2006/relationships" xmlns:p="http://schemas.openxmlformats.org/presentationml/2006/main">
   <p:cSld>
     <p:spTree>
@@ -4056,6 +6011,125 @@
 </file>
 
 <file path=ppt/slides/slide3.xml><?xml version="1.0" encoding="utf-8"?>
+<p:sld xmlns:a="http://schemas.openxmlformats.org/drawingml/2006/main" xmlns:r="http://schemas.openxmlformats.org/officeDocument/2006/relationships" xmlns:p="http://schemas.openxmlformats.org/presentationml/2006/main">
+  <p:cSld>
+    <p:spTree>
+      <p:nvGrpSpPr>
+        <p:cNvPr id="1" name=""/>
+        <p:cNvGrpSpPr/>
+        <p:nvPr/>
+      </p:nvGrpSpPr>
+      <p:grpSpPr>
+        <a:xfrm>
+          <a:off x="0" y="0"/>
+          <a:ext cx="0" cy="0"/>
+          <a:chOff x="0" y="0"/>
+          <a:chExt cx="0" cy="0"/>
+        </a:xfrm>
+      </p:grpSpPr>
+      <p:sp>
+        <p:nvSpPr>
+          <p:cNvPr id="2" name="Title 1"/>
+          <p:cNvSpPr>
+            <a:spLocks noGrp="1"/>
+          </p:cNvSpPr>
+          <p:nvPr>
+            <p:ph type="title"/>
+          </p:nvPr>
+        </p:nvSpPr>
+        <p:spPr/>
+        <p:txBody>
+          <a:bodyPr/>
+          <a:lstStyle/>
+          <a:p>
+            <a:pPr algn="ctr"/>
+            <a:r>
+              <a:rPr lang="en-US" dirty="0" smtClean="0"/>
+              <a:t>What is NDK?</a:t>
+            </a:r>
+            <a:endParaRPr lang="en-US" dirty="0"/>
+          </a:p>
+        </p:txBody>
+      </p:sp>
+      <p:sp>
+        <p:nvSpPr>
+          <p:cNvPr id="3" name="Content Placeholder 2"/>
+          <p:cNvSpPr>
+            <a:spLocks noGrp="1"/>
+          </p:cNvSpPr>
+          <p:nvPr>
+            <p:ph idx="1"/>
+          </p:nvPr>
+        </p:nvSpPr>
+        <p:spPr>
+          <a:xfrm>
+            <a:off x="220717" y="1825625"/>
+            <a:ext cx="7110249" cy="4039147"/>
+          </a:xfrm>
+        </p:spPr>
+        <p:txBody>
+          <a:bodyPr/>
+          <a:lstStyle/>
+          <a:p>
+            <a:r>
+              <a:rPr lang="en-US" dirty="0"/>
+              <a:t>The Android NDK is a toolset that lets you implement parts of your app in native code, using languages such as C and C++. For certain types of apps, this can help you reuse code libraries written in those languages.</a:t>
+            </a:r>
+            <a:endParaRPr lang="en-US" dirty="0"/>
+          </a:p>
+        </p:txBody>
+      </p:sp>
+      <p:pic>
+        <p:nvPicPr>
+          <p:cNvPr id="4" name="Picture 3"/>
+          <p:cNvPicPr>
+            <a:picLocks noChangeAspect="1"/>
+          </p:cNvPicPr>
+          <p:nvPr/>
+        </p:nvPicPr>
+        <p:blipFill>
+          <a:blip r:embed="rId2">
+            <a:extLst>
+              <a:ext uri="{28A0092B-C50C-407E-A947-70E740481C1C}">
+                <a14:useLocalDpi xmlns:a14="http://schemas.microsoft.com/office/drawing/2010/main" val="0"/>
+              </a:ext>
+            </a:extLst>
+          </a:blip>
+          <a:stretch>
+            <a:fillRect/>
+          </a:stretch>
+        </p:blipFill>
+        <p:spPr>
+          <a:xfrm>
+            <a:off x="8026400" y="1575676"/>
+            <a:ext cx="3655848" cy="3655848"/>
+          </a:xfrm>
+          <a:prstGeom prst="rect">
+            <a:avLst/>
+          </a:prstGeom>
+        </p:spPr>
+      </p:pic>
+    </p:spTree>
+    <p:extLst>
+      <p:ext uri="{BB962C8B-B14F-4D97-AF65-F5344CB8AC3E}">
+        <p14:creationId xmlns:p14="http://schemas.microsoft.com/office/powerpoint/2010/main" val="2780165483"/>
+      </p:ext>
+    </p:extLst>
+  </p:cSld>
+  <p:clrMapOvr>
+    <a:masterClrMapping/>
+  </p:clrMapOvr>
+  <p:timing>
+    <p:tnLst>
+      <p:par>
+        <p:cTn id="1" dur="indefinite" restart="never" nodeType="tmRoot"/>
+      </p:par>
+    </p:tnLst>
+  </p:timing>
+</p:sld>
+</file>
+
+<file path=ppt/slides/slide4.xml><?xml version="1.0" encoding="utf-8"?>
 <p:sld xmlns:a="http://schemas.openxmlformats.org/drawingml/2006/main" xmlns:r="http://schemas.openxmlformats.org/officeDocument/2006/relationships" xmlns:p="http://schemas.openxmlformats.org/presentationml/2006/main">
   <p:cSld>
     <p:spTree>
@@ -5446,7 +7520,7 @@
 </p:sld>
 </file>
 
-<file path=ppt/slides/slide4.xml><?xml version="1.0" encoding="utf-8"?>
+<file path=ppt/slides/slide5.xml><?xml version="1.0" encoding="utf-8"?>
 <p:sld xmlns:a="http://schemas.openxmlformats.org/drawingml/2006/main" xmlns:r="http://schemas.openxmlformats.org/officeDocument/2006/relationships" xmlns:p="http://schemas.openxmlformats.org/presentationml/2006/main">
   <p:cSld>
     <p:spTree>
@@ -5473,6 +7547,72 @@
             <p:ph type="title"/>
           </p:nvPr>
         </p:nvSpPr>
+        <p:spPr>
+          <a:xfrm>
+            <a:off x="806669" y="2588062"/>
+            <a:ext cx="10515600" cy="1325563"/>
+          </a:xfrm>
+        </p:spPr>
+        <p:txBody>
+          <a:bodyPr/>
+          <a:lstStyle/>
+          <a:p>
+            <a:pPr algn="ctr"/>
+            <a:r>
+              <a:rPr lang="en-US" dirty="0" smtClean="0"/>
+              <a:t>Common mistakes</a:t>
+            </a:r>
+            <a:endParaRPr lang="en-US" dirty="0"/>
+          </a:p>
+        </p:txBody>
+      </p:sp>
+    </p:spTree>
+    <p:extLst>
+      <p:ext uri="{BB962C8B-B14F-4D97-AF65-F5344CB8AC3E}">
+        <p14:creationId xmlns:p14="http://schemas.microsoft.com/office/powerpoint/2010/main" val="3908932617"/>
+      </p:ext>
+    </p:extLst>
+  </p:cSld>
+  <p:clrMapOvr>
+    <a:masterClrMapping/>
+  </p:clrMapOvr>
+  <p:timing>
+    <p:tnLst>
+      <p:par>
+        <p:cTn id="1" dur="indefinite" restart="never" nodeType="tmRoot"/>
+      </p:par>
+    </p:tnLst>
+  </p:timing>
+</p:sld>
+</file>
+
+<file path=ppt/slides/slide6.xml><?xml version="1.0" encoding="utf-8"?>
+<p:sld xmlns:a="http://schemas.openxmlformats.org/drawingml/2006/main" xmlns:r="http://schemas.openxmlformats.org/officeDocument/2006/relationships" xmlns:p="http://schemas.openxmlformats.org/presentationml/2006/main">
+  <p:cSld>
+    <p:spTree>
+      <p:nvGrpSpPr>
+        <p:cNvPr id="1" name=""/>
+        <p:cNvGrpSpPr/>
+        <p:nvPr/>
+      </p:nvGrpSpPr>
+      <p:grpSpPr>
+        <a:xfrm>
+          <a:off x="0" y="0"/>
+          <a:ext cx="0" cy="0"/>
+          <a:chOff x="0" y="0"/>
+          <a:chExt cx="0" cy="0"/>
+        </a:xfrm>
+      </p:grpSpPr>
+      <p:sp>
+        <p:nvSpPr>
+          <p:cNvPr id="2" name="Title 1"/>
+          <p:cNvSpPr>
+            <a:spLocks noGrp="1"/>
+          </p:cNvSpPr>
+          <p:nvPr>
+            <p:ph type="title"/>
+          </p:nvPr>
+        </p:nvSpPr>
         <p:spPr/>
         <p:txBody>
           <a:bodyPr/>
@@ -5528,11 +7668,7 @@
           <a:p>
             <a:r>
               <a:rPr lang="en-US" dirty="0" smtClean="0"/>
-              <a:t>JNI </a:t>
-            </a:r>
-            <a:r>
-              <a:rPr lang="en-US" dirty="0" smtClean="0"/>
-              <a:t>local </a:t>
+              <a:t>JNI local </a:t>
             </a:r>
             <a:r>
               <a:rPr lang="en-US" dirty="0"/>
@@ -5550,6 +7686,10 @@
             </a:r>
           </a:p>
           <a:p>
+            <a:r>
+              <a:rPr lang="en-US" dirty="0" smtClean="0"/>
+              <a:t>Android 8.0</a:t>
+            </a:r>
             <a:endParaRPr lang="en-US" dirty="0"/>
           </a:p>
         </p:txBody>
@@ -5557,36 +7697,6 @@
       <p:pic>
         <p:nvPicPr>
           <p:cNvPr id="4" name="Picture 3"/>
-          <p:cNvPicPr>
-            <a:picLocks noChangeAspect="1"/>
-          </p:cNvPicPr>
-          <p:nvPr/>
-        </p:nvPicPr>
-        <p:blipFill>
-          <a:blip r:embed="rId2">
-            <a:extLst>
-              <a:ext uri="{28A0092B-C50C-407E-A947-70E740481C1C}">
-                <a14:useLocalDpi xmlns:a14="http://schemas.microsoft.com/office/drawing/2010/main" val="0"/>
-              </a:ext>
-            </a:extLst>
-          </a:blip>
-          <a:stretch>
-            <a:fillRect/>
-          </a:stretch>
-        </p:blipFill>
-        <p:spPr>
-          <a:xfrm>
-            <a:off x="6998641" y="1384161"/>
-            <a:ext cx="6058746" cy="3191320"/>
-          </a:xfrm>
-          <a:prstGeom prst="rect">
-            <a:avLst/>
-          </a:prstGeom>
-        </p:spPr>
-      </p:pic>
-      <p:pic>
-        <p:nvPicPr>
-          <p:cNvPr id="5" name="Picture 4"/>
           <p:cNvPicPr>
             <a:picLocks noChangeAspect="1"/>
           </p:cNvPicPr>
@@ -5606,7 +7716,37 @@
         </p:blipFill>
         <p:spPr>
           <a:xfrm>
-            <a:off x="5317154" y="2979821"/>
+            <a:off x="6293706" y="2440451"/>
+            <a:ext cx="5184140" cy="2730639"/>
+          </a:xfrm>
+          <a:prstGeom prst="rect">
+            <a:avLst/>
+          </a:prstGeom>
+        </p:spPr>
+      </p:pic>
+      <p:pic>
+        <p:nvPicPr>
+          <p:cNvPr id="5" name="Picture 4"/>
+          <p:cNvPicPr>
+            <a:picLocks noChangeAspect="1"/>
+          </p:cNvPicPr>
+          <p:nvPr/>
+        </p:nvPicPr>
+        <p:blipFill>
+          <a:blip r:embed="rId4">
+            <a:extLst>
+              <a:ext uri="{28A0092B-C50C-407E-A947-70E740481C1C}">
+                <a14:useLocalDpi xmlns:a14="http://schemas.microsoft.com/office/drawing/2010/main" val="0"/>
+              </a:ext>
+            </a:extLst>
+          </a:blip>
+          <a:stretch>
+            <a:fillRect/>
+          </a:stretch>
+        </p:blipFill>
+        <p:spPr>
+          <a:xfrm>
+            <a:off x="477140" y="4367187"/>
             <a:ext cx="5249008" cy="914528"/>
           </a:xfrm>
           <a:prstGeom prst="rect">
@@ -5864,7 +8004,7 @@
                             </p:stCondLst>
                             <p:childTnLst>
                               <p:par>
-                                <p:cTn id="23" presetID="1" presetClass="entr" presetSubtype="0" fill="hold" nodeType="clickEffect">
+                                <p:cTn id="23" presetID="1" presetClass="entr" presetSubtype="0" fill="hold" grpId="0" nodeType="clickEffect">
                                   <p:stCondLst>
                                     <p:cond delay="0"/>
                                   </p:stCondLst>
@@ -5872,6 +8012,55 @@
                                     <p:set>
                                       <p:cBhvr>
                                         <p:cTn id="24" dur="1" fill="hold">
+                                          <p:stCondLst>
+                                            <p:cond delay="0"/>
+                                          </p:stCondLst>
+                                        </p:cTn>
+                                        <p:tgtEl>
+                                          <p:spTgt spid="3">
+                                            <p:txEl>
+                                              <p:pRg st="3" end="3"/>
+                                            </p:txEl>
+                                          </p:spTgt>
+                                        </p:tgtEl>
+                                        <p:attrNameLst>
+                                          <p:attrName>style.visibility</p:attrName>
+                                        </p:attrNameLst>
+                                      </p:cBhvr>
+                                      <p:to>
+                                        <p:strVal val="visible"/>
+                                      </p:to>
+                                    </p:set>
+                                  </p:childTnLst>
+                                </p:cTn>
+                              </p:par>
+                            </p:childTnLst>
+                          </p:cTn>
+                        </p:par>
+                      </p:childTnLst>
+                    </p:cTn>
+                  </p:par>
+                  <p:par>
+                    <p:cTn id="25" fill="hold">
+                      <p:stCondLst>
+                        <p:cond delay="indefinite"/>
+                      </p:stCondLst>
+                      <p:childTnLst>
+                        <p:par>
+                          <p:cTn id="26" fill="hold">
+                            <p:stCondLst>
+                              <p:cond delay="0"/>
+                            </p:stCondLst>
+                            <p:childTnLst>
+                              <p:par>
+                                <p:cTn id="27" presetID="1" presetClass="entr" presetSubtype="0" fill="hold" nodeType="clickEffect">
+                                  <p:stCondLst>
+                                    <p:cond delay="0"/>
+                                  </p:stCondLst>
+                                  <p:childTnLst>
+                                    <p:set>
+                                      <p:cBhvr>
+                                        <p:cTn id="28" dur="1" fill="hold">
                                           <p:stCondLst>
                                             <p:cond delay="0"/>
                                           </p:stCondLst>
@@ -5924,7 +8113,7 @@
 </p:sld>
 </file>
 
-<file path=ppt/slides/slide5.xml><?xml version="1.0" encoding="utf-8"?>
+<file path=ppt/slides/slide7.xml><?xml version="1.0" encoding="utf-8"?>
 <p:sld xmlns:a="http://schemas.openxmlformats.org/drawingml/2006/main" xmlns:r="http://schemas.openxmlformats.org/officeDocument/2006/relationships" xmlns:p="http://schemas.openxmlformats.org/presentationml/2006/main">
   <p:cSld>
     <p:spTree>
@@ -5982,20 +8171,27 @@
           <a:p>
             <a:r>
               <a:rPr lang="en-US" dirty="0" smtClean="0"/>
-              <a:t>What is Invocation API?</a:t>
-            </a:r>
-          </a:p>
-          <a:p>
+              <a:t>What is Invocation API</a:t>
+            </a:r>
+            <a:r>
+              <a:rPr lang="en-US" dirty="0" smtClean="0"/>
+              <a:t>?</a:t>
+            </a:r>
+          </a:p>
+          <a:p>
+            <a:r>
+              <a:rPr lang="en-US" dirty="0" smtClean="0"/>
+              <a:t>Thread local references.</a:t>
+            </a:r>
             <a:endParaRPr lang="en-US" dirty="0" smtClean="0"/>
           </a:p>
           <a:p>
+            <a:endParaRPr lang="en-US" dirty="0" smtClean="0"/>
+          </a:p>
+          <a:p>
             <a:r>
               <a:rPr lang="en-US" dirty="0" smtClean="0"/>
-              <a:t>Do </a:t>
-            </a:r>
-            <a:r>
-              <a:rPr lang="en-US" dirty="0" smtClean="0"/>
-              <a:t>not forget to attach native thread to the JVM</a:t>
+              <a:t>Do not forget to attach native thread to the JVM</a:t>
             </a:r>
             <a:endParaRPr lang="en-US" dirty="0"/>
           </a:p>
@@ -6010,7 +8206,7 @@
           <p:nvPr/>
         </p:nvPicPr>
         <p:blipFill>
-          <a:blip r:embed="rId2">
+          <a:blip r:embed="rId3">
             <a:extLst>
               <a:ext uri="{28A0092B-C50C-407E-A947-70E740481C1C}">
                 <a14:useLocalDpi xmlns:a14="http://schemas.microsoft.com/office/drawing/2010/main" val="0"/>
@@ -6051,7 +8247,7 @@
 </p:sld>
 </file>
 
-<file path=ppt/slides/slide6.xml><?xml version="1.0" encoding="utf-8"?>
+<file path=ppt/slides/slide8.xml><?xml version="1.0" encoding="utf-8"?>
 <p:sld xmlns:a="http://schemas.openxmlformats.org/drawingml/2006/main" xmlns:r="http://schemas.openxmlformats.org/officeDocument/2006/relationships" xmlns:p="http://schemas.openxmlformats.org/presentationml/2006/main">
   <p:cSld>
     <p:spTree>
@@ -6102,27 +8298,54 @@
             <p:ph idx="1"/>
           </p:nvPr>
         </p:nvSpPr>
-        <p:spPr/>
+        <p:spPr>
+          <a:xfrm>
+            <a:off x="662154" y="1506879"/>
+            <a:ext cx="10515600" cy="4351338"/>
+          </a:xfrm>
+        </p:spPr>
         <p:txBody>
           <a:bodyPr/>
           <a:lstStyle/>
           <a:p>
             <a:r>
+              <a:rPr lang="en-US" dirty="0"/>
+              <a:t>C</a:t>
+            </a:r>
+            <a:r>
               <a:rPr lang="en-US" dirty="0" smtClean="0"/>
-              <a:t>Java obfuscation</a:t>
-            </a:r>
+              <a:t>++</a:t>
+            </a:r>
+          </a:p>
+          <a:p>
+            <a:endParaRPr lang="en-US" dirty="0" smtClean="0"/>
+          </a:p>
+          <a:p>
+            <a:endParaRPr lang="en-US" dirty="0"/>
+          </a:p>
+          <a:p>
+            <a:endParaRPr lang="en-US" dirty="0" smtClean="0"/>
           </a:p>
           <a:p>
             <a:r>
               <a:rPr lang="en-US" dirty="0" smtClean="0"/>
-              <a:t>Java </a:t>
-            </a:r>
-          </a:p>
-          <a:p>
+              <a:t>Java obfuscation: </a:t>
+            </a:r>
+            <a:r>
+              <a:rPr lang="en-US" dirty="0" err="1" smtClean="0"/>
+              <a:t>ProGuard</a:t>
+            </a:r>
             <a:r>
               <a:rPr lang="en-US" dirty="0" smtClean="0"/>
-              <a:t>C++</a:t>
-            </a:r>
+              <a:t>, </a:t>
+            </a:r>
+            <a:r>
+              <a:rPr lang="en-US" dirty="0" err="1" smtClean="0"/>
+              <a:t>DexGuard</a:t>
+            </a:r>
+            <a:endParaRPr lang="en-US" dirty="0" smtClean="0"/>
+          </a:p>
+          <a:p>
             <a:endParaRPr lang="en-US" dirty="0"/>
           </a:p>
         </p:txBody>
@@ -6130,36 +8353,6 @@
       <p:pic>
         <p:nvPicPr>
           <p:cNvPr id="4" name="Picture 3"/>
-          <p:cNvPicPr>
-            <a:picLocks noChangeAspect="1"/>
-          </p:cNvPicPr>
-          <p:nvPr/>
-        </p:nvPicPr>
-        <p:blipFill>
-          <a:blip r:embed="rId2" cstate="print">
-            <a:extLst>
-              <a:ext uri="{28A0092B-C50C-407E-A947-70E740481C1C}">
-                <a14:useLocalDpi xmlns:a14="http://schemas.microsoft.com/office/drawing/2010/main" val="0"/>
-              </a:ext>
-            </a:extLst>
-          </a:blip>
-          <a:stretch>
-            <a:fillRect/>
-          </a:stretch>
-        </p:blipFill>
-        <p:spPr>
-          <a:xfrm>
-            <a:off x="5984454" y="1916482"/>
-            <a:ext cx="1575578" cy="1575578"/>
-          </a:xfrm>
-          <a:prstGeom prst="rect">
-            <a:avLst/>
-          </a:prstGeom>
-        </p:spPr>
-      </p:pic>
-      <p:pic>
-        <p:nvPicPr>
-          <p:cNvPr id="5" name="Picture 4"/>
           <p:cNvPicPr>
             <a:picLocks noChangeAspect="1"/>
           </p:cNvPicPr>
@@ -6179,135 +8372,24 @@
         </p:blipFill>
         <p:spPr>
           <a:xfrm>
-            <a:off x="7806536" y="1277653"/>
-            <a:ext cx="1650379" cy="1633875"/>
+            <a:off x="3468417" y="3971038"/>
+            <a:ext cx="1575578" cy="1575578"/>
           </a:xfrm>
           <a:prstGeom prst="rect">
             <a:avLst/>
           </a:prstGeom>
         </p:spPr>
       </p:pic>
-    </p:spTree>
-    <p:extLst>
-      <p:ext uri="{BB962C8B-B14F-4D97-AF65-F5344CB8AC3E}">
-        <p14:creationId xmlns:p14="http://schemas.microsoft.com/office/powerpoint/2010/main" val="361249591"/>
-      </p:ext>
-    </p:extLst>
-  </p:cSld>
-  <p:clrMapOvr>
-    <a:masterClrMapping/>
-  </p:clrMapOvr>
-  <p:timing>
-    <p:tnLst>
-      <p:par>
-        <p:cTn id="1" dur="indefinite" restart="never" nodeType="tmRoot"/>
-      </p:par>
-    </p:tnLst>
-  </p:timing>
-</p:sld>
-</file>
-
-<file path=ppt/slides/slide7.xml><?xml version="1.0" encoding="utf-8"?>
-<p:sld xmlns:a="http://schemas.openxmlformats.org/drawingml/2006/main" xmlns:r="http://schemas.openxmlformats.org/officeDocument/2006/relationships" xmlns:p="http://schemas.openxmlformats.org/presentationml/2006/main">
-  <p:cSld>
-    <p:spTree>
-      <p:nvGrpSpPr>
-        <p:cNvPr id="1" name=""/>
-        <p:cNvGrpSpPr/>
-        <p:nvPr/>
-      </p:nvGrpSpPr>
-      <p:grpSpPr>
-        <a:xfrm>
-          <a:off x="0" y="0"/>
-          <a:ext cx="0" cy="0"/>
-          <a:chOff x="0" y="0"/>
-          <a:chExt cx="0" cy="0"/>
-        </a:xfrm>
-      </p:grpSpPr>
-      <p:sp>
-        <p:nvSpPr>
-          <p:cNvPr id="2" name="Title 1"/>
-          <p:cNvSpPr>
-            <a:spLocks noGrp="1"/>
-          </p:cNvSpPr>
-          <p:nvPr>
-            <p:ph type="title"/>
-          </p:nvPr>
-        </p:nvSpPr>
-        <p:spPr/>
-        <p:txBody>
-          <a:bodyPr/>
-          <a:lstStyle/>
-          <a:p>
-            <a:pPr algn="ctr"/>
-            <a:r>
-              <a:rPr lang="en-US" dirty="0" smtClean="0"/>
-              <a:t>Exception handling</a:t>
-            </a:r>
-            <a:endParaRPr lang="en-US" dirty="0"/>
-          </a:p>
-        </p:txBody>
-      </p:sp>
-      <p:sp>
-        <p:nvSpPr>
-          <p:cNvPr id="3" name="Content Placeholder 2"/>
-          <p:cNvSpPr>
-            <a:spLocks noGrp="1"/>
-          </p:cNvSpPr>
-          <p:nvPr>
-            <p:ph idx="1"/>
-          </p:nvPr>
-        </p:nvSpPr>
-        <p:spPr/>
-        <p:txBody>
-          <a:bodyPr/>
-          <a:lstStyle/>
-          <a:p>
-            <a:r>
-              <a:rPr lang="en-US" dirty="0" smtClean="0"/>
-              <a:t>C</a:t>
-            </a:r>
-            <a:r>
-              <a:rPr lang="en-US" dirty="0" smtClean="0"/>
-              <a:t>++ exception </a:t>
-            </a:r>
-            <a:r>
-              <a:rPr lang="en-US" dirty="0" smtClean="0"/>
-              <a:t>support</a:t>
-            </a:r>
-          </a:p>
-          <a:p>
-            <a:r>
-              <a:rPr lang="en-US" dirty="0"/>
-              <a:t>P</a:t>
-            </a:r>
-            <a:r>
-              <a:rPr lang="en-US" dirty="0" smtClean="0"/>
-              <a:t>ending exception from Java side</a:t>
-            </a:r>
-          </a:p>
-          <a:p>
-            <a:r>
-              <a:rPr lang="en-US" dirty="0" smtClean="0"/>
-              <a:t>Throw exception from C++</a:t>
-            </a:r>
-            <a:endParaRPr lang="en-US" dirty="0" smtClean="0"/>
-          </a:p>
-          <a:p>
-            <a:endParaRPr lang="en-US" dirty="0"/>
-          </a:p>
-        </p:txBody>
-      </p:sp>
       <p:pic>
         <p:nvPicPr>
-          <p:cNvPr id="8" name="Picture 7"/>
+          <p:cNvPr id="5" name="Picture 4"/>
           <p:cNvPicPr>
             <a:picLocks noChangeAspect="1"/>
           </p:cNvPicPr>
           <p:nvPr/>
         </p:nvPicPr>
         <p:blipFill>
-          <a:blip r:embed="rId2">
+          <a:blip r:embed="rId4" cstate="print">
             <a:extLst>
               <a:ext uri="{28A0092B-C50C-407E-A947-70E740481C1C}">
                 <a14:useLocalDpi xmlns:a14="http://schemas.microsoft.com/office/drawing/2010/main" val="0"/>
@@ -6320,119 +8402,306 @@
         </p:blipFill>
         <p:spPr>
           <a:xfrm>
-            <a:off x="1994915" y="3547442"/>
-            <a:ext cx="8202170" cy="2343477"/>
+            <a:off x="5092707" y="3971038"/>
+            <a:ext cx="1650379" cy="1633875"/>
           </a:xfrm>
           <a:prstGeom prst="rect">
             <a:avLst/>
           </a:prstGeom>
         </p:spPr>
       </p:pic>
+      <p:sp>
+        <p:nvSpPr>
+          <p:cNvPr id="8" name="Rectangle 3"/>
+          <p:cNvSpPr>
+            <a:spLocks noChangeArrowheads="1"/>
+          </p:cNvSpPr>
+          <p:nvPr/>
+        </p:nvSpPr>
+        <p:spPr bwMode="auto">
+          <a:xfrm>
+            <a:off x="1016880" y="1961468"/>
+            <a:ext cx="4903074" cy="1569660"/>
+          </a:xfrm>
+          <a:prstGeom prst="rect">
+            <a:avLst/>
+          </a:prstGeom>
+          <a:noFill/>
+          <a:ln>
+            <a:noFill/>
+          </a:ln>
+          <a:effectLst/>
+        </p:spPr>
+        <p:txBody>
+          <a:bodyPr vert="horz" wrap="square" lIns="91440" tIns="45720" rIns="91440" bIns="45720" numCol="1" anchor="ctr" anchorCtr="0" compatLnSpc="1">
+            <a:prstTxWarp prst="textNoShape">
+              <a:avLst/>
+            </a:prstTxWarp>
+            <a:spAutoFit/>
+          </a:bodyPr>
+          <a:lstStyle/>
+          <a:p>
+            <a:pPr marL="0" marR="0" lvl="0" indent="0" algn="l" defTabSz="914400" rtl="0" eaLnBrk="0" fontAlgn="base" latinLnBrk="0" hangingPunct="0">
+              <a:lnSpc>
+                <a:spcPct val="100000"/>
+              </a:lnSpc>
+              <a:spcBef>
+                <a:spcPct val="0"/>
+              </a:spcBef>
+              <a:spcAft>
+                <a:spcPct val="0"/>
+              </a:spcAft>
+              <a:buClrTx/>
+              <a:buSzTx/>
+              <a:buFontTx/>
+              <a:buNone/>
+              <a:tabLst/>
+            </a:pPr>
+            <a:r>
+              <a:rPr kumimoji="0" lang="en-US" altLang="en-US" sz="2400" b="1" i="0" u="none" strike="noStrike" cap="none" normalizeH="0" baseline="0" dirty="0" smtClean="0">
+                <a:ln>
+                  <a:noFill/>
+                </a:ln>
+                <a:solidFill>
+                  <a:srgbClr val="000080"/>
+                </a:solidFill>
+                <a:effectLst/>
+                <a:latin typeface="Courier New" panose="02070309020205020404" pitchFamily="49" charset="0"/>
+                <a:cs typeface="Courier New" panose="02070309020205020404" pitchFamily="49" charset="0"/>
+              </a:rPr>
+              <a:t>extern </a:t>
+            </a:r>
+            <a:r>
+              <a:rPr kumimoji="0" lang="en-US" altLang="en-US" sz="2400" b="1" i="0" u="none" strike="noStrike" cap="none" normalizeH="0" baseline="0" dirty="0" smtClean="0">
+                <a:ln>
+                  <a:noFill/>
+                </a:ln>
+                <a:solidFill>
+                  <a:srgbClr val="008000"/>
+                </a:solidFill>
+                <a:effectLst/>
+                <a:latin typeface="Courier New" panose="02070309020205020404" pitchFamily="49" charset="0"/>
+                <a:cs typeface="Courier New" panose="02070309020205020404" pitchFamily="49" charset="0"/>
+              </a:rPr>
+              <a:t>"C"</a:t>
+            </a:r>
+            <a:br>
+              <a:rPr kumimoji="0" lang="en-US" altLang="en-US" sz="2400" b="1" i="0" u="none" strike="noStrike" cap="none" normalizeH="0" baseline="0" dirty="0" smtClean="0">
+                <a:ln>
+                  <a:noFill/>
+                </a:ln>
+                <a:solidFill>
+                  <a:srgbClr val="008000"/>
+                </a:solidFill>
+                <a:effectLst/>
+                <a:latin typeface="Courier New" panose="02070309020205020404" pitchFamily="49" charset="0"/>
+                <a:cs typeface="Courier New" panose="02070309020205020404" pitchFamily="49" charset="0"/>
+              </a:rPr>
+            </a:br>
+            <a:r>
+              <a:rPr kumimoji="0" lang="en-US" altLang="en-US" sz="2400" b="0" i="0" u="none" strike="noStrike" cap="none" normalizeH="0" baseline="0" dirty="0" smtClean="0">
+                <a:ln>
+                  <a:noFill/>
+                </a:ln>
+                <a:solidFill>
+                  <a:srgbClr val="000000"/>
+                </a:solidFill>
+                <a:effectLst/>
+                <a:latin typeface="Courier New" panose="02070309020205020404" pitchFamily="49" charset="0"/>
+                <a:cs typeface="Courier New" panose="02070309020205020404" pitchFamily="49" charset="0"/>
+              </a:rPr>
+              <a:t>{</a:t>
+            </a:r>
+            <a:br>
+              <a:rPr kumimoji="0" lang="en-US" altLang="en-US" sz="2400" b="0" i="0" u="none" strike="noStrike" cap="none" normalizeH="0" baseline="0" dirty="0" smtClean="0">
+                <a:ln>
+                  <a:noFill/>
+                </a:ln>
+                <a:solidFill>
+                  <a:srgbClr val="000000"/>
+                </a:solidFill>
+                <a:effectLst/>
+                <a:latin typeface="Courier New" panose="02070309020205020404" pitchFamily="49" charset="0"/>
+                <a:cs typeface="Courier New" panose="02070309020205020404" pitchFamily="49" charset="0"/>
+              </a:rPr>
+            </a:br>
+            <a:r>
+              <a:rPr kumimoji="0" lang="en-US" altLang="en-US" sz="2400" b="0" i="0" u="none" strike="noStrike" cap="none" normalizeH="0" baseline="0" dirty="0" smtClean="0">
+                <a:ln>
+                  <a:noFill/>
+                </a:ln>
+                <a:solidFill>
+                  <a:srgbClr val="000000"/>
+                </a:solidFill>
+                <a:effectLst/>
+                <a:latin typeface="Courier New" panose="02070309020205020404" pitchFamily="49" charset="0"/>
+                <a:cs typeface="Courier New" panose="02070309020205020404" pitchFamily="49" charset="0"/>
+              </a:rPr>
+              <a:t> </a:t>
+            </a:r>
+            <a:r>
+              <a:rPr kumimoji="0" lang="en-US" altLang="en-US" sz="2400" b="0" i="1" u="none" strike="noStrike" cap="none" normalizeH="0" baseline="0" dirty="0" smtClean="0">
+                <a:ln>
+                  <a:noFill/>
+                </a:ln>
+                <a:solidFill>
+                  <a:srgbClr val="808080"/>
+                </a:solidFill>
+                <a:effectLst/>
+                <a:latin typeface="Courier New" panose="02070309020205020404" pitchFamily="49" charset="0"/>
+                <a:cs typeface="Courier New" panose="02070309020205020404" pitchFamily="49" charset="0"/>
+              </a:rPr>
+              <a:t>// JNI Functions</a:t>
+            </a:r>
+            <a:br>
+              <a:rPr kumimoji="0" lang="en-US" altLang="en-US" sz="2400" b="0" i="1" u="none" strike="noStrike" cap="none" normalizeH="0" baseline="0" dirty="0" smtClean="0">
+                <a:ln>
+                  <a:noFill/>
+                </a:ln>
+                <a:solidFill>
+                  <a:srgbClr val="808080"/>
+                </a:solidFill>
+                <a:effectLst/>
+                <a:latin typeface="Courier New" panose="02070309020205020404" pitchFamily="49" charset="0"/>
+                <a:cs typeface="Courier New" panose="02070309020205020404" pitchFamily="49" charset="0"/>
+              </a:rPr>
+            </a:br>
+            <a:r>
+              <a:rPr kumimoji="0" lang="en-US" altLang="en-US" sz="2400" b="0" i="0" u="none" strike="noStrike" cap="none" normalizeH="0" baseline="0" dirty="0" smtClean="0">
+                <a:ln>
+                  <a:noFill/>
+                </a:ln>
+                <a:solidFill>
+                  <a:srgbClr val="000000"/>
+                </a:solidFill>
+                <a:effectLst/>
+                <a:latin typeface="Courier New" panose="02070309020205020404" pitchFamily="49" charset="0"/>
+                <a:cs typeface="Courier New" panose="02070309020205020404" pitchFamily="49" charset="0"/>
+              </a:rPr>
+              <a:t>}</a:t>
+            </a:r>
+            <a:endParaRPr kumimoji="0" lang="en-US" altLang="en-US" sz="2400" b="0" i="0" u="none" strike="noStrike" cap="none" normalizeH="0" baseline="0" dirty="0" smtClean="0">
+              <a:ln>
+                <a:noFill/>
+              </a:ln>
+              <a:solidFill>
+                <a:schemeClr val="tx1"/>
+              </a:solidFill>
+              <a:effectLst/>
+              <a:latin typeface="Arial" panose="020B0604020202020204" pitchFamily="34" charset="0"/>
+            </a:endParaRPr>
+          </a:p>
+        </p:txBody>
+      </p:sp>
+      <p:pic>
+        <p:nvPicPr>
+          <p:cNvPr id="9" name="Picture 8"/>
+          <p:cNvPicPr>
+            <a:picLocks noChangeAspect="1"/>
+          </p:cNvPicPr>
+          <p:nvPr/>
+        </p:nvPicPr>
+        <p:blipFill>
+          <a:blip r:embed="rId5">
+            <a:extLst>
+              <a:ext uri="{28A0092B-C50C-407E-A947-70E740481C1C}">
+                <a14:useLocalDpi xmlns:a14="http://schemas.microsoft.com/office/drawing/2010/main" val="0"/>
+              </a:ext>
+            </a:extLst>
+          </a:blip>
+          <a:stretch>
+            <a:fillRect/>
+          </a:stretch>
+        </p:blipFill>
+        <p:spPr>
+          <a:xfrm>
+            <a:off x="441435" y="4712270"/>
+            <a:ext cx="15455036" cy="967000"/>
+          </a:xfrm>
+          <a:prstGeom prst="rect">
+            <a:avLst/>
+          </a:prstGeom>
+          <a:ln>
+            <a:solidFill>
+              <a:schemeClr val="tx1"/>
+            </a:solidFill>
+          </a:ln>
+        </p:spPr>
+      </p:pic>
+      <p:pic>
+        <p:nvPicPr>
+          <p:cNvPr id="10" name="Picture 9"/>
+          <p:cNvPicPr>
+            <a:picLocks noChangeAspect="1"/>
+          </p:cNvPicPr>
+          <p:nvPr/>
+        </p:nvPicPr>
+        <p:blipFill>
+          <a:blip r:embed="rId6">
+            <a:extLst>
+              <a:ext uri="{28A0092B-C50C-407E-A947-70E740481C1C}">
+                <a14:useLocalDpi xmlns:a14="http://schemas.microsoft.com/office/drawing/2010/main" val="0"/>
+              </a:ext>
+            </a:extLst>
+          </a:blip>
+          <a:stretch>
+            <a:fillRect/>
+          </a:stretch>
+        </p:blipFill>
+        <p:spPr>
+          <a:xfrm>
+            <a:off x="838200" y="3872414"/>
+            <a:ext cx="15736566" cy="1251612"/>
+          </a:xfrm>
+          <a:prstGeom prst="rect">
+            <a:avLst/>
+          </a:prstGeom>
+          <a:ln>
+            <a:solidFill>
+              <a:schemeClr val="tx1"/>
+            </a:solidFill>
+          </a:ln>
+        </p:spPr>
+      </p:pic>
+      <p:pic>
+        <p:nvPicPr>
+          <p:cNvPr id="11" name="Picture 10"/>
+          <p:cNvPicPr>
+            <a:picLocks noChangeAspect="1"/>
+          </p:cNvPicPr>
+          <p:nvPr/>
+        </p:nvPicPr>
+        <p:blipFill>
+          <a:blip r:embed="rId7">
+            <a:extLst>
+              <a:ext uri="{28A0092B-C50C-407E-A947-70E740481C1C}">
+                <a14:useLocalDpi xmlns:a14="http://schemas.microsoft.com/office/drawing/2010/main" val="0"/>
+              </a:ext>
+            </a:extLst>
+          </a:blip>
+          <a:stretch>
+            <a:fillRect/>
+          </a:stretch>
+        </p:blipFill>
+        <p:spPr>
+          <a:xfrm>
+            <a:off x="2921205" y="4283027"/>
+            <a:ext cx="11426191" cy="2527177"/>
+          </a:xfrm>
+          <a:prstGeom prst="rect">
+            <a:avLst/>
+          </a:prstGeom>
+          <a:ln>
+            <a:solidFill>
+              <a:schemeClr val="tx1"/>
+            </a:solidFill>
+          </a:ln>
+        </p:spPr>
+      </p:pic>
     </p:spTree>
     <p:extLst>
       <p:ext uri="{BB962C8B-B14F-4D97-AF65-F5344CB8AC3E}">
-        <p14:creationId xmlns:p14="http://schemas.microsoft.com/office/powerpoint/2010/main" val="670405104"/>
-      </p:ext>
-    </p:extLst>
-  </p:cSld>
-  <p:clrMapOvr>
-    <a:masterClrMapping/>
-  </p:clrMapOvr>
-  <p:timing>
-    <p:tnLst>
-      <p:par>
-        <p:cTn id="1" dur="indefinite" restart="never" nodeType="tmRoot"/>
-      </p:par>
-    </p:tnLst>
-  </p:timing>
-</p:sld>
-</file>
-
-<file path=ppt/slides/slide8.xml><?xml version="1.0" encoding="utf-8"?>
-<p:sld xmlns:a="http://schemas.openxmlformats.org/drawingml/2006/main" xmlns:r="http://schemas.openxmlformats.org/officeDocument/2006/relationships" xmlns:p="http://schemas.openxmlformats.org/presentationml/2006/main">
-  <p:cSld>
-    <p:spTree>
-      <p:nvGrpSpPr>
-        <p:cNvPr id="1" name=""/>
-        <p:cNvGrpSpPr/>
-        <p:nvPr/>
-      </p:nvGrpSpPr>
-      <p:grpSpPr>
-        <a:xfrm>
-          <a:off x="0" y="0"/>
-          <a:ext cx="0" cy="0"/>
-          <a:chOff x="0" y="0"/>
-          <a:chExt cx="0" cy="0"/>
-        </a:xfrm>
-      </p:grpSpPr>
-      <p:sp>
-        <p:nvSpPr>
-          <p:cNvPr id="2" name="Title 1"/>
-          <p:cNvSpPr>
-            <a:spLocks noGrp="1"/>
-          </p:cNvSpPr>
-          <p:nvPr>
-            <p:ph type="title"/>
-          </p:nvPr>
-        </p:nvSpPr>
-        <p:spPr/>
-        <p:txBody>
-          <a:bodyPr/>
-          <a:lstStyle/>
-          <a:p>
-            <a:pPr algn="ctr"/>
-            <a:r>
-              <a:rPr lang="en-US" dirty="0" smtClean="0"/>
-              <a:t>Reduce APK size by reducing C/C++ artefacts</a:t>
-            </a:r>
-            <a:endParaRPr lang="en-US" dirty="0"/>
-          </a:p>
-        </p:txBody>
-      </p:sp>
-      <p:sp>
-        <p:nvSpPr>
-          <p:cNvPr id="3" name="Content Placeholder 2"/>
-          <p:cNvSpPr>
-            <a:spLocks noGrp="1"/>
-          </p:cNvSpPr>
-          <p:nvPr>
-            <p:ph idx="1"/>
-          </p:nvPr>
-        </p:nvSpPr>
-        <p:spPr/>
-        <p:txBody>
-          <a:bodyPr/>
-          <a:lstStyle/>
-          <a:p>
-            <a:endParaRPr lang="en-US" dirty="0" smtClean="0"/>
-          </a:p>
-          <a:p>
-            <a:r>
-              <a:rPr lang="en-US" dirty="0" smtClean="0"/>
-              <a:t>Disable C++ exception support </a:t>
-            </a:r>
-          </a:p>
-          <a:p>
-            <a:r>
-              <a:rPr lang="en-US" dirty="0" smtClean="0"/>
-              <a:t>Disable RTTI</a:t>
-            </a:r>
-          </a:p>
-          <a:p>
-            <a:r>
-              <a:rPr lang="en-US" dirty="0" smtClean="0"/>
-              <a:t>Strip debug symbols</a:t>
-            </a:r>
-          </a:p>
-          <a:p>
-            <a:endParaRPr lang="en-US" dirty="0"/>
-          </a:p>
-        </p:txBody>
-      </p:sp>
-    </p:spTree>
-    <p:extLst>
-      <p:ext uri="{BB962C8B-B14F-4D97-AF65-F5344CB8AC3E}">
-        <p14:creationId xmlns:p14="http://schemas.microsoft.com/office/powerpoint/2010/main" val="3291943501"/>
+        <p14:creationId xmlns:p14="http://schemas.microsoft.com/office/powerpoint/2010/main" val="361249591"/>
       </p:ext>
     </p:extLst>
   </p:cSld>
@@ -6484,7 +8753,7 @@
             <a:pPr algn="ctr"/>
             <a:r>
               <a:rPr lang="en-US" dirty="0" smtClean="0"/>
-              <a:t>Crash handling</a:t>
+              <a:t>Exception handling</a:t>
             </a:r>
             <a:endParaRPr lang="en-US" dirty="0"/>
           </a:p>
@@ -6492,7 +8761,7 @@
       </p:sp>
       <p:sp>
         <p:nvSpPr>
-          <p:cNvPr id="10" name="Content Placeholder 9"/>
+          <p:cNvPr id="3" name="Content Placeholder 2"/>
           <p:cNvSpPr>
             <a:spLocks noGrp="1"/>
           </p:cNvSpPr>
@@ -6507,16 +8776,1110 @@
           <a:p>
             <a:r>
               <a:rPr lang="en-US" dirty="0" smtClean="0"/>
-              <a:t>Google Developer Console example</a:t>
-            </a:r>
+              <a:t>C++ exception </a:t>
+            </a:r>
+            <a:r>
+              <a:rPr lang="en-US" dirty="0" smtClean="0"/>
+              <a:t>support</a:t>
+            </a:r>
+          </a:p>
+          <a:p>
+            <a:pPr lvl="1"/>
+            <a:r>
+              <a:rPr lang="en-US" altLang="en-US" b="1" dirty="0">
+                <a:solidFill>
+                  <a:srgbClr val="008000"/>
+                </a:solidFill>
+                <a:latin typeface="Courier New" panose="02070309020205020404" pitchFamily="49" charset="0"/>
+                <a:cs typeface="Courier New" panose="02070309020205020404" pitchFamily="49" charset="0"/>
+              </a:rPr>
+              <a:t>-</a:t>
+            </a:r>
+            <a:r>
+              <a:rPr lang="en-US" altLang="en-US" b="1" dirty="0" err="1">
+                <a:solidFill>
+                  <a:srgbClr val="008000"/>
+                </a:solidFill>
+                <a:latin typeface="Courier New" panose="02070309020205020404" pitchFamily="49" charset="0"/>
+                <a:cs typeface="Courier New" panose="02070309020205020404" pitchFamily="49" charset="0"/>
+              </a:rPr>
+              <a:t>fexceptions</a:t>
+            </a:r>
+            <a:endParaRPr lang="en-US" dirty="0" smtClean="0"/>
+          </a:p>
+          <a:p>
             <a:endParaRPr lang="en-US" dirty="0"/>
+          </a:p>
+        </p:txBody>
+      </p:sp>
+      <p:sp>
+        <p:nvSpPr>
+          <p:cNvPr id="5" name="Rectangle 2"/>
+          <p:cNvSpPr>
+            <a:spLocks noChangeArrowheads="1"/>
+          </p:cNvSpPr>
+          <p:nvPr/>
+        </p:nvSpPr>
+        <p:spPr bwMode="auto">
+          <a:xfrm>
+            <a:off x="838200" y="3607931"/>
+            <a:ext cx="9601201" cy="2246769"/>
+          </a:xfrm>
+          <a:prstGeom prst="rect">
+            <a:avLst/>
+          </a:prstGeom>
+          <a:solidFill>
+            <a:srgbClr val="FFFFFF"/>
+          </a:solidFill>
+          <a:ln>
+            <a:noFill/>
+          </a:ln>
+          <a:effectLst/>
+          <a:extLst>
+            <a:ext uri="{91240B29-F687-4F45-9708-019B960494DF}">
+              <a14:hiddenLine xmlns:a14="http://schemas.microsoft.com/office/drawing/2010/main" w="9525">
+                <a:solidFill>
+                  <a:schemeClr val="tx1"/>
+                </a:solidFill>
+                <a:miter lim="800000"/>
+                <a:headEnd/>
+                <a:tailEnd/>
+              </a14:hiddenLine>
+            </a:ext>
+            <a:ext uri="{AF507438-7753-43E0-B8FC-AC1667EBCBE1}">
+              <a14:hiddenEffects xmlns:a14="http://schemas.microsoft.com/office/drawing/2010/main">
+                <a:effectLst>
+                  <a:outerShdw dist="35921" dir="2700000" algn="ctr" rotWithShape="0">
+                    <a:schemeClr val="bg2"/>
+                  </a:outerShdw>
+                </a:effectLst>
+              </a14:hiddenEffects>
+            </a:ext>
+          </a:extLst>
+        </p:spPr>
+        <p:txBody>
+          <a:bodyPr vert="horz" wrap="square" lIns="91440" tIns="45720" rIns="91440" bIns="45720" numCol="1" anchor="ctr" anchorCtr="0" compatLnSpc="1">
+            <a:prstTxWarp prst="textNoShape">
+              <a:avLst/>
+            </a:prstTxWarp>
+            <a:spAutoFit/>
+          </a:bodyPr>
+          <a:lstStyle/>
+          <a:p>
+            <a:pPr marL="0" marR="0" lvl="0" indent="0" algn="l" defTabSz="914400" rtl="0" eaLnBrk="0" fontAlgn="base" latinLnBrk="0" hangingPunct="0">
+              <a:lnSpc>
+                <a:spcPct val="100000"/>
+              </a:lnSpc>
+              <a:spcBef>
+                <a:spcPct val="0"/>
+              </a:spcBef>
+              <a:spcAft>
+                <a:spcPct val="0"/>
+              </a:spcAft>
+              <a:buClrTx/>
+              <a:buSzTx/>
+              <a:buFontTx/>
+              <a:buNone/>
+              <a:tabLst/>
+            </a:pPr>
+            <a:r>
+              <a:rPr kumimoji="0" lang="en-US" altLang="en-US" sz="1000" b="0" i="0" u="none" strike="noStrike" cap="none" normalizeH="0" baseline="0" dirty="0" smtClean="0">
+                <a:ln>
+                  <a:noFill/>
+                </a:ln>
+                <a:solidFill>
+                  <a:srgbClr val="000000"/>
+                </a:solidFill>
+                <a:effectLst/>
+                <a:latin typeface="Courier New" panose="02070309020205020404" pitchFamily="49" charset="0"/>
+                <a:cs typeface="Courier New" panose="02070309020205020404" pitchFamily="49" charset="0"/>
+              </a:rPr>
+              <a:t>android {</a:t>
+            </a:r>
+            <a:br>
+              <a:rPr kumimoji="0" lang="en-US" altLang="en-US" sz="1000" b="0" i="0" u="none" strike="noStrike" cap="none" normalizeH="0" baseline="0" dirty="0" smtClean="0">
+                <a:ln>
+                  <a:noFill/>
+                </a:ln>
+                <a:solidFill>
+                  <a:srgbClr val="000000"/>
+                </a:solidFill>
+                <a:effectLst/>
+                <a:latin typeface="Courier New" panose="02070309020205020404" pitchFamily="49" charset="0"/>
+                <a:cs typeface="Courier New" panose="02070309020205020404" pitchFamily="49" charset="0"/>
+              </a:rPr>
+            </a:br>
+            <a:r>
+              <a:rPr kumimoji="0" lang="en-US" altLang="en-US" sz="1000" b="0" i="0" u="none" strike="noStrike" cap="none" normalizeH="0" baseline="0" dirty="0" smtClean="0">
+                <a:ln>
+                  <a:noFill/>
+                </a:ln>
+                <a:solidFill>
+                  <a:srgbClr val="000000"/>
+                </a:solidFill>
+                <a:effectLst/>
+                <a:latin typeface="Courier New" panose="02070309020205020404" pitchFamily="49" charset="0"/>
+                <a:cs typeface="Courier New" panose="02070309020205020404" pitchFamily="49" charset="0"/>
+              </a:rPr>
+              <a:t>    </a:t>
+            </a:r>
+            <a:r>
+              <a:rPr kumimoji="0" lang="en-US" altLang="en-US" sz="1000" b="0" i="0" u="none" strike="noStrike" cap="none" normalizeH="0" baseline="0" dirty="0" err="1" smtClean="0">
+                <a:ln>
+                  <a:noFill/>
+                </a:ln>
+                <a:solidFill>
+                  <a:srgbClr val="000000"/>
+                </a:solidFill>
+                <a:effectLst/>
+                <a:latin typeface="Courier New" panose="02070309020205020404" pitchFamily="49" charset="0"/>
+                <a:cs typeface="Courier New" panose="02070309020205020404" pitchFamily="49" charset="0"/>
+              </a:rPr>
+              <a:t>compileSdkVersion</a:t>
+            </a:r>
+            <a:r>
+              <a:rPr kumimoji="0" lang="en-US" altLang="en-US" sz="1000" b="0" i="0" u="none" strike="noStrike" cap="none" normalizeH="0" baseline="0" dirty="0" smtClean="0">
+                <a:ln>
+                  <a:noFill/>
+                </a:ln>
+                <a:solidFill>
+                  <a:srgbClr val="000000"/>
+                </a:solidFill>
+                <a:effectLst/>
+                <a:latin typeface="Courier New" panose="02070309020205020404" pitchFamily="49" charset="0"/>
+                <a:cs typeface="Courier New" panose="02070309020205020404" pitchFamily="49" charset="0"/>
+              </a:rPr>
+              <a:t> </a:t>
+            </a:r>
+            <a:r>
+              <a:rPr kumimoji="0" lang="en-US" altLang="en-US" sz="1000" b="0" i="0" u="none" strike="noStrike" cap="none" normalizeH="0" baseline="0" dirty="0" smtClean="0">
+                <a:ln>
+                  <a:noFill/>
+                </a:ln>
+                <a:solidFill>
+                  <a:srgbClr val="0000FF"/>
+                </a:solidFill>
+                <a:effectLst/>
+                <a:latin typeface="Courier New" panose="02070309020205020404" pitchFamily="49" charset="0"/>
+                <a:cs typeface="Courier New" panose="02070309020205020404" pitchFamily="49" charset="0"/>
+              </a:rPr>
+              <a:t>26</a:t>
+            </a:r>
+            <a:br>
+              <a:rPr kumimoji="0" lang="en-US" altLang="en-US" sz="1000" b="0" i="0" u="none" strike="noStrike" cap="none" normalizeH="0" baseline="0" dirty="0" smtClean="0">
+                <a:ln>
+                  <a:noFill/>
+                </a:ln>
+                <a:solidFill>
+                  <a:srgbClr val="0000FF"/>
+                </a:solidFill>
+                <a:effectLst/>
+                <a:latin typeface="Courier New" panose="02070309020205020404" pitchFamily="49" charset="0"/>
+                <a:cs typeface="Courier New" panose="02070309020205020404" pitchFamily="49" charset="0"/>
+              </a:rPr>
+            </a:br>
+            <a:r>
+              <a:rPr kumimoji="0" lang="en-US" altLang="en-US" sz="1000" b="0" i="0" u="none" strike="noStrike" cap="none" normalizeH="0" baseline="0" dirty="0" smtClean="0">
+                <a:ln>
+                  <a:noFill/>
+                </a:ln>
+                <a:solidFill>
+                  <a:srgbClr val="0000FF"/>
+                </a:solidFill>
+                <a:effectLst/>
+                <a:latin typeface="Courier New" panose="02070309020205020404" pitchFamily="49" charset="0"/>
+                <a:cs typeface="Courier New" panose="02070309020205020404" pitchFamily="49" charset="0"/>
+              </a:rPr>
+              <a:t>    </a:t>
+            </a:r>
+            <a:r>
+              <a:rPr kumimoji="0" lang="en-US" altLang="en-US" sz="1000" b="0" i="0" u="none" strike="noStrike" cap="none" normalizeH="0" baseline="0" dirty="0" err="1" smtClean="0">
+                <a:ln>
+                  <a:noFill/>
+                </a:ln>
+                <a:solidFill>
+                  <a:srgbClr val="000000"/>
+                </a:solidFill>
+                <a:effectLst/>
+                <a:latin typeface="Courier New" panose="02070309020205020404" pitchFamily="49" charset="0"/>
+                <a:cs typeface="Courier New" panose="02070309020205020404" pitchFamily="49" charset="0"/>
+              </a:rPr>
+              <a:t>defaultConfig</a:t>
+            </a:r>
+            <a:r>
+              <a:rPr kumimoji="0" lang="en-US" altLang="en-US" sz="1000" b="0" i="0" u="none" strike="noStrike" cap="none" normalizeH="0" baseline="0" dirty="0" smtClean="0">
+                <a:ln>
+                  <a:noFill/>
+                </a:ln>
+                <a:solidFill>
+                  <a:srgbClr val="000000"/>
+                </a:solidFill>
+                <a:effectLst/>
+                <a:latin typeface="Courier New" panose="02070309020205020404" pitchFamily="49" charset="0"/>
+                <a:cs typeface="Courier New" panose="02070309020205020404" pitchFamily="49" charset="0"/>
+              </a:rPr>
+              <a:t> {</a:t>
+            </a:r>
+            <a:br>
+              <a:rPr kumimoji="0" lang="en-US" altLang="en-US" sz="1000" b="0" i="0" u="none" strike="noStrike" cap="none" normalizeH="0" baseline="0" dirty="0" smtClean="0">
+                <a:ln>
+                  <a:noFill/>
+                </a:ln>
+                <a:solidFill>
+                  <a:srgbClr val="000000"/>
+                </a:solidFill>
+                <a:effectLst/>
+                <a:latin typeface="Courier New" panose="02070309020205020404" pitchFamily="49" charset="0"/>
+                <a:cs typeface="Courier New" panose="02070309020205020404" pitchFamily="49" charset="0"/>
+              </a:rPr>
+            </a:br>
+            <a:r>
+              <a:rPr kumimoji="0" lang="en-US" altLang="en-US" sz="1000" b="0" i="0" u="none" strike="noStrike" cap="none" normalizeH="0" baseline="0" dirty="0" smtClean="0">
+                <a:ln>
+                  <a:noFill/>
+                </a:ln>
+                <a:solidFill>
+                  <a:srgbClr val="000000"/>
+                </a:solidFill>
+                <a:effectLst/>
+                <a:latin typeface="Courier New" panose="02070309020205020404" pitchFamily="49" charset="0"/>
+                <a:cs typeface="Courier New" panose="02070309020205020404" pitchFamily="49" charset="0"/>
+              </a:rPr>
+              <a:t>        </a:t>
+            </a:r>
+            <a:r>
+              <a:rPr kumimoji="0" lang="en-US" altLang="en-US" sz="1000" b="0" i="0" u="none" strike="noStrike" cap="none" normalizeH="0" baseline="0" dirty="0" err="1" smtClean="0">
+                <a:ln>
+                  <a:noFill/>
+                </a:ln>
+                <a:solidFill>
+                  <a:srgbClr val="000000"/>
+                </a:solidFill>
+                <a:effectLst/>
+                <a:latin typeface="Courier New" panose="02070309020205020404" pitchFamily="49" charset="0"/>
+                <a:cs typeface="Courier New" panose="02070309020205020404" pitchFamily="49" charset="0"/>
+              </a:rPr>
+              <a:t>applicationId</a:t>
+            </a:r>
+            <a:r>
+              <a:rPr kumimoji="0" lang="en-US" altLang="en-US" sz="1000" b="0" i="0" u="none" strike="noStrike" cap="none" normalizeH="0" baseline="0" dirty="0" smtClean="0">
+                <a:ln>
+                  <a:noFill/>
+                </a:ln>
+                <a:solidFill>
+                  <a:srgbClr val="000000"/>
+                </a:solidFill>
+                <a:effectLst/>
+                <a:latin typeface="Courier New" panose="02070309020205020404" pitchFamily="49" charset="0"/>
+                <a:cs typeface="Courier New" panose="02070309020205020404" pitchFamily="49" charset="0"/>
+              </a:rPr>
+              <a:t> </a:t>
+            </a:r>
+            <a:r>
+              <a:rPr kumimoji="0" lang="en-US" altLang="en-US" sz="1000" b="1" i="0" u="none" strike="noStrike" cap="none" normalizeH="0" baseline="0" dirty="0" smtClean="0">
+                <a:ln>
+                  <a:noFill/>
+                </a:ln>
+                <a:solidFill>
+                  <a:srgbClr val="008000"/>
+                </a:solidFill>
+                <a:effectLst/>
+                <a:latin typeface="Courier New" panose="02070309020205020404" pitchFamily="49" charset="0"/>
+                <a:cs typeface="Courier New" panose="02070309020205020404" pitchFamily="49" charset="0"/>
+              </a:rPr>
+              <a:t>"</a:t>
+            </a:r>
+            <a:r>
+              <a:rPr kumimoji="0" lang="en-US" altLang="en-US" sz="1000" b="1" i="0" u="none" strike="noStrike" cap="none" normalizeH="0" baseline="0" dirty="0" err="1" smtClean="0">
+                <a:ln>
+                  <a:noFill/>
+                </a:ln>
+                <a:solidFill>
+                  <a:srgbClr val="008000"/>
+                </a:solidFill>
+                <a:effectLst/>
+                <a:latin typeface="Courier New" panose="02070309020205020404" pitchFamily="49" charset="0"/>
+                <a:cs typeface="Courier New" panose="02070309020205020404" pitchFamily="49" charset="0"/>
+              </a:rPr>
+              <a:t>com.softserveinc.ndkexampledemo</a:t>
+            </a:r>
+            <a:r>
+              <a:rPr kumimoji="0" lang="en-US" altLang="en-US" sz="1000" b="1" i="0" u="none" strike="noStrike" cap="none" normalizeH="0" baseline="0" dirty="0" smtClean="0">
+                <a:ln>
+                  <a:noFill/>
+                </a:ln>
+                <a:solidFill>
+                  <a:srgbClr val="008000"/>
+                </a:solidFill>
+                <a:effectLst/>
+                <a:latin typeface="Courier New" panose="02070309020205020404" pitchFamily="49" charset="0"/>
+                <a:cs typeface="Courier New" panose="02070309020205020404" pitchFamily="49" charset="0"/>
+              </a:rPr>
+              <a:t>"</a:t>
+            </a:r>
+            <a:br>
+              <a:rPr kumimoji="0" lang="en-US" altLang="en-US" sz="1000" b="1" i="0" u="none" strike="noStrike" cap="none" normalizeH="0" baseline="0" dirty="0" smtClean="0">
+                <a:ln>
+                  <a:noFill/>
+                </a:ln>
+                <a:solidFill>
+                  <a:srgbClr val="008000"/>
+                </a:solidFill>
+                <a:effectLst/>
+                <a:latin typeface="Courier New" panose="02070309020205020404" pitchFamily="49" charset="0"/>
+                <a:cs typeface="Courier New" panose="02070309020205020404" pitchFamily="49" charset="0"/>
+              </a:rPr>
+            </a:br>
+            <a:r>
+              <a:rPr kumimoji="0" lang="en-US" altLang="en-US" sz="1000" b="1" i="0" u="none" strike="noStrike" cap="none" normalizeH="0" baseline="0" dirty="0" smtClean="0">
+                <a:ln>
+                  <a:noFill/>
+                </a:ln>
+                <a:solidFill>
+                  <a:srgbClr val="008000"/>
+                </a:solidFill>
+                <a:effectLst/>
+                <a:latin typeface="Courier New" panose="02070309020205020404" pitchFamily="49" charset="0"/>
+                <a:cs typeface="Courier New" panose="02070309020205020404" pitchFamily="49" charset="0"/>
+              </a:rPr>
+              <a:t>        </a:t>
+            </a:r>
+            <a:r>
+              <a:rPr kumimoji="0" lang="en-US" altLang="en-US" sz="1000" b="0" i="0" u="none" strike="noStrike" cap="none" normalizeH="0" baseline="0" dirty="0" err="1" smtClean="0">
+                <a:ln>
+                  <a:noFill/>
+                </a:ln>
+                <a:solidFill>
+                  <a:srgbClr val="000000"/>
+                </a:solidFill>
+                <a:effectLst/>
+                <a:latin typeface="Courier New" panose="02070309020205020404" pitchFamily="49" charset="0"/>
+                <a:cs typeface="Courier New" panose="02070309020205020404" pitchFamily="49" charset="0"/>
+              </a:rPr>
+              <a:t>minSdkVersion</a:t>
+            </a:r>
+            <a:r>
+              <a:rPr kumimoji="0" lang="en-US" altLang="en-US" sz="1000" b="0" i="0" u="none" strike="noStrike" cap="none" normalizeH="0" baseline="0" dirty="0" smtClean="0">
+                <a:ln>
+                  <a:noFill/>
+                </a:ln>
+                <a:solidFill>
+                  <a:srgbClr val="000000"/>
+                </a:solidFill>
+                <a:effectLst/>
+                <a:latin typeface="Courier New" panose="02070309020205020404" pitchFamily="49" charset="0"/>
+                <a:cs typeface="Courier New" panose="02070309020205020404" pitchFamily="49" charset="0"/>
+              </a:rPr>
+              <a:t> </a:t>
+            </a:r>
+            <a:r>
+              <a:rPr kumimoji="0" lang="en-US" altLang="en-US" sz="1000" b="0" i="0" u="none" strike="noStrike" cap="none" normalizeH="0" baseline="0" dirty="0" smtClean="0">
+                <a:ln>
+                  <a:noFill/>
+                </a:ln>
+                <a:solidFill>
+                  <a:srgbClr val="0000FF"/>
+                </a:solidFill>
+                <a:effectLst/>
+                <a:latin typeface="Courier New" panose="02070309020205020404" pitchFamily="49" charset="0"/>
+                <a:cs typeface="Courier New" panose="02070309020205020404" pitchFamily="49" charset="0"/>
+              </a:rPr>
+              <a:t>21</a:t>
+            </a:r>
+            <a:br>
+              <a:rPr kumimoji="0" lang="en-US" altLang="en-US" sz="1000" b="0" i="0" u="none" strike="noStrike" cap="none" normalizeH="0" baseline="0" dirty="0" smtClean="0">
+                <a:ln>
+                  <a:noFill/>
+                </a:ln>
+                <a:solidFill>
+                  <a:srgbClr val="0000FF"/>
+                </a:solidFill>
+                <a:effectLst/>
+                <a:latin typeface="Courier New" panose="02070309020205020404" pitchFamily="49" charset="0"/>
+                <a:cs typeface="Courier New" panose="02070309020205020404" pitchFamily="49" charset="0"/>
+              </a:rPr>
+            </a:br>
+            <a:r>
+              <a:rPr kumimoji="0" lang="en-US" altLang="en-US" sz="1000" b="0" i="0" u="none" strike="noStrike" cap="none" normalizeH="0" baseline="0" dirty="0" smtClean="0">
+                <a:ln>
+                  <a:noFill/>
+                </a:ln>
+                <a:solidFill>
+                  <a:srgbClr val="0000FF"/>
+                </a:solidFill>
+                <a:effectLst/>
+                <a:latin typeface="Courier New" panose="02070309020205020404" pitchFamily="49" charset="0"/>
+                <a:cs typeface="Courier New" panose="02070309020205020404" pitchFamily="49" charset="0"/>
+              </a:rPr>
+              <a:t>        </a:t>
+            </a:r>
+            <a:r>
+              <a:rPr kumimoji="0" lang="en-US" altLang="en-US" sz="1000" b="0" i="0" u="none" strike="noStrike" cap="none" normalizeH="0" baseline="0" dirty="0" err="1" smtClean="0">
+                <a:ln>
+                  <a:noFill/>
+                </a:ln>
+                <a:solidFill>
+                  <a:srgbClr val="000000"/>
+                </a:solidFill>
+                <a:effectLst/>
+                <a:latin typeface="Courier New" panose="02070309020205020404" pitchFamily="49" charset="0"/>
+                <a:cs typeface="Courier New" panose="02070309020205020404" pitchFamily="49" charset="0"/>
+              </a:rPr>
+              <a:t>targetSdkVersion</a:t>
+            </a:r>
+            <a:r>
+              <a:rPr kumimoji="0" lang="en-US" altLang="en-US" sz="1000" b="0" i="0" u="none" strike="noStrike" cap="none" normalizeH="0" baseline="0" dirty="0" smtClean="0">
+                <a:ln>
+                  <a:noFill/>
+                </a:ln>
+                <a:solidFill>
+                  <a:srgbClr val="000000"/>
+                </a:solidFill>
+                <a:effectLst/>
+                <a:latin typeface="Courier New" panose="02070309020205020404" pitchFamily="49" charset="0"/>
+                <a:cs typeface="Courier New" panose="02070309020205020404" pitchFamily="49" charset="0"/>
+              </a:rPr>
+              <a:t> </a:t>
+            </a:r>
+            <a:r>
+              <a:rPr kumimoji="0" lang="en-US" altLang="en-US" sz="1000" b="0" i="0" u="none" strike="noStrike" cap="none" normalizeH="0" baseline="0" dirty="0" smtClean="0">
+                <a:ln>
+                  <a:noFill/>
+                </a:ln>
+                <a:solidFill>
+                  <a:srgbClr val="0000FF"/>
+                </a:solidFill>
+                <a:effectLst/>
+                <a:latin typeface="Courier New" panose="02070309020205020404" pitchFamily="49" charset="0"/>
+                <a:cs typeface="Courier New" panose="02070309020205020404" pitchFamily="49" charset="0"/>
+              </a:rPr>
+              <a:t>26</a:t>
+            </a:r>
+            <a:br>
+              <a:rPr kumimoji="0" lang="en-US" altLang="en-US" sz="1000" b="0" i="0" u="none" strike="noStrike" cap="none" normalizeH="0" baseline="0" dirty="0" smtClean="0">
+                <a:ln>
+                  <a:noFill/>
+                </a:ln>
+                <a:solidFill>
+                  <a:srgbClr val="0000FF"/>
+                </a:solidFill>
+                <a:effectLst/>
+                <a:latin typeface="Courier New" panose="02070309020205020404" pitchFamily="49" charset="0"/>
+                <a:cs typeface="Courier New" panose="02070309020205020404" pitchFamily="49" charset="0"/>
+              </a:rPr>
+            </a:br>
+            <a:r>
+              <a:rPr kumimoji="0" lang="en-US" altLang="en-US" sz="1000" b="0" i="0" u="none" strike="noStrike" cap="none" normalizeH="0" baseline="0" dirty="0" smtClean="0">
+                <a:ln>
+                  <a:noFill/>
+                </a:ln>
+                <a:solidFill>
+                  <a:srgbClr val="0000FF"/>
+                </a:solidFill>
+                <a:effectLst/>
+                <a:latin typeface="Courier New" panose="02070309020205020404" pitchFamily="49" charset="0"/>
+                <a:cs typeface="Courier New" panose="02070309020205020404" pitchFamily="49" charset="0"/>
+              </a:rPr>
+              <a:t>        </a:t>
+            </a:r>
+            <a:r>
+              <a:rPr kumimoji="0" lang="en-US" altLang="en-US" sz="1000" b="0" i="0" u="none" strike="noStrike" cap="none" normalizeH="0" baseline="0" dirty="0" err="1" smtClean="0">
+                <a:ln>
+                  <a:noFill/>
+                </a:ln>
+                <a:solidFill>
+                  <a:srgbClr val="000000"/>
+                </a:solidFill>
+                <a:effectLst/>
+                <a:latin typeface="Courier New" panose="02070309020205020404" pitchFamily="49" charset="0"/>
+                <a:cs typeface="Courier New" panose="02070309020205020404" pitchFamily="49" charset="0"/>
+              </a:rPr>
+              <a:t>versionCode</a:t>
+            </a:r>
+            <a:r>
+              <a:rPr kumimoji="0" lang="en-US" altLang="en-US" sz="1000" b="0" i="0" u="none" strike="noStrike" cap="none" normalizeH="0" baseline="0" dirty="0" smtClean="0">
+                <a:ln>
+                  <a:noFill/>
+                </a:ln>
+                <a:solidFill>
+                  <a:srgbClr val="000000"/>
+                </a:solidFill>
+                <a:effectLst/>
+                <a:latin typeface="Courier New" panose="02070309020205020404" pitchFamily="49" charset="0"/>
+                <a:cs typeface="Courier New" panose="02070309020205020404" pitchFamily="49" charset="0"/>
+              </a:rPr>
+              <a:t> </a:t>
+            </a:r>
+            <a:r>
+              <a:rPr kumimoji="0" lang="en-US" altLang="en-US" sz="1000" b="0" i="0" u="none" strike="noStrike" cap="none" normalizeH="0" baseline="0" dirty="0" smtClean="0">
+                <a:ln>
+                  <a:noFill/>
+                </a:ln>
+                <a:solidFill>
+                  <a:srgbClr val="0000FF"/>
+                </a:solidFill>
+                <a:effectLst/>
+                <a:latin typeface="Courier New" panose="02070309020205020404" pitchFamily="49" charset="0"/>
+                <a:cs typeface="Courier New" panose="02070309020205020404" pitchFamily="49" charset="0"/>
+              </a:rPr>
+              <a:t>1</a:t>
+            </a:r>
+            <a:br>
+              <a:rPr kumimoji="0" lang="en-US" altLang="en-US" sz="1000" b="0" i="0" u="none" strike="noStrike" cap="none" normalizeH="0" baseline="0" dirty="0" smtClean="0">
+                <a:ln>
+                  <a:noFill/>
+                </a:ln>
+                <a:solidFill>
+                  <a:srgbClr val="0000FF"/>
+                </a:solidFill>
+                <a:effectLst/>
+                <a:latin typeface="Courier New" panose="02070309020205020404" pitchFamily="49" charset="0"/>
+                <a:cs typeface="Courier New" panose="02070309020205020404" pitchFamily="49" charset="0"/>
+              </a:rPr>
+            </a:br>
+            <a:r>
+              <a:rPr kumimoji="0" lang="en-US" altLang="en-US" sz="1000" b="0" i="0" u="none" strike="noStrike" cap="none" normalizeH="0" baseline="0" dirty="0" smtClean="0">
+                <a:ln>
+                  <a:noFill/>
+                </a:ln>
+                <a:solidFill>
+                  <a:srgbClr val="0000FF"/>
+                </a:solidFill>
+                <a:effectLst/>
+                <a:latin typeface="Courier New" panose="02070309020205020404" pitchFamily="49" charset="0"/>
+                <a:cs typeface="Courier New" panose="02070309020205020404" pitchFamily="49" charset="0"/>
+              </a:rPr>
+              <a:t>        </a:t>
+            </a:r>
+            <a:r>
+              <a:rPr kumimoji="0" lang="en-US" altLang="en-US" sz="1000" b="0" i="0" u="none" strike="noStrike" cap="none" normalizeH="0" baseline="0" dirty="0" err="1" smtClean="0">
+                <a:ln>
+                  <a:noFill/>
+                </a:ln>
+                <a:solidFill>
+                  <a:srgbClr val="000000"/>
+                </a:solidFill>
+                <a:effectLst/>
+                <a:latin typeface="Courier New" panose="02070309020205020404" pitchFamily="49" charset="0"/>
+                <a:cs typeface="Courier New" panose="02070309020205020404" pitchFamily="49" charset="0"/>
+              </a:rPr>
+              <a:t>versionName</a:t>
+            </a:r>
+            <a:r>
+              <a:rPr kumimoji="0" lang="en-US" altLang="en-US" sz="1000" b="0" i="0" u="none" strike="noStrike" cap="none" normalizeH="0" baseline="0" dirty="0" smtClean="0">
+                <a:ln>
+                  <a:noFill/>
+                </a:ln>
+                <a:solidFill>
+                  <a:srgbClr val="000000"/>
+                </a:solidFill>
+                <a:effectLst/>
+                <a:latin typeface="Courier New" panose="02070309020205020404" pitchFamily="49" charset="0"/>
+                <a:cs typeface="Courier New" panose="02070309020205020404" pitchFamily="49" charset="0"/>
+              </a:rPr>
+              <a:t> </a:t>
+            </a:r>
+            <a:r>
+              <a:rPr kumimoji="0" lang="en-US" altLang="en-US" sz="1000" b="1" i="0" u="none" strike="noStrike" cap="none" normalizeH="0" baseline="0" dirty="0" smtClean="0">
+                <a:ln>
+                  <a:noFill/>
+                </a:ln>
+                <a:solidFill>
+                  <a:srgbClr val="008000"/>
+                </a:solidFill>
+                <a:effectLst/>
+                <a:latin typeface="Courier New" panose="02070309020205020404" pitchFamily="49" charset="0"/>
+                <a:cs typeface="Courier New" panose="02070309020205020404" pitchFamily="49" charset="0"/>
+              </a:rPr>
+              <a:t>"1.0"</a:t>
+            </a:r>
+            <a:br>
+              <a:rPr kumimoji="0" lang="en-US" altLang="en-US" sz="1000" b="1" i="0" u="none" strike="noStrike" cap="none" normalizeH="0" baseline="0" dirty="0" smtClean="0">
+                <a:ln>
+                  <a:noFill/>
+                </a:ln>
+                <a:solidFill>
+                  <a:srgbClr val="008000"/>
+                </a:solidFill>
+                <a:effectLst/>
+                <a:latin typeface="Courier New" panose="02070309020205020404" pitchFamily="49" charset="0"/>
+                <a:cs typeface="Courier New" panose="02070309020205020404" pitchFamily="49" charset="0"/>
+              </a:rPr>
+            </a:br>
+            <a:r>
+              <a:rPr kumimoji="0" lang="en-US" altLang="en-US" sz="1000" b="1" i="0" u="none" strike="noStrike" cap="none" normalizeH="0" baseline="0" dirty="0" smtClean="0">
+                <a:ln>
+                  <a:noFill/>
+                </a:ln>
+                <a:solidFill>
+                  <a:srgbClr val="008000"/>
+                </a:solidFill>
+                <a:effectLst/>
+                <a:latin typeface="Courier New" panose="02070309020205020404" pitchFamily="49" charset="0"/>
+                <a:cs typeface="Courier New" panose="02070309020205020404" pitchFamily="49" charset="0"/>
+              </a:rPr>
+              <a:t>        </a:t>
+            </a:r>
+            <a:r>
+              <a:rPr kumimoji="0" lang="en-US" altLang="en-US" sz="1000" b="0" i="0" u="none" strike="noStrike" cap="none" normalizeH="0" baseline="0" dirty="0" err="1" smtClean="0">
+                <a:ln>
+                  <a:noFill/>
+                </a:ln>
+                <a:solidFill>
+                  <a:srgbClr val="000000"/>
+                </a:solidFill>
+                <a:effectLst/>
+                <a:latin typeface="Courier New" panose="02070309020205020404" pitchFamily="49" charset="0"/>
+                <a:cs typeface="Courier New" panose="02070309020205020404" pitchFamily="49" charset="0"/>
+              </a:rPr>
+              <a:t>externalNativeBuild</a:t>
+            </a:r>
+            <a:r>
+              <a:rPr kumimoji="0" lang="en-US" altLang="en-US" sz="1000" b="0" i="0" u="none" strike="noStrike" cap="none" normalizeH="0" baseline="0" dirty="0" smtClean="0">
+                <a:ln>
+                  <a:noFill/>
+                </a:ln>
+                <a:solidFill>
+                  <a:srgbClr val="000000"/>
+                </a:solidFill>
+                <a:effectLst/>
+                <a:latin typeface="Courier New" panose="02070309020205020404" pitchFamily="49" charset="0"/>
+                <a:cs typeface="Courier New" panose="02070309020205020404" pitchFamily="49" charset="0"/>
+              </a:rPr>
+              <a:t> {</a:t>
+            </a:r>
+            <a:br>
+              <a:rPr kumimoji="0" lang="en-US" altLang="en-US" sz="1000" b="0" i="0" u="none" strike="noStrike" cap="none" normalizeH="0" baseline="0" dirty="0" smtClean="0">
+                <a:ln>
+                  <a:noFill/>
+                </a:ln>
+                <a:solidFill>
+                  <a:srgbClr val="000000"/>
+                </a:solidFill>
+                <a:effectLst/>
+                <a:latin typeface="Courier New" panose="02070309020205020404" pitchFamily="49" charset="0"/>
+                <a:cs typeface="Courier New" panose="02070309020205020404" pitchFamily="49" charset="0"/>
+              </a:rPr>
+            </a:br>
+            <a:r>
+              <a:rPr kumimoji="0" lang="en-US" altLang="en-US" sz="1000" b="0" i="0" u="none" strike="noStrike" cap="none" normalizeH="0" baseline="0" dirty="0" smtClean="0">
+                <a:ln>
+                  <a:noFill/>
+                </a:ln>
+                <a:solidFill>
+                  <a:srgbClr val="000000"/>
+                </a:solidFill>
+                <a:effectLst/>
+                <a:latin typeface="Courier New" panose="02070309020205020404" pitchFamily="49" charset="0"/>
+                <a:cs typeface="Courier New" panose="02070309020205020404" pitchFamily="49" charset="0"/>
+              </a:rPr>
+              <a:t>            </a:t>
+            </a:r>
+            <a:r>
+              <a:rPr kumimoji="0" lang="en-US" altLang="en-US" sz="1000" b="0" i="0" u="none" strike="noStrike" cap="none" normalizeH="0" baseline="0" dirty="0" err="1" smtClean="0">
+                <a:ln>
+                  <a:noFill/>
+                </a:ln>
+                <a:solidFill>
+                  <a:srgbClr val="000000"/>
+                </a:solidFill>
+                <a:effectLst/>
+                <a:latin typeface="Courier New" panose="02070309020205020404" pitchFamily="49" charset="0"/>
+                <a:cs typeface="Courier New" panose="02070309020205020404" pitchFamily="49" charset="0"/>
+              </a:rPr>
+              <a:t>cmake</a:t>
+            </a:r>
+            <a:r>
+              <a:rPr kumimoji="0" lang="en-US" altLang="en-US" sz="1000" b="0" i="0" u="none" strike="noStrike" cap="none" normalizeH="0" baseline="0" dirty="0" smtClean="0">
+                <a:ln>
+                  <a:noFill/>
+                </a:ln>
+                <a:solidFill>
+                  <a:srgbClr val="000000"/>
+                </a:solidFill>
+                <a:effectLst/>
+                <a:latin typeface="Courier New" panose="02070309020205020404" pitchFamily="49" charset="0"/>
+                <a:cs typeface="Courier New" panose="02070309020205020404" pitchFamily="49" charset="0"/>
+              </a:rPr>
+              <a:t> {</a:t>
+            </a:r>
+            <a:br>
+              <a:rPr kumimoji="0" lang="en-US" altLang="en-US" sz="1000" b="0" i="0" u="none" strike="noStrike" cap="none" normalizeH="0" baseline="0" dirty="0" smtClean="0">
+                <a:ln>
+                  <a:noFill/>
+                </a:ln>
+                <a:solidFill>
+                  <a:srgbClr val="000000"/>
+                </a:solidFill>
+                <a:effectLst/>
+                <a:latin typeface="Courier New" panose="02070309020205020404" pitchFamily="49" charset="0"/>
+                <a:cs typeface="Courier New" panose="02070309020205020404" pitchFamily="49" charset="0"/>
+              </a:rPr>
+            </a:br>
+            <a:r>
+              <a:rPr kumimoji="0" lang="en-US" altLang="en-US" sz="1000" b="0" i="0" u="none" strike="noStrike" cap="none" normalizeH="0" baseline="0" dirty="0" smtClean="0">
+                <a:ln>
+                  <a:noFill/>
+                </a:ln>
+                <a:solidFill>
+                  <a:srgbClr val="000000"/>
+                </a:solidFill>
+                <a:effectLst/>
+                <a:latin typeface="Courier New" panose="02070309020205020404" pitchFamily="49" charset="0"/>
+                <a:cs typeface="Courier New" panose="02070309020205020404" pitchFamily="49" charset="0"/>
+              </a:rPr>
+              <a:t>               </a:t>
+            </a:r>
+            <a:r>
+              <a:rPr kumimoji="0" lang="en-US" altLang="en-US" sz="1000" b="0" i="0" u="none" strike="noStrike" cap="none" normalizeH="0" baseline="0" dirty="0" err="1" smtClean="0">
+                <a:ln>
+                  <a:noFill/>
+                </a:ln>
+                <a:solidFill>
+                  <a:srgbClr val="000000"/>
+                </a:solidFill>
+                <a:effectLst/>
+                <a:latin typeface="Courier New" panose="02070309020205020404" pitchFamily="49" charset="0"/>
+                <a:cs typeface="Courier New" panose="02070309020205020404" pitchFamily="49" charset="0"/>
+              </a:rPr>
+              <a:t>cppFlags</a:t>
+            </a:r>
+            <a:r>
+              <a:rPr kumimoji="0" lang="en-US" altLang="en-US" sz="1000" b="0" i="0" u="none" strike="noStrike" cap="none" normalizeH="0" baseline="0" dirty="0" smtClean="0">
+                <a:ln>
+                  <a:noFill/>
+                </a:ln>
+                <a:solidFill>
+                  <a:srgbClr val="000000"/>
+                </a:solidFill>
+                <a:effectLst/>
+                <a:latin typeface="Courier New" panose="02070309020205020404" pitchFamily="49" charset="0"/>
+                <a:cs typeface="Courier New" panose="02070309020205020404" pitchFamily="49" charset="0"/>
+              </a:rPr>
+              <a:t> </a:t>
+            </a:r>
+            <a:r>
+              <a:rPr kumimoji="0" lang="en-US" altLang="en-US" sz="1000" b="1" i="0" u="none" strike="noStrike" cap="none" normalizeH="0" baseline="0" dirty="0" smtClean="0">
+                <a:ln>
+                  <a:noFill/>
+                </a:ln>
+                <a:solidFill>
+                  <a:srgbClr val="008000"/>
+                </a:solidFill>
+                <a:effectLst/>
+                <a:latin typeface="Courier New" panose="02070309020205020404" pitchFamily="49" charset="0"/>
+                <a:cs typeface="Courier New" panose="02070309020205020404" pitchFamily="49" charset="0"/>
+              </a:rPr>
+              <a:t>"-</a:t>
+            </a:r>
+            <a:r>
+              <a:rPr kumimoji="0" lang="en-US" altLang="en-US" sz="1000" b="1" i="0" u="none" strike="noStrike" cap="none" normalizeH="0" baseline="0" dirty="0" err="1" smtClean="0">
+                <a:ln>
+                  <a:noFill/>
+                </a:ln>
+                <a:solidFill>
+                  <a:srgbClr val="008000"/>
+                </a:solidFill>
+                <a:effectLst/>
+                <a:latin typeface="Courier New" panose="02070309020205020404" pitchFamily="49" charset="0"/>
+                <a:cs typeface="Courier New" panose="02070309020205020404" pitchFamily="49" charset="0"/>
+              </a:rPr>
+              <a:t>std</a:t>
+            </a:r>
+            <a:r>
+              <a:rPr kumimoji="0" lang="en-US" altLang="en-US" sz="1000" b="1" i="0" u="none" strike="noStrike" cap="none" normalizeH="0" baseline="0" dirty="0" smtClean="0">
+                <a:ln>
+                  <a:noFill/>
+                </a:ln>
+                <a:solidFill>
+                  <a:srgbClr val="008000"/>
+                </a:solidFill>
+                <a:effectLst/>
+                <a:latin typeface="Courier New" panose="02070309020205020404" pitchFamily="49" charset="0"/>
+                <a:cs typeface="Courier New" panose="02070309020205020404" pitchFamily="49" charset="0"/>
+              </a:rPr>
+              <a:t>=</a:t>
+            </a:r>
+            <a:r>
+              <a:rPr kumimoji="0" lang="en-US" altLang="en-US" sz="1000" b="1" i="0" u="none" strike="noStrike" cap="none" normalizeH="0" baseline="0" dirty="0" err="1" smtClean="0">
+                <a:ln>
+                  <a:noFill/>
+                </a:ln>
+                <a:solidFill>
+                  <a:srgbClr val="008000"/>
+                </a:solidFill>
+                <a:effectLst/>
+                <a:latin typeface="Courier New" panose="02070309020205020404" pitchFamily="49" charset="0"/>
+                <a:cs typeface="Courier New" panose="02070309020205020404" pitchFamily="49" charset="0"/>
+              </a:rPr>
+              <a:t>c++</a:t>
+            </a:r>
+            <a:r>
+              <a:rPr kumimoji="0" lang="en-US" altLang="en-US" sz="1000" b="1" i="0" u="none" strike="noStrike" cap="none" normalizeH="0" baseline="0" dirty="0" smtClean="0">
+                <a:ln>
+                  <a:noFill/>
+                </a:ln>
+                <a:solidFill>
+                  <a:srgbClr val="008000"/>
+                </a:solidFill>
+                <a:effectLst/>
+                <a:latin typeface="Courier New" panose="02070309020205020404" pitchFamily="49" charset="0"/>
+                <a:cs typeface="Courier New" panose="02070309020205020404" pitchFamily="49" charset="0"/>
+              </a:rPr>
+              <a:t>11 -</a:t>
+            </a:r>
+            <a:r>
+              <a:rPr kumimoji="0" lang="en-US" altLang="en-US" sz="1000" b="1" i="0" u="none" strike="noStrike" cap="none" normalizeH="0" baseline="0" dirty="0" err="1" smtClean="0">
+                <a:ln>
+                  <a:noFill/>
+                </a:ln>
+                <a:solidFill>
+                  <a:srgbClr val="008000"/>
+                </a:solidFill>
+                <a:effectLst/>
+                <a:latin typeface="Courier New" panose="02070309020205020404" pitchFamily="49" charset="0"/>
+                <a:cs typeface="Courier New" panose="02070309020205020404" pitchFamily="49" charset="0"/>
+              </a:rPr>
+              <a:t>frtti</a:t>
+            </a:r>
+            <a:r>
+              <a:rPr kumimoji="0" lang="en-US" altLang="en-US" sz="1000" b="1" i="0" u="none" strike="noStrike" cap="none" normalizeH="0" baseline="0" dirty="0" smtClean="0">
+                <a:ln>
+                  <a:noFill/>
+                </a:ln>
+                <a:solidFill>
+                  <a:srgbClr val="008000"/>
+                </a:solidFill>
+                <a:effectLst/>
+                <a:latin typeface="Courier New" panose="02070309020205020404" pitchFamily="49" charset="0"/>
+                <a:cs typeface="Courier New" panose="02070309020205020404" pitchFamily="49" charset="0"/>
+              </a:rPr>
+              <a:t> -</a:t>
+            </a:r>
+            <a:r>
+              <a:rPr kumimoji="0" lang="en-US" altLang="en-US" sz="1000" b="1" i="0" u="none" strike="noStrike" cap="none" normalizeH="0" baseline="0" dirty="0" err="1" smtClean="0">
+                <a:ln>
+                  <a:noFill/>
+                </a:ln>
+                <a:solidFill>
+                  <a:srgbClr val="008000"/>
+                </a:solidFill>
+                <a:effectLst/>
+                <a:latin typeface="Courier New" panose="02070309020205020404" pitchFamily="49" charset="0"/>
+                <a:cs typeface="Courier New" panose="02070309020205020404" pitchFamily="49" charset="0"/>
+              </a:rPr>
+              <a:t>fexceptions</a:t>
+            </a:r>
+            <a:r>
+              <a:rPr kumimoji="0" lang="en-US" altLang="en-US" sz="1000" b="1" i="0" u="none" strike="noStrike" cap="none" normalizeH="0" baseline="0" dirty="0" smtClean="0">
+                <a:ln>
+                  <a:noFill/>
+                </a:ln>
+                <a:solidFill>
+                  <a:srgbClr val="008000"/>
+                </a:solidFill>
+                <a:effectLst/>
+                <a:latin typeface="Courier New" panose="02070309020205020404" pitchFamily="49" charset="0"/>
+                <a:cs typeface="Courier New" panose="02070309020205020404" pitchFamily="49" charset="0"/>
+              </a:rPr>
+              <a:t> -</a:t>
+            </a:r>
+            <a:r>
+              <a:rPr kumimoji="0" lang="en-US" altLang="en-US" sz="1000" b="1" i="0" u="none" strike="noStrike" cap="none" normalizeH="0" baseline="0" dirty="0" err="1" smtClean="0">
+                <a:ln>
+                  <a:noFill/>
+                </a:ln>
+                <a:solidFill>
+                  <a:srgbClr val="008000"/>
+                </a:solidFill>
+                <a:effectLst/>
+                <a:latin typeface="Courier New" panose="02070309020205020404" pitchFamily="49" charset="0"/>
+                <a:cs typeface="Courier New" panose="02070309020205020404" pitchFamily="49" charset="0"/>
+              </a:rPr>
+              <a:t>ffunction</a:t>
+            </a:r>
+            <a:r>
+              <a:rPr kumimoji="0" lang="en-US" altLang="en-US" sz="1000" b="1" i="0" u="none" strike="noStrike" cap="none" normalizeH="0" baseline="0" dirty="0" smtClean="0">
+                <a:ln>
+                  <a:noFill/>
+                </a:ln>
+                <a:solidFill>
+                  <a:srgbClr val="008000"/>
+                </a:solidFill>
+                <a:effectLst/>
+                <a:latin typeface="Courier New" panose="02070309020205020404" pitchFamily="49" charset="0"/>
+                <a:cs typeface="Courier New" panose="02070309020205020404" pitchFamily="49" charset="0"/>
+              </a:rPr>
+              <a:t>-sections -</a:t>
+            </a:r>
+            <a:r>
+              <a:rPr kumimoji="0" lang="en-US" altLang="en-US" sz="1000" b="1" i="0" u="none" strike="noStrike" cap="none" normalizeH="0" baseline="0" dirty="0" err="1" smtClean="0">
+                <a:ln>
+                  <a:noFill/>
+                </a:ln>
+                <a:solidFill>
+                  <a:srgbClr val="008000"/>
+                </a:solidFill>
+                <a:effectLst/>
+                <a:latin typeface="Courier New" panose="02070309020205020404" pitchFamily="49" charset="0"/>
+                <a:cs typeface="Courier New" panose="02070309020205020404" pitchFamily="49" charset="0"/>
+              </a:rPr>
+              <a:t>fdata</a:t>
+            </a:r>
+            <a:r>
+              <a:rPr kumimoji="0" lang="en-US" altLang="en-US" sz="1000" b="1" i="0" u="none" strike="noStrike" cap="none" normalizeH="0" baseline="0" dirty="0" smtClean="0">
+                <a:ln>
+                  <a:noFill/>
+                </a:ln>
+                <a:solidFill>
+                  <a:srgbClr val="008000"/>
+                </a:solidFill>
+                <a:effectLst/>
+                <a:latin typeface="Courier New" panose="02070309020205020404" pitchFamily="49" charset="0"/>
+                <a:cs typeface="Courier New" panose="02070309020205020404" pitchFamily="49" charset="0"/>
+              </a:rPr>
+              <a:t>-sections -</a:t>
+            </a:r>
+            <a:r>
+              <a:rPr kumimoji="0" lang="en-US" altLang="en-US" sz="1000" b="1" i="0" u="none" strike="noStrike" cap="none" normalizeH="0" baseline="0" dirty="0" err="1" smtClean="0">
+                <a:ln>
+                  <a:noFill/>
+                </a:ln>
+                <a:solidFill>
+                  <a:srgbClr val="008000"/>
+                </a:solidFill>
+                <a:effectLst/>
+                <a:latin typeface="Courier New" panose="02070309020205020404" pitchFamily="49" charset="0"/>
+                <a:cs typeface="Courier New" panose="02070309020205020404" pitchFamily="49" charset="0"/>
+              </a:rPr>
+              <a:t>fvisibility</a:t>
+            </a:r>
+            <a:r>
+              <a:rPr kumimoji="0" lang="en-US" altLang="en-US" sz="1000" b="1" i="0" u="none" strike="noStrike" cap="none" normalizeH="0" baseline="0" dirty="0" smtClean="0">
+                <a:ln>
+                  <a:noFill/>
+                </a:ln>
+                <a:solidFill>
+                  <a:srgbClr val="008000"/>
+                </a:solidFill>
+                <a:effectLst/>
+                <a:latin typeface="Courier New" panose="02070309020205020404" pitchFamily="49" charset="0"/>
+                <a:cs typeface="Courier New" panose="02070309020205020404" pitchFamily="49" charset="0"/>
+              </a:rPr>
+              <a:t>=hidden"</a:t>
+            </a:r>
+            <a:br>
+              <a:rPr kumimoji="0" lang="en-US" altLang="en-US" sz="1000" b="1" i="0" u="none" strike="noStrike" cap="none" normalizeH="0" baseline="0" dirty="0" smtClean="0">
+                <a:ln>
+                  <a:noFill/>
+                </a:ln>
+                <a:solidFill>
+                  <a:srgbClr val="008000"/>
+                </a:solidFill>
+                <a:effectLst/>
+                <a:latin typeface="Courier New" panose="02070309020205020404" pitchFamily="49" charset="0"/>
+                <a:cs typeface="Courier New" panose="02070309020205020404" pitchFamily="49" charset="0"/>
+              </a:rPr>
+            </a:br>
+            <a:r>
+              <a:rPr kumimoji="0" lang="en-US" altLang="en-US" sz="1000" b="1" i="0" u="none" strike="noStrike" cap="none" normalizeH="0" baseline="0" dirty="0" smtClean="0">
+                <a:ln>
+                  <a:noFill/>
+                </a:ln>
+                <a:solidFill>
+                  <a:srgbClr val="008000"/>
+                </a:solidFill>
+                <a:effectLst/>
+                <a:latin typeface="Courier New" panose="02070309020205020404" pitchFamily="49" charset="0"/>
+                <a:cs typeface="Courier New" panose="02070309020205020404" pitchFamily="49" charset="0"/>
+              </a:rPr>
+              <a:t>            </a:t>
+            </a:r>
+            <a:r>
+              <a:rPr kumimoji="0" lang="en-US" altLang="en-US" sz="1000" b="0" i="0" u="none" strike="noStrike" cap="none" normalizeH="0" baseline="0" dirty="0" smtClean="0">
+                <a:ln>
+                  <a:noFill/>
+                </a:ln>
+                <a:solidFill>
+                  <a:srgbClr val="000000"/>
+                </a:solidFill>
+                <a:effectLst/>
+                <a:latin typeface="Courier New" panose="02070309020205020404" pitchFamily="49" charset="0"/>
+                <a:cs typeface="Courier New" panose="02070309020205020404" pitchFamily="49" charset="0"/>
+              </a:rPr>
+              <a:t>}</a:t>
+            </a:r>
+            <a:br>
+              <a:rPr kumimoji="0" lang="en-US" altLang="en-US" sz="1000" b="0" i="0" u="none" strike="noStrike" cap="none" normalizeH="0" baseline="0" dirty="0" smtClean="0">
+                <a:ln>
+                  <a:noFill/>
+                </a:ln>
+                <a:solidFill>
+                  <a:srgbClr val="000000"/>
+                </a:solidFill>
+                <a:effectLst/>
+                <a:latin typeface="Courier New" panose="02070309020205020404" pitchFamily="49" charset="0"/>
+                <a:cs typeface="Courier New" panose="02070309020205020404" pitchFamily="49" charset="0"/>
+              </a:rPr>
+            </a:br>
+            <a:r>
+              <a:rPr kumimoji="0" lang="en-US" altLang="en-US" sz="1000" b="0" i="0" u="none" strike="noStrike" cap="none" normalizeH="0" baseline="0" dirty="0" smtClean="0">
+                <a:ln>
+                  <a:noFill/>
+                </a:ln>
+                <a:solidFill>
+                  <a:srgbClr val="000000"/>
+                </a:solidFill>
+                <a:effectLst/>
+                <a:latin typeface="Courier New" panose="02070309020205020404" pitchFamily="49" charset="0"/>
+                <a:cs typeface="Courier New" panose="02070309020205020404" pitchFamily="49" charset="0"/>
+              </a:rPr>
+              <a:t>        }</a:t>
+            </a:r>
+            <a:br>
+              <a:rPr kumimoji="0" lang="en-US" altLang="en-US" sz="1000" b="0" i="0" u="none" strike="noStrike" cap="none" normalizeH="0" baseline="0" dirty="0" smtClean="0">
+                <a:ln>
+                  <a:noFill/>
+                </a:ln>
+                <a:solidFill>
+                  <a:srgbClr val="000000"/>
+                </a:solidFill>
+                <a:effectLst/>
+                <a:latin typeface="Courier New" panose="02070309020205020404" pitchFamily="49" charset="0"/>
+                <a:cs typeface="Courier New" panose="02070309020205020404" pitchFamily="49" charset="0"/>
+              </a:rPr>
+            </a:br>
+            <a:r>
+              <a:rPr kumimoji="0" lang="en-US" altLang="en-US" sz="1000" b="0" i="0" u="none" strike="noStrike" cap="none" normalizeH="0" baseline="0" dirty="0" smtClean="0">
+                <a:ln>
+                  <a:noFill/>
+                </a:ln>
+                <a:solidFill>
+                  <a:srgbClr val="000000"/>
+                </a:solidFill>
+                <a:effectLst/>
+                <a:latin typeface="Courier New" panose="02070309020205020404" pitchFamily="49" charset="0"/>
+                <a:cs typeface="Courier New" panose="02070309020205020404" pitchFamily="49" charset="0"/>
+              </a:rPr>
+              <a:t>    }</a:t>
+            </a:r>
+            <a:endParaRPr kumimoji="0" lang="en-US" altLang="en-US" sz="1800" b="0" i="0" u="none" strike="noStrike" cap="none" normalizeH="0" baseline="0" dirty="0" smtClean="0">
+              <a:ln>
+                <a:noFill/>
+              </a:ln>
+              <a:solidFill>
+                <a:schemeClr val="tx1"/>
+              </a:solidFill>
+              <a:effectLst/>
+              <a:latin typeface="Arial" panose="020B0604020202020204" pitchFamily="34" charset="0"/>
+            </a:endParaRPr>
           </a:p>
         </p:txBody>
       </p:sp>
     </p:spTree>
     <p:extLst>
       <p:ext uri="{BB962C8B-B14F-4D97-AF65-F5344CB8AC3E}">
-        <p14:creationId xmlns:p14="http://schemas.microsoft.com/office/powerpoint/2010/main" val="2286164954"/>
+        <p14:creationId xmlns:p14="http://schemas.microsoft.com/office/powerpoint/2010/main" val="670405104"/>
       </p:ext>
     </p:extLst>
   </p:cSld>
@@ -6792,4 +10155,265 @@
     </a:ext>
   </a:extLst>
 </a:theme>
+</file>
+
+<file path=ppt/theme/theme2.xml><?xml version="1.0" encoding="utf-8"?>
+<a:theme xmlns:a="http://schemas.openxmlformats.org/drawingml/2006/main" name="Office Theme">
+  <a:themeElements>
+    <a:clrScheme name="Office">
+      <a:dk1>
+        <a:sysClr val="windowText" lastClr="000000"/>
+      </a:dk1>
+      <a:lt1>
+        <a:sysClr val="window" lastClr="FFFFFF"/>
+      </a:lt1>
+      <a:dk2>
+        <a:srgbClr val="44546A"/>
+      </a:dk2>
+      <a:lt2>
+        <a:srgbClr val="E7E6E6"/>
+      </a:lt2>
+      <a:accent1>
+        <a:srgbClr val="5B9BD5"/>
+      </a:accent1>
+      <a:accent2>
+        <a:srgbClr val="ED7D31"/>
+      </a:accent2>
+      <a:accent3>
+        <a:srgbClr val="A5A5A5"/>
+      </a:accent3>
+      <a:accent4>
+        <a:srgbClr val="FFC000"/>
+      </a:accent4>
+      <a:accent5>
+        <a:srgbClr val="4472C4"/>
+      </a:accent5>
+      <a:accent6>
+        <a:srgbClr val="70AD47"/>
+      </a:accent6>
+      <a:hlink>
+        <a:srgbClr val="0563C1"/>
+      </a:hlink>
+      <a:folHlink>
+        <a:srgbClr val="954F72"/>
+      </a:folHlink>
+    </a:clrScheme>
+    <a:fontScheme name="Office">
+      <a:majorFont>
+        <a:latin typeface="Calibri Light" panose="020F0302020204030204"/>
+        <a:ea typeface=""/>
+        <a:cs typeface=""/>
+        <a:font script="Jpan" typeface="游ゴシック Light"/>
+        <a:font script="Hang" typeface="맑은 고딕"/>
+        <a:font script="Hans" typeface="等线 Light"/>
+        <a:font script="Hant" typeface="新細明體"/>
+        <a:font script="Arab" typeface="Times New Roman"/>
+        <a:font script="Hebr" typeface="Times New Roman"/>
+        <a:font script="Thai" typeface="Angsana New"/>
+        <a:font script="Ethi" typeface="Nyala"/>
+        <a:font script="Beng" typeface="Vrinda"/>
+        <a:font script="Gujr" typeface="Shruti"/>
+        <a:font script="Khmr" typeface="MoolBoran"/>
+        <a:font script="Knda" typeface="Tunga"/>
+        <a:font script="Guru" typeface="Raavi"/>
+        <a:font script="Cans" typeface="Euphemia"/>
+        <a:font script="Cher" typeface="Plantagenet Cherokee"/>
+        <a:font script="Yiii" typeface="Microsoft Yi Baiti"/>
+        <a:font script="Tibt" typeface="Microsoft Himalaya"/>
+        <a:font script="Thaa" typeface="MV Boli"/>
+        <a:font script="Deva" typeface="Mangal"/>
+        <a:font script="Telu" typeface="Gautami"/>
+        <a:font script="Taml" typeface="Latha"/>
+        <a:font script="Syrc" typeface="Estrangelo Edessa"/>
+        <a:font script="Orya" typeface="Kalinga"/>
+        <a:font script="Mlym" typeface="Kartika"/>
+        <a:font script="Laoo" typeface="DokChampa"/>
+        <a:font script="Sinh" typeface="Iskoola Pota"/>
+        <a:font script="Mong" typeface="Mongolian Baiti"/>
+        <a:font script="Viet" typeface="Times New Roman"/>
+        <a:font script="Uigh" typeface="Microsoft Uighur"/>
+        <a:font script="Geor" typeface="Sylfaen"/>
+      </a:majorFont>
+      <a:minorFont>
+        <a:latin typeface="Calibri" panose="020F0502020204030204"/>
+        <a:ea typeface=""/>
+        <a:cs typeface=""/>
+        <a:font script="Jpan" typeface="游ゴシック"/>
+        <a:font script="Hang" typeface="맑은 고딕"/>
+        <a:font script="Hans" typeface="等线"/>
+        <a:font script="Hant" typeface="新細明體"/>
+        <a:font script="Arab" typeface="Arial"/>
+        <a:font script="Hebr" typeface="Arial"/>
+        <a:font script="Thai" typeface="Cordia New"/>
+        <a:font script="Ethi" typeface="Nyala"/>
+        <a:font script="Beng" typeface="Vrinda"/>
+        <a:font script="Gujr" typeface="Shruti"/>
+        <a:font script="Khmr" typeface="DaunPenh"/>
+        <a:font script="Knda" typeface="Tunga"/>
+        <a:font script="Guru" typeface="Raavi"/>
+        <a:font script="Cans" typeface="Euphemia"/>
+        <a:font script="Cher" typeface="Plantagenet Cherokee"/>
+        <a:font script="Yiii" typeface="Microsoft Yi Baiti"/>
+        <a:font script="Tibt" typeface="Microsoft Himalaya"/>
+        <a:font script="Thaa" typeface="MV Boli"/>
+        <a:font script="Deva" typeface="Mangal"/>
+        <a:font script="Telu" typeface="Gautami"/>
+        <a:font script="Taml" typeface="Latha"/>
+        <a:font script="Syrc" typeface="Estrangelo Edessa"/>
+        <a:font script="Orya" typeface="Kalinga"/>
+        <a:font script="Mlym" typeface="Kartika"/>
+        <a:font script="Laoo" typeface="DokChampa"/>
+        <a:font script="Sinh" typeface="Iskoola Pota"/>
+        <a:font script="Mong" typeface="Mongolian Baiti"/>
+        <a:font script="Viet" typeface="Arial"/>
+        <a:font script="Uigh" typeface="Microsoft Uighur"/>
+        <a:font script="Geor" typeface="Sylfaen"/>
+      </a:minorFont>
+    </a:fontScheme>
+    <a:fmtScheme name="Office">
+      <a:fillStyleLst>
+        <a:solidFill>
+          <a:schemeClr val="phClr"/>
+        </a:solidFill>
+        <a:gradFill rotWithShape="1">
+          <a:gsLst>
+            <a:gs pos="0">
+              <a:schemeClr val="phClr">
+                <a:lumMod val="110000"/>
+                <a:satMod val="105000"/>
+                <a:tint val="67000"/>
+              </a:schemeClr>
+            </a:gs>
+            <a:gs pos="50000">
+              <a:schemeClr val="phClr">
+                <a:lumMod val="105000"/>
+                <a:satMod val="103000"/>
+                <a:tint val="73000"/>
+              </a:schemeClr>
+            </a:gs>
+            <a:gs pos="100000">
+              <a:schemeClr val="phClr">
+                <a:lumMod val="105000"/>
+                <a:satMod val="109000"/>
+                <a:tint val="81000"/>
+              </a:schemeClr>
+            </a:gs>
+          </a:gsLst>
+          <a:lin ang="5400000" scaled="0"/>
+        </a:gradFill>
+        <a:gradFill rotWithShape="1">
+          <a:gsLst>
+            <a:gs pos="0">
+              <a:schemeClr val="phClr">
+                <a:satMod val="103000"/>
+                <a:lumMod val="102000"/>
+                <a:tint val="94000"/>
+              </a:schemeClr>
+            </a:gs>
+            <a:gs pos="50000">
+              <a:schemeClr val="phClr">
+                <a:satMod val="110000"/>
+                <a:lumMod val="100000"/>
+                <a:shade val="100000"/>
+              </a:schemeClr>
+            </a:gs>
+            <a:gs pos="100000">
+              <a:schemeClr val="phClr">
+                <a:lumMod val="99000"/>
+                <a:satMod val="120000"/>
+                <a:shade val="78000"/>
+              </a:schemeClr>
+            </a:gs>
+          </a:gsLst>
+          <a:lin ang="5400000" scaled="0"/>
+        </a:gradFill>
+      </a:fillStyleLst>
+      <a:lnStyleLst>
+        <a:ln w="6350" cap="flat" cmpd="sng" algn="ctr">
+          <a:solidFill>
+            <a:schemeClr val="phClr"/>
+          </a:solidFill>
+          <a:prstDash val="solid"/>
+          <a:miter lim="800000"/>
+        </a:ln>
+        <a:ln w="12700" cap="flat" cmpd="sng" algn="ctr">
+          <a:solidFill>
+            <a:schemeClr val="phClr"/>
+          </a:solidFill>
+          <a:prstDash val="solid"/>
+          <a:miter lim="800000"/>
+        </a:ln>
+        <a:ln w="19050" cap="flat" cmpd="sng" algn="ctr">
+          <a:solidFill>
+            <a:schemeClr val="phClr"/>
+          </a:solidFill>
+          <a:prstDash val="solid"/>
+          <a:miter lim="800000"/>
+        </a:ln>
+      </a:lnStyleLst>
+      <a:effectStyleLst>
+        <a:effectStyle>
+          <a:effectLst/>
+        </a:effectStyle>
+        <a:effectStyle>
+          <a:effectLst/>
+        </a:effectStyle>
+        <a:effectStyle>
+          <a:effectLst>
+            <a:outerShdw blurRad="57150" dist="19050" dir="5400000" algn="ctr" rotWithShape="0">
+              <a:srgbClr val="000000">
+                <a:alpha val="63000"/>
+              </a:srgbClr>
+            </a:outerShdw>
+          </a:effectLst>
+        </a:effectStyle>
+      </a:effectStyleLst>
+      <a:bgFillStyleLst>
+        <a:solidFill>
+          <a:schemeClr val="phClr"/>
+        </a:solidFill>
+        <a:solidFill>
+          <a:schemeClr val="phClr">
+            <a:tint val="95000"/>
+            <a:satMod val="170000"/>
+          </a:schemeClr>
+        </a:solidFill>
+        <a:gradFill rotWithShape="1">
+          <a:gsLst>
+            <a:gs pos="0">
+              <a:schemeClr val="phClr">
+                <a:tint val="93000"/>
+                <a:satMod val="150000"/>
+                <a:shade val="98000"/>
+                <a:lumMod val="102000"/>
+              </a:schemeClr>
+            </a:gs>
+            <a:gs pos="50000">
+              <a:schemeClr val="phClr">
+                <a:tint val="98000"/>
+                <a:satMod val="130000"/>
+                <a:shade val="90000"/>
+                <a:lumMod val="103000"/>
+              </a:schemeClr>
+            </a:gs>
+            <a:gs pos="100000">
+              <a:schemeClr val="phClr">
+                <a:shade val="63000"/>
+                <a:satMod val="120000"/>
+              </a:schemeClr>
+            </a:gs>
+          </a:gsLst>
+          <a:lin ang="5400000" scaled="0"/>
+        </a:gradFill>
+      </a:bgFillStyleLst>
+    </a:fmtScheme>
+  </a:themeElements>
+  <a:objectDefaults/>
+  <a:extraClrSchemeLst/>
+  <a:extLst>
+    <a:ext uri="{05A4C25C-085E-4340-85A3-A5531E510DB2}">
+      <thm15:themeFamily xmlns:thm15="http://schemas.microsoft.com/office/thememl/2012/main" name="Office Theme" id="{62F939B6-93AF-4DB8-9C6B-D6C7DFDC589F}" vid="{4A3C46E8-61CC-4603-A589-7422A47A8E4A}"/>
+    </a:ext>
+  </a:extLst>
+</a:theme>
 </file>